--- a/RL/03 - Продвинутые темы Reinforcement Learning/03 - 02 Multiagent learning (MARL - DDPG)/MARL DDPG.pptx
+++ b/RL/03 - Продвинутые темы Reinforcement Learning/03 - 02 Multiagent learning (MARL - DDPG)/MARL DDPG.pptx
@@ -6,7 +6,7 @@
     <p:sldMasterId id="2147483692" r:id="rId2"/>
   </p:sldMasterIdLst>
   <p:notesMasterIdLst>
-    <p:notesMasterId r:id="rId31"/>
+    <p:notesMasterId r:id="rId36"/>
   </p:notesMasterIdLst>
   <p:sldIdLst>
     <p:sldId id="256" r:id="rId3"/>
@@ -19,52 +19,57 @@
     <p:sldId id="264" r:id="rId10"/>
     <p:sldId id="311" r:id="rId11"/>
     <p:sldId id="355" r:id="rId12"/>
-    <p:sldId id="357" r:id="rId13"/>
+    <p:sldId id="364" r:id="rId13"/>
     <p:sldId id="344" r:id="rId14"/>
-    <p:sldId id="267" r:id="rId15"/>
-    <p:sldId id="356" r:id="rId16"/>
-    <p:sldId id="359" r:id="rId17"/>
-    <p:sldId id="358" r:id="rId18"/>
-    <p:sldId id="339" r:id="rId19"/>
-    <p:sldId id="278" r:id="rId20"/>
-    <p:sldId id="279" r:id="rId21"/>
-    <p:sldId id="280" r:id="rId22"/>
-    <p:sldId id="281" r:id="rId23"/>
-    <p:sldId id="282" r:id="rId24"/>
-    <p:sldId id="283" r:id="rId25"/>
-    <p:sldId id="345" r:id="rId26"/>
-    <p:sldId id="287" r:id="rId27"/>
-    <p:sldId id="289" r:id="rId28"/>
-    <p:sldId id="265" r:id="rId29"/>
-    <p:sldId id="337" r:id="rId30"/>
+    <p:sldId id="363" r:id="rId15"/>
+    <p:sldId id="357" r:id="rId16"/>
+    <p:sldId id="365" r:id="rId17"/>
+    <p:sldId id="267" r:id="rId18"/>
+    <p:sldId id="356" r:id="rId19"/>
+    <p:sldId id="360" r:id="rId20"/>
+    <p:sldId id="359" r:id="rId21"/>
+    <p:sldId id="358" r:id="rId22"/>
+    <p:sldId id="361" r:id="rId23"/>
+    <p:sldId id="362" r:id="rId24"/>
+    <p:sldId id="278" r:id="rId25"/>
+    <p:sldId id="279" r:id="rId26"/>
+    <p:sldId id="280" r:id="rId27"/>
+    <p:sldId id="281" r:id="rId28"/>
+    <p:sldId id="282" r:id="rId29"/>
+    <p:sldId id="283" r:id="rId30"/>
+    <p:sldId id="345" r:id="rId31"/>
+    <p:sldId id="287" r:id="rId32"/>
+    <p:sldId id="289" r:id="rId33"/>
+    <p:sldId id="265" r:id="rId34"/>
+    <p:sldId id="337" r:id="rId35"/>
   </p:sldIdLst>
   <p:sldSz cx="9144000" cy="5143500" type="screen16x9"/>
   <p:notesSz cx="6858000" cy="9144000"/>
   <p:embeddedFontLst>
     <p:embeddedFont>
       <p:font typeface="Cambria Math" panose="02040503050406030204" pitchFamily="18" charset="0"/>
-      <p:regular r:id="rId32"/>
+      <p:regular r:id="rId37"/>
     </p:embeddedFont>
     <p:embeddedFont>
       <p:font typeface="Fira Sans" panose="020B0503050000020004" pitchFamily="34" charset="0"/>
-      <p:regular r:id="rId33"/>
-      <p:bold r:id="rId34"/>
-      <p:italic r:id="rId35"/>
-      <p:boldItalic r:id="rId36"/>
+      <p:regular r:id="rId38"/>
+      <p:bold r:id="rId39"/>
+      <p:italic r:id="rId40"/>
+      <p:boldItalic r:id="rId41"/>
     </p:embeddedFont>
     <p:embeddedFont>
       <p:font typeface="Helvetica Neue" panose="02000503000000020004" pitchFamily="2" charset="0"/>
-      <p:regular r:id="rId37"/>
-      <p:bold r:id="rId38"/>
-      <p:italic r:id="rId39"/>
-      <p:boldItalic r:id="rId40"/>
+      <p:regular r:id="rId42"/>
+      <p:bold r:id="rId43"/>
+      <p:italic r:id="rId44"/>
+      <p:boldItalic r:id="rId45"/>
     </p:embeddedFont>
     <p:embeddedFont>
       <p:font typeface="Roboto" panose="02000000000000000000" pitchFamily="2" charset="0"/>
-      <p:regular r:id="rId41"/>
-      <p:bold r:id="rId42"/>
-      <p:italic r:id="rId43"/>
-      <p:boldItalic r:id="rId44"/>
+      <p:regular r:id="rId46"/>
+      <p:bold r:id="rId47"/>
+      <p:italic r:id="rId48"/>
+      <p:boldItalic r:id="rId49"/>
     </p:embeddedFont>
   </p:embeddedFontLst>
   <p:defaultTextStyle>
@@ -1073,7 +1078,7 @@
     </p:spTree>
     <p:extLst>
       <p:ext uri="{BB962C8B-B14F-4D97-AF65-F5344CB8AC3E}">
-        <p14:creationId xmlns:p14="http://schemas.microsoft.com/office/powerpoint/2010/main" val="1575579739"/>
+        <p14:creationId xmlns:p14="http://schemas.microsoft.com/office/powerpoint/2010/main" val="3606506924"/>
       </p:ext>
     </p:extLst>
   </p:cSld>
@@ -1289,6 +1294,11 @@
         </p:txBody>
       </p:sp>
     </p:spTree>
+    <p:extLst>
+      <p:ext uri="{BB962C8B-B14F-4D97-AF65-F5344CB8AC3E}">
+        <p14:creationId xmlns:p14="http://schemas.microsoft.com/office/powerpoint/2010/main" val="1432096277"/>
+      </p:ext>
+    </p:extLst>
   </p:cSld>
   <p:clrMapOvr>
     <a:masterClrMapping/>
@@ -1395,7 +1405,7 @@
     </p:spTree>
     <p:extLst>
       <p:ext uri="{BB962C8B-B14F-4D97-AF65-F5344CB8AC3E}">
-        <p14:creationId xmlns:p14="http://schemas.microsoft.com/office/powerpoint/2010/main" val="3799841286"/>
+        <p14:creationId xmlns:p14="http://schemas.microsoft.com/office/powerpoint/2010/main" val="1575579739"/>
       </p:ext>
     </p:extLst>
   </p:cSld>
@@ -1504,7 +1514,7 @@
     </p:spTree>
     <p:extLst>
       <p:ext uri="{BB962C8B-B14F-4D97-AF65-F5344CB8AC3E}">
-        <p14:creationId xmlns:p14="http://schemas.microsoft.com/office/powerpoint/2010/main" val="3325455679"/>
+        <p14:creationId xmlns:p14="http://schemas.microsoft.com/office/powerpoint/2010/main" val="775893720"/>
       </p:ext>
     </p:extLst>
   </p:cSld>
@@ -1611,11 +1621,6 @@
         </p:txBody>
       </p:sp>
     </p:spTree>
-    <p:extLst>
-      <p:ext uri="{BB962C8B-B14F-4D97-AF65-F5344CB8AC3E}">
-        <p14:creationId xmlns:p14="http://schemas.microsoft.com/office/powerpoint/2010/main" val="1198269385"/>
-      </p:ext>
-    </p:extLst>
   </p:cSld>
   <p:clrMapOvr>
     <a:masterClrMapping/>
@@ -1722,7 +1727,7 @@
     </p:spTree>
     <p:extLst>
       <p:ext uri="{BB962C8B-B14F-4D97-AF65-F5344CB8AC3E}">
-        <p14:creationId xmlns:p14="http://schemas.microsoft.com/office/powerpoint/2010/main" val="443033198"/>
+        <p14:creationId xmlns:p14="http://schemas.microsoft.com/office/powerpoint/2010/main" val="3799841286"/>
       </p:ext>
     </p:extLst>
   </p:cSld>
@@ -1737,7 +1742,7 @@
   <p:cSld>
     <p:spTree>
       <p:nvGrpSpPr>
-        <p:cNvPr id="1" name="Shape 380"/>
+        <p:cNvPr id="1" name="Shape 306"/>
         <p:cNvGrpSpPr/>
         <p:nvPr/>
       </p:nvGrpSpPr>
@@ -1751,7 +1756,7 @@
       </p:grpSpPr>
       <p:sp>
         <p:nvSpPr>
-          <p:cNvPr id="381" name="Google Shape;381;gdf29b9fb24_0_154:notes"/>
+          <p:cNvPr id="307" name="Google Shape;307;gdf29b9fb24_0_69:notes"/>
           <p:cNvSpPr>
             <a:spLocks noGrp="1" noRot="1" noChangeAspect="1"/>
           </p:cNvSpPr>
@@ -1792,7 +1797,7 @@
       </p:sp>
       <p:sp>
         <p:nvSpPr>
-          <p:cNvPr id="382" name="Google Shape;382;gdf29b9fb24_0_154:notes"/>
+          <p:cNvPr id="308" name="Google Shape;308;gdf29b9fb24_0_69:notes"/>
           <p:cNvSpPr txBox="1">
             <a:spLocks noGrp="1"/>
           </p:cNvSpPr>
@@ -1829,6 +1834,11 @@
         </p:txBody>
       </p:sp>
     </p:spTree>
+    <p:extLst>
+      <p:ext uri="{BB962C8B-B14F-4D97-AF65-F5344CB8AC3E}">
+        <p14:creationId xmlns:p14="http://schemas.microsoft.com/office/powerpoint/2010/main" val="4256915866"/>
+      </p:ext>
+    </p:extLst>
   </p:cSld>
   <p:clrMapOvr>
     <a:masterClrMapping/>
@@ -1841,7 +1851,7 @@
   <p:cSld>
     <p:spTree>
       <p:nvGrpSpPr>
-        <p:cNvPr id="1" name="Shape 385"/>
+        <p:cNvPr id="1" name="Shape 301"/>
         <p:cNvGrpSpPr/>
         <p:nvPr/>
       </p:nvGrpSpPr>
@@ -1855,7 +1865,7 @@
       </p:grpSpPr>
       <p:sp>
         <p:nvSpPr>
-          <p:cNvPr id="386" name="Google Shape;386;gdf29b9fb24_0_173:notes"/>
+          <p:cNvPr id="302" name="Google Shape;302;gdf29b9fb24_0_22:notes"/>
           <p:cNvSpPr>
             <a:spLocks noGrp="1" noRot="1" noChangeAspect="1"/>
           </p:cNvSpPr>
@@ -1896,7 +1906,7 @@
       </p:sp>
       <p:sp>
         <p:nvSpPr>
-          <p:cNvPr id="387" name="Google Shape;387;gdf29b9fb24_0_173:notes"/>
+          <p:cNvPr id="303" name="Google Shape;303;gdf29b9fb24_0_22:notes"/>
           <p:cNvSpPr txBox="1">
             <a:spLocks noGrp="1"/>
           </p:cNvSpPr>
@@ -1933,6 +1943,11 @@
         </p:txBody>
       </p:sp>
     </p:spTree>
+    <p:extLst>
+      <p:ext uri="{BB962C8B-B14F-4D97-AF65-F5344CB8AC3E}">
+        <p14:creationId xmlns:p14="http://schemas.microsoft.com/office/powerpoint/2010/main" val="3325455679"/>
+      </p:ext>
+    </p:extLst>
   </p:cSld>
   <p:clrMapOvr>
     <a:masterClrMapping/>
@@ -2049,6 +2064,541 @@
   <p:cSld>
     <p:spTree>
       <p:nvGrpSpPr>
+        <p:cNvPr id="1" name="Shape 306"/>
+        <p:cNvGrpSpPr/>
+        <p:nvPr/>
+      </p:nvGrpSpPr>
+      <p:grpSpPr>
+        <a:xfrm>
+          <a:off x="0" y="0"/>
+          <a:ext cx="0" cy="0"/>
+          <a:chOff x="0" y="0"/>
+          <a:chExt cx="0" cy="0"/>
+        </a:xfrm>
+      </p:grpSpPr>
+      <p:sp>
+        <p:nvSpPr>
+          <p:cNvPr id="307" name="Google Shape;307;gdf29b9fb24_0_69:notes"/>
+          <p:cNvSpPr>
+            <a:spLocks noGrp="1" noRot="1" noChangeAspect="1"/>
+          </p:cNvSpPr>
+          <p:nvPr>
+            <p:ph type="sldImg" idx="2"/>
+          </p:nvPr>
+        </p:nvSpPr>
+        <p:spPr>
+          <a:xfrm>
+            <a:off x="381000" y="685800"/>
+            <a:ext cx="6096000" cy="3429000"/>
+          </a:xfrm>
+          <a:custGeom>
+            <a:avLst/>
+            <a:gdLst/>
+            <a:ahLst/>
+            <a:cxnLst/>
+            <a:rect l="l" t="t" r="r" b="b"/>
+            <a:pathLst>
+              <a:path w="120000" h="120000" extrusionOk="0">
+                <a:moveTo>
+                  <a:pt x="0" y="0"/>
+                </a:moveTo>
+                <a:lnTo>
+                  <a:pt x="120000" y="0"/>
+                </a:lnTo>
+                <a:lnTo>
+                  <a:pt x="120000" y="120000"/>
+                </a:lnTo>
+                <a:lnTo>
+                  <a:pt x="0" y="120000"/>
+                </a:lnTo>
+                <a:close/>
+              </a:path>
+            </a:pathLst>
+          </a:custGeom>
+        </p:spPr>
+      </p:sp>
+      <p:sp>
+        <p:nvSpPr>
+          <p:cNvPr id="308" name="Google Shape;308;gdf29b9fb24_0_69:notes"/>
+          <p:cNvSpPr txBox="1">
+            <a:spLocks noGrp="1"/>
+          </p:cNvSpPr>
+          <p:nvPr>
+            <p:ph type="body" idx="1"/>
+          </p:nvPr>
+        </p:nvSpPr>
+        <p:spPr>
+          <a:xfrm>
+            <a:off x="685800" y="4343400"/>
+            <a:ext cx="5486400" cy="4114800"/>
+          </a:xfrm>
+          <a:prstGeom prst="rect">
+            <a:avLst/>
+          </a:prstGeom>
+        </p:spPr>
+        <p:txBody>
+          <a:bodyPr spcFirstLastPara="1" wrap="square" lIns="91425" tIns="91425" rIns="91425" bIns="91425" anchor="t" anchorCtr="0">
+            <a:noAutofit/>
+          </a:bodyPr>
+          <a:lstStyle/>
+          <a:p>
+            <a:pPr marL="0" lvl="0" indent="0" algn="l" rtl="0">
+              <a:spcBef>
+                <a:spcPts val="0"/>
+              </a:spcBef>
+              <a:spcAft>
+                <a:spcPts val="0"/>
+              </a:spcAft>
+              <a:buNone/>
+            </a:pPr>
+            <a:endParaRPr/>
+          </a:p>
+        </p:txBody>
+      </p:sp>
+    </p:spTree>
+    <p:extLst>
+      <p:ext uri="{BB962C8B-B14F-4D97-AF65-F5344CB8AC3E}">
+        <p14:creationId xmlns:p14="http://schemas.microsoft.com/office/powerpoint/2010/main" val="1198269385"/>
+      </p:ext>
+    </p:extLst>
+  </p:cSld>
+  <p:clrMapOvr>
+    <a:masterClrMapping/>
+  </p:clrMapOvr>
+</p:notes>
+</file>
+
+<file path=ppt/notesSlides/notesSlide21.xml><?xml version="1.0" encoding="utf-8"?>
+<p:notes xmlns:a="http://schemas.openxmlformats.org/drawingml/2006/main" xmlns:r="http://schemas.openxmlformats.org/officeDocument/2006/relationships" xmlns:p="http://schemas.openxmlformats.org/presentationml/2006/main" showMasterSp="0" showMasterPhAnim="0">
+  <p:cSld>
+    <p:spTree>
+      <p:nvGrpSpPr>
+        <p:cNvPr id="1" name="Shape 301"/>
+        <p:cNvGrpSpPr/>
+        <p:nvPr/>
+      </p:nvGrpSpPr>
+      <p:grpSpPr>
+        <a:xfrm>
+          <a:off x="0" y="0"/>
+          <a:ext cx="0" cy="0"/>
+          <a:chOff x="0" y="0"/>
+          <a:chExt cx="0" cy="0"/>
+        </a:xfrm>
+      </p:grpSpPr>
+      <p:sp>
+        <p:nvSpPr>
+          <p:cNvPr id="302" name="Google Shape;302;gdf29b9fb24_0_22:notes"/>
+          <p:cNvSpPr>
+            <a:spLocks noGrp="1" noRot="1" noChangeAspect="1"/>
+          </p:cNvSpPr>
+          <p:nvPr>
+            <p:ph type="sldImg" idx="2"/>
+          </p:nvPr>
+        </p:nvSpPr>
+        <p:spPr>
+          <a:xfrm>
+            <a:off x="381000" y="685800"/>
+            <a:ext cx="6096000" cy="3429000"/>
+          </a:xfrm>
+          <a:custGeom>
+            <a:avLst/>
+            <a:gdLst/>
+            <a:ahLst/>
+            <a:cxnLst/>
+            <a:rect l="l" t="t" r="r" b="b"/>
+            <a:pathLst>
+              <a:path w="120000" h="120000" extrusionOk="0">
+                <a:moveTo>
+                  <a:pt x="0" y="0"/>
+                </a:moveTo>
+                <a:lnTo>
+                  <a:pt x="120000" y="0"/>
+                </a:lnTo>
+                <a:lnTo>
+                  <a:pt x="120000" y="120000"/>
+                </a:lnTo>
+                <a:lnTo>
+                  <a:pt x="0" y="120000"/>
+                </a:lnTo>
+                <a:close/>
+              </a:path>
+            </a:pathLst>
+          </a:custGeom>
+        </p:spPr>
+      </p:sp>
+      <p:sp>
+        <p:nvSpPr>
+          <p:cNvPr id="303" name="Google Shape;303;gdf29b9fb24_0_22:notes"/>
+          <p:cNvSpPr txBox="1">
+            <a:spLocks noGrp="1"/>
+          </p:cNvSpPr>
+          <p:nvPr>
+            <p:ph type="body" idx="1"/>
+          </p:nvPr>
+        </p:nvSpPr>
+        <p:spPr>
+          <a:xfrm>
+            <a:off x="685800" y="4343400"/>
+            <a:ext cx="5486400" cy="4114800"/>
+          </a:xfrm>
+          <a:prstGeom prst="rect">
+            <a:avLst/>
+          </a:prstGeom>
+        </p:spPr>
+        <p:txBody>
+          <a:bodyPr spcFirstLastPara="1" wrap="square" lIns="91425" tIns="91425" rIns="91425" bIns="91425" anchor="t" anchorCtr="0">
+            <a:noAutofit/>
+          </a:bodyPr>
+          <a:lstStyle/>
+          <a:p>
+            <a:pPr marL="0" lvl="0" indent="0" algn="l" rtl="0">
+              <a:spcBef>
+                <a:spcPts val="0"/>
+              </a:spcBef>
+              <a:spcAft>
+                <a:spcPts val="0"/>
+              </a:spcAft>
+              <a:buNone/>
+            </a:pPr>
+            <a:endParaRPr/>
+          </a:p>
+        </p:txBody>
+      </p:sp>
+    </p:spTree>
+    <p:extLst>
+      <p:ext uri="{BB962C8B-B14F-4D97-AF65-F5344CB8AC3E}">
+        <p14:creationId xmlns:p14="http://schemas.microsoft.com/office/powerpoint/2010/main" val="1568798836"/>
+      </p:ext>
+    </p:extLst>
+  </p:cSld>
+  <p:clrMapOvr>
+    <a:masterClrMapping/>
+  </p:clrMapOvr>
+</p:notes>
+</file>
+
+<file path=ppt/notesSlides/notesSlide22.xml><?xml version="1.0" encoding="utf-8"?>
+<p:notes xmlns:a="http://schemas.openxmlformats.org/drawingml/2006/main" xmlns:r="http://schemas.openxmlformats.org/officeDocument/2006/relationships" xmlns:p="http://schemas.openxmlformats.org/presentationml/2006/main" showMasterSp="0" showMasterPhAnim="0">
+  <p:cSld>
+    <p:spTree>
+      <p:nvGrpSpPr>
+        <p:cNvPr id="1" name="Shape 306"/>
+        <p:cNvGrpSpPr/>
+        <p:nvPr/>
+      </p:nvGrpSpPr>
+      <p:grpSpPr>
+        <a:xfrm>
+          <a:off x="0" y="0"/>
+          <a:ext cx="0" cy="0"/>
+          <a:chOff x="0" y="0"/>
+          <a:chExt cx="0" cy="0"/>
+        </a:xfrm>
+      </p:grpSpPr>
+      <p:sp>
+        <p:nvSpPr>
+          <p:cNvPr id="307" name="Google Shape;307;gdf29b9fb24_0_69:notes"/>
+          <p:cNvSpPr>
+            <a:spLocks noGrp="1" noRot="1" noChangeAspect="1"/>
+          </p:cNvSpPr>
+          <p:nvPr>
+            <p:ph type="sldImg" idx="2"/>
+          </p:nvPr>
+        </p:nvSpPr>
+        <p:spPr>
+          <a:xfrm>
+            <a:off x="381000" y="685800"/>
+            <a:ext cx="6096000" cy="3429000"/>
+          </a:xfrm>
+          <a:custGeom>
+            <a:avLst/>
+            <a:gdLst/>
+            <a:ahLst/>
+            <a:cxnLst/>
+            <a:rect l="l" t="t" r="r" b="b"/>
+            <a:pathLst>
+              <a:path w="120000" h="120000" extrusionOk="0">
+                <a:moveTo>
+                  <a:pt x="0" y="0"/>
+                </a:moveTo>
+                <a:lnTo>
+                  <a:pt x="120000" y="0"/>
+                </a:lnTo>
+                <a:lnTo>
+                  <a:pt x="120000" y="120000"/>
+                </a:lnTo>
+                <a:lnTo>
+                  <a:pt x="0" y="120000"/>
+                </a:lnTo>
+                <a:close/>
+              </a:path>
+            </a:pathLst>
+          </a:custGeom>
+        </p:spPr>
+      </p:sp>
+      <p:sp>
+        <p:nvSpPr>
+          <p:cNvPr id="308" name="Google Shape;308;gdf29b9fb24_0_69:notes"/>
+          <p:cNvSpPr txBox="1">
+            <a:spLocks noGrp="1"/>
+          </p:cNvSpPr>
+          <p:nvPr>
+            <p:ph type="body" idx="1"/>
+          </p:nvPr>
+        </p:nvSpPr>
+        <p:spPr>
+          <a:xfrm>
+            <a:off x="685800" y="4343400"/>
+            <a:ext cx="5486400" cy="4114800"/>
+          </a:xfrm>
+          <a:prstGeom prst="rect">
+            <a:avLst/>
+          </a:prstGeom>
+        </p:spPr>
+        <p:txBody>
+          <a:bodyPr spcFirstLastPara="1" wrap="square" lIns="91425" tIns="91425" rIns="91425" bIns="91425" anchor="t" anchorCtr="0">
+            <a:noAutofit/>
+          </a:bodyPr>
+          <a:lstStyle/>
+          <a:p>
+            <a:pPr marL="0" lvl="0" indent="0" algn="l" rtl="0">
+              <a:spcBef>
+                <a:spcPts val="0"/>
+              </a:spcBef>
+              <a:spcAft>
+                <a:spcPts val="0"/>
+              </a:spcAft>
+              <a:buNone/>
+            </a:pPr>
+            <a:endParaRPr/>
+          </a:p>
+        </p:txBody>
+      </p:sp>
+    </p:spTree>
+    <p:extLst>
+      <p:ext uri="{BB962C8B-B14F-4D97-AF65-F5344CB8AC3E}">
+        <p14:creationId xmlns:p14="http://schemas.microsoft.com/office/powerpoint/2010/main" val="1694528567"/>
+      </p:ext>
+    </p:extLst>
+  </p:cSld>
+  <p:clrMapOvr>
+    <a:masterClrMapping/>
+  </p:clrMapOvr>
+</p:notes>
+</file>
+
+<file path=ppt/notesSlides/notesSlide23.xml><?xml version="1.0" encoding="utf-8"?>
+<p:notes xmlns:a="http://schemas.openxmlformats.org/drawingml/2006/main" xmlns:r="http://schemas.openxmlformats.org/officeDocument/2006/relationships" xmlns:p="http://schemas.openxmlformats.org/presentationml/2006/main" showMasterSp="0" showMasterPhAnim="0">
+  <p:cSld>
+    <p:spTree>
+      <p:nvGrpSpPr>
+        <p:cNvPr id="1" name="Shape 380"/>
+        <p:cNvGrpSpPr/>
+        <p:nvPr/>
+      </p:nvGrpSpPr>
+      <p:grpSpPr>
+        <a:xfrm>
+          <a:off x="0" y="0"/>
+          <a:ext cx="0" cy="0"/>
+          <a:chOff x="0" y="0"/>
+          <a:chExt cx="0" cy="0"/>
+        </a:xfrm>
+      </p:grpSpPr>
+      <p:sp>
+        <p:nvSpPr>
+          <p:cNvPr id="381" name="Google Shape;381;gdf29b9fb24_0_154:notes"/>
+          <p:cNvSpPr>
+            <a:spLocks noGrp="1" noRot="1" noChangeAspect="1"/>
+          </p:cNvSpPr>
+          <p:nvPr>
+            <p:ph type="sldImg" idx="2"/>
+          </p:nvPr>
+        </p:nvSpPr>
+        <p:spPr>
+          <a:xfrm>
+            <a:off x="381000" y="685800"/>
+            <a:ext cx="6096000" cy="3429000"/>
+          </a:xfrm>
+          <a:custGeom>
+            <a:avLst/>
+            <a:gdLst/>
+            <a:ahLst/>
+            <a:cxnLst/>
+            <a:rect l="l" t="t" r="r" b="b"/>
+            <a:pathLst>
+              <a:path w="120000" h="120000" extrusionOk="0">
+                <a:moveTo>
+                  <a:pt x="0" y="0"/>
+                </a:moveTo>
+                <a:lnTo>
+                  <a:pt x="120000" y="0"/>
+                </a:lnTo>
+                <a:lnTo>
+                  <a:pt x="120000" y="120000"/>
+                </a:lnTo>
+                <a:lnTo>
+                  <a:pt x="0" y="120000"/>
+                </a:lnTo>
+                <a:close/>
+              </a:path>
+            </a:pathLst>
+          </a:custGeom>
+        </p:spPr>
+      </p:sp>
+      <p:sp>
+        <p:nvSpPr>
+          <p:cNvPr id="382" name="Google Shape;382;gdf29b9fb24_0_154:notes"/>
+          <p:cNvSpPr txBox="1">
+            <a:spLocks noGrp="1"/>
+          </p:cNvSpPr>
+          <p:nvPr>
+            <p:ph type="body" idx="1"/>
+          </p:nvPr>
+        </p:nvSpPr>
+        <p:spPr>
+          <a:xfrm>
+            <a:off x="685800" y="4343400"/>
+            <a:ext cx="5486400" cy="4114800"/>
+          </a:xfrm>
+          <a:prstGeom prst="rect">
+            <a:avLst/>
+          </a:prstGeom>
+        </p:spPr>
+        <p:txBody>
+          <a:bodyPr spcFirstLastPara="1" wrap="square" lIns="91425" tIns="91425" rIns="91425" bIns="91425" anchor="t" anchorCtr="0">
+            <a:noAutofit/>
+          </a:bodyPr>
+          <a:lstStyle/>
+          <a:p>
+            <a:pPr marL="0" lvl="0" indent="0" algn="l" rtl="0">
+              <a:spcBef>
+                <a:spcPts val="0"/>
+              </a:spcBef>
+              <a:spcAft>
+                <a:spcPts val="0"/>
+              </a:spcAft>
+              <a:buNone/>
+            </a:pPr>
+            <a:endParaRPr/>
+          </a:p>
+        </p:txBody>
+      </p:sp>
+    </p:spTree>
+  </p:cSld>
+  <p:clrMapOvr>
+    <a:masterClrMapping/>
+  </p:clrMapOvr>
+</p:notes>
+</file>
+
+<file path=ppt/notesSlides/notesSlide24.xml><?xml version="1.0" encoding="utf-8"?>
+<p:notes xmlns:a="http://schemas.openxmlformats.org/drawingml/2006/main" xmlns:r="http://schemas.openxmlformats.org/officeDocument/2006/relationships" xmlns:p="http://schemas.openxmlformats.org/presentationml/2006/main" showMasterSp="0" showMasterPhAnim="0">
+  <p:cSld>
+    <p:spTree>
+      <p:nvGrpSpPr>
+        <p:cNvPr id="1" name="Shape 385"/>
+        <p:cNvGrpSpPr/>
+        <p:nvPr/>
+      </p:nvGrpSpPr>
+      <p:grpSpPr>
+        <a:xfrm>
+          <a:off x="0" y="0"/>
+          <a:ext cx="0" cy="0"/>
+          <a:chOff x="0" y="0"/>
+          <a:chExt cx="0" cy="0"/>
+        </a:xfrm>
+      </p:grpSpPr>
+      <p:sp>
+        <p:nvSpPr>
+          <p:cNvPr id="386" name="Google Shape;386;gdf29b9fb24_0_173:notes"/>
+          <p:cNvSpPr>
+            <a:spLocks noGrp="1" noRot="1" noChangeAspect="1"/>
+          </p:cNvSpPr>
+          <p:nvPr>
+            <p:ph type="sldImg" idx="2"/>
+          </p:nvPr>
+        </p:nvSpPr>
+        <p:spPr>
+          <a:xfrm>
+            <a:off x="381000" y="685800"/>
+            <a:ext cx="6096000" cy="3429000"/>
+          </a:xfrm>
+          <a:custGeom>
+            <a:avLst/>
+            <a:gdLst/>
+            <a:ahLst/>
+            <a:cxnLst/>
+            <a:rect l="l" t="t" r="r" b="b"/>
+            <a:pathLst>
+              <a:path w="120000" h="120000" extrusionOk="0">
+                <a:moveTo>
+                  <a:pt x="0" y="0"/>
+                </a:moveTo>
+                <a:lnTo>
+                  <a:pt x="120000" y="0"/>
+                </a:lnTo>
+                <a:lnTo>
+                  <a:pt x="120000" y="120000"/>
+                </a:lnTo>
+                <a:lnTo>
+                  <a:pt x="0" y="120000"/>
+                </a:lnTo>
+                <a:close/>
+              </a:path>
+            </a:pathLst>
+          </a:custGeom>
+        </p:spPr>
+      </p:sp>
+      <p:sp>
+        <p:nvSpPr>
+          <p:cNvPr id="387" name="Google Shape;387;gdf29b9fb24_0_173:notes"/>
+          <p:cNvSpPr txBox="1">
+            <a:spLocks noGrp="1"/>
+          </p:cNvSpPr>
+          <p:nvPr>
+            <p:ph type="body" idx="1"/>
+          </p:nvPr>
+        </p:nvSpPr>
+        <p:spPr>
+          <a:xfrm>
+            <a:off x="685800" y="4343400"/>
+            <a:ext cx="5486400" cy="4114800"/>
+          </a:xfrm>
+          <a:prstGeom prst="rect">
+            <a:avLst/>
+          </a:prstGeom>
+        </p:spPr>
+        <p:txBody>
+          <a:bodyPr spcFirstLastPara="1" wrap="square" lIns="91425" tIns="91425" rIns="91425" bIns="91425" anchor="t" anchorCtr="0">
+            <a:noAutofit/>
+          </a:bodyPr>
+          <a:lstStyle/>
+          <a:p>
+            <a:pPr marL="0" lvl="0" indent="0" algn="l" rtl="0">
+              <a:spcBef>
+                <a:spcPts val="0"/>
+              </a:spcBef>
+              <a:spcAft>
+                <a:spcPts val="0"/>
+              </a:spcAft>
+              <a:buNone/>
+            </a:pPr>
+            <a:endParaRPr/>
+          </a:p>
+        </p:txBody>
+      </p:sp>
+    </p:spTree>
+  </p:cSld>
+  <p:clrMapOvr>
+    <a:masterClrMapping/>
+  </p:clrMapOvr>
+</p:notes>
+</file>
+
+<file path=ppt/notesSlides/notesSlide25.xml><?xml version="1.0" encoding="utf-8"?>
+<p:notes xmlns:a="http://schemas.openxmlformats.org/drawingml/2006/main" xmlns:r="http://schemas.openxmlformats.org/officeDocument/2006/relationships" xmlns:p="http://schemas.openxmlformats.org/presentationml/2006/main" showMasterSp="0" showMasterPhAnim="0">
+  <p:cSld>
+    <p:spTree>
+      <p:nvGrpSpPr>
         <p:cNvPr id="1" name="Shape 394"/>
         <p:cNvGrpSpPr/>
         <p:nvPr/>
@@ -2148,7 +2698,7 @@
 </p:notes>
 </file>
 
-<file path=ppt/notesSlides/notesSlide21.xml><?xml version="1.0" encoding="utf-8"?>
+<file path=ppt/notesSlides/notesSlide26.xml><?xml version="1.0" encoding="utf-8"?>
 <p:notes xmlns:a="http://schemas.openxmlformats.org/drawingml/2006/main" xmlns:r="http://schemas.openxmlformats.org/officeDocument/2006/relationships" xmlns:p="http://schemas.openxmlformats.org/presentationml/2006/main" showMasterSp="0" showMasterPhAnim="0">
   <p:cSld>
     <p:spTree>
@@ -2252,7 +2802,7 @@
 </p:notes>
 </file>
 
-<file path=ppt/notesSlides/notesSlide22.xml><?xml version="1.0" encoding="utf-8"?>
+<file path=ppt/notesSlides/notesSlide27.xml><?xml version="1.0" encoding="utf-8"?>
 <p:notes xmlns:a="http://schemas.openxmlformats.org/drawingml/2006/main" xmlns:r="http://schemas.openxmlformats.org/officeDocument/2006/relationships" xmlns:p="http://schemas.openxmlformats.org/presentationml/2006/main" showMasterSp="0" showMasterPhAnim="0">
   <p:cSld>
     <p:spTree>
@@ -2356,7 +2906,7 @@
 </p:notes>
 </file>
 
-<file path=ppt/notesSlides/notesSlide23.xml><?xml version="1.0" encoding="utf-8"?>
+<file path=ppt/notesSlides/notesSlide28.xml><?xml version="1.0" encoding="utf-8"?>
 <p:notes xmlns:a="http://schemas.openxmlformats.org/drawingml/2006/main" xmlns:r="http://schemas.openxmlformats.org/officeDocument/2006/relationships" xmlns:p="http://schemas.openxmlformats.org/presentationml/2006/main" showMasterSp="0" showMasterPhAnim="0">
   <p:cSld>
     <p:spTree>
@@ -2460,7 +3010,7 @@
 </p:notes>
 </file>
 
-<file path=ppt/notesSlides/notesSlide24.xml><?xml version="1.0" encoding="utf-8"?>
+<file path=ppt/notesSlides/notesSlide29.xml><?xml version="1.0" encoding="utf-8"?>
 <p:notes xmlns:a="http://schemas.openxmlformats.org/drawingml/2006/main" xmlns:r="http://schemas.openxmlformats.org/officeDocument/2006/relationships" xmlns:p="http://schemas.openxmlformats.org/presentationml/2006/main" showMasterSp="0" showMasterPhAnim="0">
   <p:cSld>
     <p:spTree>
@@ -2569,7 +3119,111 @@
 </p:notes>
 </file>
 
-<file path=ppt/notesSlides/notesSlide25.xml><?xml version="1.0" encoding="utf-8"?>
+<file path=ppt/notesSlides/notesSlide3.xml><?xml version="1.0" encoding="utf-8"?>
+<p:notes xmlns:a="http://schemas.openxmlformats.org/drawingml/2006/main" xmlns:r="http://schemas.openxmlformats.org/officeDocument/2006/relationships" xmlns:p="http://schemas.openxmlformats.org/presentationml/2006/main" showMasterSp="0" showMasterPhAnim="0">
+  <p:cSld>
+    <p:spTree>
+      <p:nvGrpSpPr>
+        <p:cNvPr id="1" name="Shape 210"/>
+        <p:cNvGrpSpPr/>
+        <p:nvPr/>
+      </p:nvGrpSpPr>
+      <p:grpSpPr>
+        <a:xfrm>
+          <a:off x="0" y="0"/>
+          <a:ext cx="0" cy="0"/>
+          <a:chOff x="0" y="0"/>
+          <a:chExt cx="0" cy="0"/>
+        </a:xfrm>
+      </p:grpSpPr>
+      <p:sp>
+        <p:nvSpPr>
+          <p:cNvPr id="211" name="Google Shape;211;gde823becd0_0_24:notes"/>
+          <p:cNvSpPr>
+            <a:spLocks noGrp="1" noRot="1" noChangeAspect="1"/>
+          </p:cNvSpPr>
+          <p:nvPr>
+            <p:ph type="sldImg" idx="2"/>
+          </p:nvPr>
+        </p:nvSpPr>
+        <p:spPr>
+          <a:xfrm>
+            <a:off x="381000" y="685800"/>
+            <a:ext cx="6096000" cy="3429000"/>
+          </a:xfrm>
+          <a:custGeom>
+            <a:avLst/>
+            <a:gdLst/>
+            <a:ahLst/>
+            <a:cxnLst/>
+            <a:rect l="l" t="t" r="r" b="b"/>
+            <a:pathLst>
+              <a:path w="120000" h="120000" extrusionOk="0">
+                <a:moveTo>
+                  <a:pt x="0" y="0"/>
+                </a:moveTo>
+                <a:lnTo>
+                  <a:pt x="120000" y="0"/>
+                </a:lnTo>
+                <a:lnTo>
+                  <a:pt x="120000" y="120000"/>
+                </a:lnTo>
+                <a:lnTo>
+                  <a:pt x="0" y="120000"/>
+                </a:lnTo>
+                <a:close/>
+              </a:path>
+            </a:pathLst>
+          </a:custGeom>
+        </p:spPr>
+      </p:sp>
+      <p:sp>
+        <p:nvSpPr>
+          <p:cNvPr id="212" name="Google Shape;212;gde823becd0_0_24:notes"/>
+          <p:cNvSpPr txBox="1">
+            <a:spLocks noGrp="1"/>
+          </p:cNvSpPr>
+          <p:nvPr>
+            <p:ph type="body" idx="1"/>
+          </p:nvPr>
+        </p:nvSpPr>
+        <p:spPr>
+          <a:xfrm>
+            <a:off x="685800" y="4343400"/>
+            <a:ext cx="5486400" cy="4114800"/>
+          </a:xfrm>
+          <a:prstGeom prst="rect">
+            <a:avLst/>
+          </a:prstGeom>
+        </p:spPr>
+        <p:txBody>
+          <a:bodyPr spcFirstLastPara="1" wrap="square" lIns="91425" tIns="91425" rIns="91425" bIns="91425" anchor="t" anchorCtr="0">
+            <a:noAutofit/>
+          </a:bodyPr>
+          <a:lstStyle/>
+          <a:p>
+            <a:pPr marL="0" lvl="0" indent="0" algn="l" rtl="0">
+              <a:spcBef>
+                <a:spcPts val="0"/>
+              </a:spcBef>
+              <a:spcAft>
+                <a:spcPts val="0"/>
+              </a:spcAft>
+              <a:buNone/>
+            </a:pPr>
+            <a:endParaRPr/>
+          </a:p>
+        </p:txBody>
+      </p:sp>
+    </p:spTree>
+  </p:cSld>
+  <p:clrMapOvr>
+    <a:masterClrMapping/>
+  </p:clrMapOvr>
+</p:notes>
+</file>
+
+<file path=ppt/notesSlides/notesSlide30.xml><?xml version="1.0" encoding="utf-8"?>
 <p:notes xmlns:a="http://schemas.openxmlformats.org/drawingml/2006/main" xmlns:r="http://schemas.openxmlformats.org/officeDocument/2006/relationships" xmlns:p="http://schemas.openxmlformats.org/presentationml/2006/main" showMasterSp="0" showMasterPhAnim="0">
   <p:cSld>
     <p:spTree>
@@ -2673,7 +3327,7 @@
 </p:notes>
 </file>
 
-<file path=ppt/notesSlides/notesSlide26.xml><?xml version="1.0" encoding="utf-8"?>
+<file path=ppt/notesSlides/notesSlide31.xml><?xml version="1.0" encoding="utf-8"?>
 <p:notes xmlns:a="http://schemas.openxmlformats.org/drawingml/2006/main" xmlns:r="http://schemas.openxmlformats.org/officeDocument/2006/relationships" xmlns:p="http://schemas.openxmlformats.org/presentationml/2006/main" showMasterSp="0" showMasterPhAnim="0">
   <p:cSld>
     <p:spTree>
@@ -2777,7 +3431,7 @@
 </p:notes>
 </file>
 
-<file path=ppt/notesSlides/notesSlide27.xml><?xml version="1.0" encoding="utf-8"?>
+<file path=ppt/notesSlides/notesSlide32.xml><?xml version="1.0" encoding="utf-8"?>
 <p:notes xmlns:a="http://schemas.openxmlformats.org/drawingml/2006/main" xmlns:r="http://schemas.openxmlformats.org/officeDocument/2006/relationships" xmlns:p="http://schemas.openxmlformats.org/presentationml/2006/main" showMasterSp="0" showMasterPhAnim="0">
   <p:cSld>
     <p:spTree>
@@ -2886,7 +3540,7 @@
 </p:notes>
 </file>
 
-<file path=ppt/notesSlides/notesSlide28.xml><?xml version="1.0" encoding="utf-8"?>
+<file path=ppt/notesSlides/notesSlide33.xml><?xml version="1.0" encoding="utf-8"?>
 <p:notes xmlns:a="http://schemas.openxmlformats.org/drawingml/2006/main" xmlns:r="http://schemas.openxmlformats.org/officeDocument/2006/relationships" xmlns:p="http://schemas.openxmlformats.org/presentationml/2006/main" showMasterSp="0" showMasterPhAnim="0">
   <p:cSld>
     <p:spTree>
@@ -2947,110 +3601,6 @@
       <p:sp>
         <p:nvSpPr>
           <p:cNvPr id="478" name="Google Shape;478;ge04b8b6756_0_49:notes"/>
-          <p:cNvSpPr txBox="1">
-            <a:spLocks noGrp="1"/>
-          </p:cNvSpPr>
-          <p:nvPr>
-            <p:ph type="body" idx="1"/>
-          </p:nvPr>
-        </p:nvSpPr>
-        <p:spPr>
-          <a:xfrm>
-            <a:off x="685800" y="4343400"/>
-            <a:ext cx="5486400" cy="4114800"/>
-          </a:xfrm>
-          <a:prstGeom prst="rect">
-            <a:avLst/>
-          </a:prstGeom>
-        </p:spPr>
-        <p:txBody>
-          <a:bodyPr spcFirstLastPara="1" wrap="square" lIns="91425" tIns="91425" rIns="91425" bIns="91425" anchor="t" anchorCtr="0">
-            <a:noAutofit/>
-          </a:bodyPr>
-          <a:lstStyle/>
-          <a:p>
-            <a:pPr marL="0" lvl="0" indent="0" algn="l" rtl="0">
-              <a:spcBef>
-                <a:spcPts val="0"/>
-              </a:spcBef>
-              <a:spcAft>
-                <a:spcPts val="0"/>
-              </a:spcAft>
-              <a:buNone/>
-            </a:pPr>
-            <a:endParaRPr/>
-          </a:p>
-        </p:txBody>
-      </p:sp>
-    </p:spTree>
-  </p:cSld>
-  <p:clrMapOvr>
-    <a:masterClrMapping/>
-  </p:clrMapOvr>
-</p:notes>
-</file>
-
-<file path=ppt/notesSlides/notesSlide3.xml><?xml version="1.0" encoding="utf-8"?>
-<p:notes xmlns:a="http://schemas.openxmlformats.org/drawingml/2006/main" xmlns:r="http://schemas.openxmlformats.org/officeDocument/2006/relationships" xmlns:p="http://schemas.openxmlformats.org/presentationml/2006/main" showMasterSp="0" showMasterPhAnim="0">
-  <p:cSld>
-    <p:spTree>
-      <p:nvGrpSpPr>
-        <p:cNvPr id="1" name="Shape 210"/>
-        <p:cNvGrpSpPr/>
-        <p:nvPr/>
-      </p:nvGrpSpPr>
-      <p:grpSpPr>
-        <a:xfrm>
-          <a:off x="0" y="0"/>
-          <a:ext cx="0" cy="0"/>
-          <a:chOff x="0" y="0"/>
-          <a:chExt cx="0" cy="0"/>
-        </a:xfrm>
-      </p:grpSpPr>
-      <p:sp>
-        <p:nvSpPr>
-          <p:cNvPr id="211" name="Google Shape;211;gde823becd0_0_24:notes"/>
-          <p:cNvSpPr>
-            <a:spLocks noGrp="1" noRot="1" noChangeAspect="1"/>
-          </p:cNvSpPr>
-          <p:nvPr>
-            <p:ph type="sldImg" idx="2"/>
-          </p:nvPr>
-        </p:nvSpPr>
-        <p:spPr>
-          <a:xfrm>
-            <a:off x="381000" y="685800"/>
-            <a:ext cx="6096000" cy="3429000"/>
-          </a:xfrm>
-          <a:custGeom>
-            <a:avLst/>
-            <a:gdLst/>
-            <a:ahLst/>
-            <a:cxnLst/>
-            <a:rect l="l" t="t" r="r" b="b"/>
-            <a:pathLst>
-              <a:path w="120000" h="120000" extrusionOk="0">
-                <a:moveTo>
-                  <a:pt x="0" y="0"/>
-                </a:moveTo>
-                <a:lnTo>
-                  <a:pt x="120000" y="0"/>
-                </a:lnTo>
-                <a:lnTo>
-                  <a:pt x="120000" y="120000"/>
-                </a:lnTo>
-                <a:lnTo>
-                  <a:pt x="0" y="120000"/>
-                </a:lnTo>
-                <a:close/>
-              </a:path>
-            </a:pathLst>
-          </a:custGeom>
-        </p:spPr>
-      </p:sp>
-      <p:sp>
-        <p:nvSpPr>
-          <p:cNvPr id="212" name="Google Shape;212;gde823becd0_0_24:notes"/>
           <p:cNvSpPr txBox="1">
             <a:spLocks noGrp="1"/>
           </p:cNvSpPr>
@@ -16298,6 +16848,520 @@
 </file>
 
 <file path=ppt/slides/slide10.xml><?xml version="1.0" encoding="utf-8"?>
+<p:sld xmlns:a="http://schemas.openxmlformats.org/drawingml/2006/main" xmlns:r="http://schemas.openxmlformats.org/officeDocument/2006/relationships" xmlns:p="http://schemas.openxmlformats.org/presentationml/2006/main">
+  <p:cSld>
+    <p:spTree>
+      <p:nvGrpSpPr>
+        <p:cNvPr id="1" name="Shape 309"/>
+        <p:cNvGrpSpPr/>
+        <p:nvPr/>
+      </p:nvGrpSpPr>
+      <p:grpSpPr>
+        <a:xfrm>
+          <a:off x="0" y="0"/>
+          <a:ext cx="0" cy="0"/>
+          <a:chOff x="0" y="0"/>
+          <a:chExt cx="0" cy="0"/>
+        </a:xfrm>
+      </p:grpSpPr>
+      <p:sp>
+        <p:nvSpPr>
+          <p:cNvPr id="310" name="Google Shape;310;p57"/>
+          <p:cNvSpPr txBox="1">
+            <a:spLocks noGrp="1"/>
+          </p:cNvSpPr>
+          <p:nvPr>
+            <p:ph type="title"/>
+          </p:nvPr>
+        </p:nvSpPr>
+        <p:spPr>
+          <a:xfrm>
+            <a:off x="500550" y="330724"/>
+            <a:ext cx="8520600" cy="547950"/>
+          </a:xfrm>
+          <a:prstGeom prst="rect">
+            <a:avLst/>
+          </a:prstGeom>
+        </p:spPr>
+        <p:txBody>
+          <a:bodyPr spcFirstLastPara="1" wrap="square" lIns="91425" tIns="91425" rIns="91425" bIns="91425" anchor="t" anchorCtr="0">
+            <a:noAutofit/>
+          </a:bodyPr>
+          <a:lstStyle/>
+          <a:p>
+            <a:pPr marL="0" lvl="0" indent="0" algn="l" rtl="0">
+              <a:spcBef>
+                <a:spcPts val="0"/>
+              </a:spcBef>
+              <a:spcAft>
+                <a:spcPts val="0"/>
+              </a:spcAft>
+              <a:buNone/>
+            </a:pPr>
+            <a:r>
+              <a:rPr lang="ru-RU" dirty="0"/>
+              <a:t>Критерий оптимизации</a:t>
+            </a:r>
+            <a:endParaRPr dirty="0"/>
+          </a:p>
+        </p:txBody>
+      </p:sp>
+      <p:pic>
+        <p:nvPicPr>
+          <p:cNvPr id="4" name="Picture 3">
+            <a:extLst>
+              <a:ext uri="{FF2B5EF4-FFF2-40B4-BE49-F238E27FC236}">
+                <a16:creationId xmlns:a16="http://schemas.microsoft.com/office/drawing/2014/main" id="{76B41ABF-7B92-6C4F-9CE3-70AA13795A48}"/>
+              </a:ext>
+            </a:extLst>
+          </p:cNvPr>
+          <p:cNvPicPr>
+            <a:picLocks noChangeAspect="1"/>
+          </p:cNvPicPr>
+          <p:nvPr/>
+        </p:nvPicPr>
+        <p:blipFill>
+          <a:blip r:embed="rId3"/>
+          <a:stretch>
+            <a:fillRect/>
+          </a:stretch>
+        </p:blipFill>
+        <p:spPr>
+          <a:xfrm>
+            <a:off x="5569527" y="1548799"/>
+            <a:ext cx="2920094" cy="1905601"/>
+          </a:xfrm>
+          <a:prstGeom prst="rect">
+            <a:avLst/>
+          </a:prstGeom>
+        </p:spPr>
+      </p:pic>
+      <p:pic>
+        <p:nvPicPr>
+          <p:cNvPr id="6" name="Picture 5">
+            <a:extLst>
+              <a:ext uri="{FF2B5EF4-FFF2-40B4-BE49-F238E27FC236}">
+                <a16:creationId xmlns:a16="http://schemas.microsoft.com/office/drawing/2014/main" id="{882545B9-A9FB-2A48-87BF-AC08B778B6E6}"/>
+              </a:ext>
+            </a:extLst>
+          </p:cNvPr>
+          <p:cNvPicPr>
+            <a:picLocks noChangeAspect="1"/>
+          </p:cNvPicPr>
+          <p:nvPr/>
+        </p:nvPicPr>
+        <p:blipFill rotWithShape="1">
+          <a:blip r:embed="rId4"/>
+          <a:srcRect l="32899" r="32623"/>
+          <a:stretch/>
+        </p:blipFill>
+        <p:spPr>
+          <a:xfrm>
+            <a:off x="587827" y="1569975"/>
+            <a:ext cx="2642261" cy="2003549"/>
+          </a:xfrm>
+          <a:prstGeom prst="rect">
+            <a:avLst/>
+          </a:prstGeom>
+        </p:spPr>
+      </p:pic>
+      <p:sp>
+        <p:nvSpPr>
+          <p:cNvPr id="7" name="TextBox 6">
+            <a:extLst>
+              <a:ext uri="{FF2B5EF4-FFF2-40B4-BE49-F238E27FC236}">
+                <a16:creationId xmlns:a16="http://schemas.microsoft.com/office/drawing/2014/main" id="{D5DECDE5-BF1C-314A-ABDB-6470C5286F23}"/>
+              </a:ext>
+            </a:extLst>
+          </p:cNvPr>
+          <p:cNvSpPr txBox="1"/>
+          <p:nvPr/>
+        </p:nvSpPr>
+        <p:spPr>
+          <a:xfrm>
+            <a:off x="955964" y="1104405"/>
+            <a:ext cx="1832553" cy="307777"/>
+          </a:xfrm>
+          <a:prstGeom prst="rect">
+            <a:avLst/>
+          </a:prstGeom>
+          <a:noFill/>
+        </p:spPr>
+        <p:txBody>
+          <a:bodyPr wrap="none" rtlCol="0">
+            <a:spAutoFit/>
+          </a:bodyPr>
+          <a:lstStyle/>
+          <a:p>
+            <a:r>
+              <a:rPr lang="ru-RU" dirty="0"/>
+              <a:t>Независимый агент</a:t>
+            </a:r>
+            <a:endParaRPr lang="en-RU" dirty="0"/>
+          </a:p>
+        </p:txBody>
+      </p:sp>
+      <p:sp>
+        <p:nvSpPr>
+          <p:cNvPr id="9" name="TextBox 8">
+            <a:extLst>
+              <a:ext uri="{FF2B5EF4-FFF2-40B4-BE49-F238E27FC236}">
+                <a16:creationId xmlns:a16="http://schemas.microsoft.com/office/drawing/2014/main" id="{C3D94804-8621-2B48-BBF7-27E533E0501B}"/>
+              </a:ext>
+            </a:extLst>
+          </p:cNvPr>
+          <p:cNvSpPr txBox="1"/>
+          <p:nvPr/>
+        </p:nvSpPr>
+        <p:spPr>
+          <a:xfrm>
+            <a:off x="6175814" y="1109361"/>
+            <a:ext cx="1707519" cy="307777"/>
+          </a:xfrm>
+          <a:prstGeom prst="rect">
+            <a:avLst/>
+          </a:prstGeom>
+          <a:noFill/>
+        </p:spPr>
+        <p:txBody>
+          <a:bodyPr wrap="none" rtlCol="0">
+            <a:spAutoFit/>
+          </a:bodyPr>
+          <a:lstStyle/>
+          <a:p>
+            <a:r>
+              <a:rPr lang="ru-RU" dirty="0"/>
+              <a:t>Равновесие </a:t>
+            </a:r>
+            <a:r>
+              <a:rPr lang="ru-RU" dirty="0" err="1"/>
+              <a:t>Нэша</a:t>
+            </a:r>
+            <a:endParaRPr lang="en-RU" dirty="0"/>
+          </a:p>
+        </p:txBody>
+      </p:sp>
+      <p:sp>
+        <p:nvSpPr>
+          <p:cNvPr id="8" name="Left-right Arrow 7">
+            <a:extLst>
+              <a:ext uri="{FF2B5EF4-FFF2-40B4-BE49-F238E27FC236}">
+                <a16:creationId xmlns:a16="http://schemas.microsoft.com/office/drawing/2014/main" id="{520D105C-2C95-CF41-AD56-1771D28EC32C}"/>
+              </a:ext>
+            </a:extLst>
+          </p:cNvPr>
+          <p:cNvSpPr/>
+          <p:nvPr/>
+        </p:nvSpPr>
+        <p:spPr>
+          <a:xfrm>
+            <a:off x="3890803" y="2259283"/>
+            <a:ext cx="1216152" cy="484632"/>
+          </a:xfrm>
+          <a:prstGeom prst="leftRightArrow">
+            <a:avLst/>
+          </a:prstGeom>
+          <a:solidFill>
+            <a:schemeClr val="bg2">
+              <a:lumMod val="60000"/>
+              <a:lumOff val="40000"/>
+            </a:schemeClr>
+          </a:solidFill>
+          <a:ln>
+            <a:solidFill>
+              <a:schemeClr val="tx1"/>
+            </a:solidFill>
+          </a:ln>
+        </p:spPr>
+        <p:style>
+          <a:lnRef idx="2">
+            <a:schemeClr val="accent1">
+              <a:shade val="50000"/>
+            </a:schemeClr>
+          </a:lnRef>
+          <a:fillRef idx="1">
+            <a:schemeClr val="accent1"/>
+          </a:fillRef>
+          <a:effectRef idx="0">
+            <a:schemeClr val="accent1"/>
+          </a:effectRef>
+          <a:fontRef idx="minor">
+            <a:schemeClr val="lt1"/>
+          </a:fontRef>
+        </p:style>
+        <p:txBody>
+          <a:bodyPr rtlCol="0" anchor="ctr"/>
+          <a:lstStyle/>
+          <a:p>
+            <a:pPr algn="ctr"/>
+            <a:endParaRPr lang="en-RU"/>
+          </a:p>
+        </p:txBody>
+      </p:sp>
+    </p:spTree>
+    <p:extLst>
+      <p:ext uri="{BB962C8B-B14F-4D97-AF65-F5344CB8AC3E}">
+        <p14:creationId xmlns:p14="http://schemas.microsoft.com/office/powerpoint/2010/main" val="3258187592"/>
+      </p:ext>
+    </p:extLst>
+  </p:cSld>
+  <p:clrMapOvr>
+    <a:masterClrMapping/>
+  </p:clrMapOvr>
+</p:sld>
+</file>
+
+<file path=ppt/slides/slide11.xml><?xml version="1.0" encoding="utf-8"?>
+<p:sld xmlns:a="http://schemas.openxmlformats.org/drawingml/2006/main" xmlns:r="http://schemas.openxmlformats.org/officeDocument/2006/relationships" xmlns:p="http://schemas.openxmlformats.org/presentationml/2006/main">
+  <p:cSld>
+    <p:spTree>
+      <p:nvGrpSpPr>
+        <p:cNvPr id="1" name="Shape 309"/>
+        <p:cNvGrpSpPr/>
+        <p:nvPr/>
+      </p:nvGrpSpPr>
+      <p:grpSpPr>
+        <a:xfrm>
+          <a:off x="0" y="0"/>
+          <a:ext cx="0" cy="0"/>
+          <a:chOff x="0" y="0"/>
+          <a:chExt cx="0" cy="0"/>
+        </a:xfrm>
+      </p:grpSpPr>
+      <p:sp>
+        <p:nvSpPr>
+          <p:cNvPr id="310" name="Google Shape;310;p57"/>
+          <p:cNvSpPr txBox="1">
+            <a:spLocks noGrp="1"/>
+          </p:cNvSpPr>
+          <p:nvPr>
+            <p:ph type="title"/>
+          </p:nvPr>
+        </p:nvSpPr>
+        <p:spPr>
+          <a:xfrm>
+            <a:off x="500550" y="330724"/>
+            <a:ext cx="8520600" cy="547950"/>
+          </a:xfrm>
+          <a:prstGeom prst="rect">
+            <a:avLst/>
+          </a:prstGeom>
+        </p:spPr>
+        <p:txBody>
+          <a:bodyPr spcFirstLastPara="1" wrap="square" lIns="91425" tIns="91425" rIns="91425" bIns="91425" anchor="t" anchorCtr="0">
+            <a:noAutofit/>
+          </a:bodyPr>
+          <a:lstStyle/>
+          <a:p>
+            <a:pPr marL="0" lvl="0" indent="0" algn="l" rtl="0">
+              <a:spcBef>
+                <a:spcPts val="0"/>
+              </a:spcBef>
+              <a:spcAft>
+                <a:spcPts val="0"/>
+              </a:spcAft>
+              <a:buNone/>
+            </a:pPr>
+            <a:r>
+              <a:rPr lang="ru-RU" dirty="0"/>
+              <a:t>Модели</a:t>
+            </a:r>
+            <a:endParaRPr dirty="0"/>
+          </a:p>
+        </p:txBody>
+      </p:sp>
+      <p:pic>
+        <p:nvPicPr>
+          <p:cNvPr id="6" name="Picture 5">
+            <a:extLst>
+              <a:ext uri="{FF2B5EF4-FFF2-40B4-BE49-F238E27FC236}">
+                <a16:creationId xmlns:a16="http://schemas.microsoft.com/office/drawing/2014/main" id="{882545B9-A9FB-2A48-87BF-AC08B778B6E6}"/>
+              </a:ext>
+            </a:extLst>
+          </p:cNvPr>
+          <p:cNvPicPr>
+            <a:picLocks noChangeAspect="1"/>
+          </p:cNvPicPr>
+          <p:nvPr/>
+        </p:nvPicPr>
+        <p:blipFill rotWithShape="1">
+          <a:blip r:embed="rId3"/>
+          <a:srcRect l="32358" r="-75"/>
+          <a:stretch/>
+        </p:blipFill>
+        <p:spPr>
+          <a:xfrm>
+            <a:off x="1537853" y="2196895"/>
+            <a:ext cx="5189517" cy="2003549"/>
+          </a:xfrm>
+          <a:prstGeom prst="rect">
+            <a:avLst/>
+          </a:prstGeom>
+        </p:spPr>
+      </p:pic>
+      <p:sp>
+        <p:nvSpPr>
+          <p:cNvPr id="2" name="TextBox 1">
+            <a:extLst>
+              <a:ext uri="{FF2B5EF4-FFF2-40B4-BE49-F238E27FC236}">
+                <a16:creationId xmlns:a16="http://schemas.microsoft.com/office/drawing/2014/main" id="{209C2888-B711-C947-99C7-578B4A9B0F4F}"/>
+              </a:ext>
+            </a:extLst>
+          </p:cNvPr>
+          <p:cNvSpPr txBox="1"/>
+          <p:nvPr/>
+        </p:nvSpPr>
+        <p:spPr>
+          <a:xfrm>
+            <a:off x="2436355" y="1767431"/>
+            <a:ext cx="744114" cy="307777"/>
+          </a:xfrm>
+          <a:prstGeom prst="rect">
+            <a:avLst/>
+          </a:prstGeom>
+          <a:noFill/>
+        </p:spPr>
+        <p:txBody>
+          <a:bodyPr wrap="none" rtlCol="0">
+            <a:spAutoFit/>
+          </a:bodyPr>
+          <a:lstStyle/>
+          <a:p>
+            <a:r>
+              <a:rPr lang="en-US" dirty="0" err="1"/>
+              <a:t>iDDPG</a:t>
+            </a:r>
+            <a:endParaRPr lang="en-RU" dirty="0"/>
+          </a:p>
+        </p:txBody>
+      </p:sp>
+      <p:sp>
+        <p:nvSpPr>
+          <p:cNvPr id="8" name="TextBox 7">
+            <a:extLst>
+              <a:ext uri="{FF2B5EF4-FFF2-40B4-BE49-F238E27FC236}">
+                <a16:creationId xmlns:a16="http://schemas.microsoft.com/office/drawing/2014/main" id="{67D51C82-0114-3942-B008-7A2867F18535}"/>
+              </a:ext>
+            </a:extLst>
+          </p:cNvPr>
+          <p:cNvSpPr txBox="1"/>
+          <p:nvPr/>
+        </p:nvSpPr>
+        <p:spPr>
+          <a:xfrm>
+            <a:off x="5188734" y="1767431"/>
+            <a:ext cx="973343" cy="307777"/>
+          </a:xfrm>
+          <a:prstGeom prst="rect">
+            <a:avLst/>
+          </a:prstGeom>
+          <a:noFill/>
+        </p:spPr>
+        <p:txBody>
+          <a:bodyPr wrap="none" rtlCol="0">
+            <a:spAutoFit/>
+          </a:bodyPr>
+          <a:lstStyle/>
+          <a:p>
+            <a:r>
+              <a:rPr lang="en-US" dirty="0"/>
+              <a:t>MADDPG</a:t>
+            </a:r>
+            <a:endParaRPr lang="en-RU" dirty="0"/>
+          </a:p>
+        </p:txBody>
+      </p:sp>
+    </p:spTree>
+    <p:extLst>
+      <p:ext uri="{BB962C8B-B14F-4D97-AF65-F5344CB8AC3E}">
+        <p14:creationId xmlns:p14="http://schemas.microsoft.com/office/powerpoint/2010/main" val="1655744309"/>
+      </p:ext>
+    </p:extLst>
+  </p:cSld>
+  <p:clrMapOvr>
+    <a:masterClrMapping/>
+  </p:clrMapOvr>
+</p:sld>
+</file>
+
+<file path=ppt/slides/slide12.xml><?xml version="1.0" encoding="utf-8"?>
+<p:sld xmlns:a="http://schemas.openxmlformats.org/drawingml/2006/main" xmlns:r="http://schemas.openxmlformats.org/officeDocument/2006/relationships" xmlns:p="http://schemas.openxmlformats.org/presentationml/2006/main">
+  <p:cSld>
+    <p:spTree>
+      <p:nvGrpSpPr>
+        <p:cNvPr id="1" name="Shape 304"/>
+        <p:cNvGrpSpPr/>
+        <p:nvPr/>
+      </p:nvGrpSpPr>
+      <p:grpSpPr>
+        <a:xfrm>
+          <a:off x="0" y="0"/>
+          <a:ext cx="0" cy="0"/>
+          <a:chOff x="0" y="0"/>
+          <a:chExt cx="0" cy="0"/>
+        </a:xfrm>
+      </p:grpSpPr>
+      <p:sp>
+        <p:nvSpPr>
+          <p:cNvPr id="305" name="Google Shape;305;p56"/>
+          <p:cNvSpPr txBox="1">
+            <a:spLocks noGrp="1"/>
+          </p:cNvSpPr>
+          <p:nvPr>
+            <p:ph type="title"/>
+          </p:nvPr>
+        </p:nvSpPr>
+        <p:spPr>
+          <a:xfrm>
+            <a:off x="651425" y="396394"/>
+            <a:ext cx="7706100" cy="4090800"/>
+          </a:xfrm>
+          <a:prstGeom prst="rect">
+            <a:avLst/>
+          </a:prstGeom>
+        </p:spPr>
+        <p:txBody>
+          <a:bodyPr spcFirstLastPara="1" wrap="square" lIns="91425" tIns="91425" rIns="91425" bIns="91425" anchor="ctr" anchorCtr="0">
+            <a:noAutofit/>
+          </a:bodyPr>
+          <a:lstStyle/>
+          <a:p>
+            <a:pPr marL="0" lvl="0" indent="0" algn="l" rtl="0">
+              <a:spcBef>
+                <a:spcPts val="0"/>
+              </a:spcBef>
+              <a:spcAft>
+                <a:spcPts val="0"/>
+              </a:spcAft>
+              <a:buClr>
+                <a:schemeClr val="dk1"/>
+              </a:buClr>
+              <a:buSzPts val="1100"/>
+              <a:buFont typeface="Arial"/>
+              <a:buNone/>
+            </a:pPr>
+            <a:r>
+              <a:rPr lang="ru-RU" sz="4900" dirty="0"/>
+              <a:t>Алгоритмы</a:t>
+            </a:r>
+            <a:endParaRPr dirty="0"/>
+          </a:p>
+        </p:txBody>
+      </p:sp>
+    </p:spTree>
+    <p:extLst>
+      <p:ext uri="{BB962C8B-B14F-4D97-AF65-F5344CB8AC3E}">
+        <p14:creationId xmlns:p14="http://schemas.microsoft.com/office/powerpoint/2010/main" val="1264657115"/>
+      </p:ext>
+    </p:extLst>
+  </p:cSld>
+  <p:clrMapOvr>
+    <a:masterClrMapping/>
+  </p:clrMapOvr>
+</p:sld>
+</file>
+
+<file path=ppt/slides/slide13.xml><?xml version="1.0" encoding="utf-8"?>
 <p:sld xmlns:a="http://schemas.openxmlformats.org/drawingml/2006/main" xmlns:r="http://schemas.openxmlformats.org/officeDocument/2006/relationships" xmlns:p="http://schemas.openxmlformats.org/presentationml/2006/main">
   <p:cSld>
     <p:spTree>
@@ -17747,7 +18811,7 @@
     </p:spTree>
     <p:extLst>
       <p:ext uri="{BB962C8B-B14F-4D97-AF65-F5344CB8AC3E}">
-        <p14:creationId xmlns:p14="http://schemas.microsoft.com/office/powerpoint/2010/main" val="3258187592"/>
+        <p14:creationId xmlns:p14="http://schemas.microsoft.com/office/powerpoint/2010/main" val="3542484491"/>
       </p:ext>
     </p:extLst>
   </p:cSld>
@@ -17757,7 +18821,7 @@
 </p:sld>
 </file>
 
-<file path=ppt/slides/slide11.xml><?xml version="1.0" encoding="utf-8"?>
+<file path=ppt/slides/slide14.xml><?xml version="1.0" encoding="utf-8"?>
 <p:sld xmlns:a="http://schemas.openxmlformats.org/drawingml/2006/main" xmlns:r="http://schemas.openxmlformats.org/officeDocument/2006/relationships" xmlns:p="http://schemas.openxmlformats.org/presentationml/2006/main">
   <p:cSld>
     <p:spTree>
@@ -17816,12 +18880,290 @@
           </a:p>
         </p:txBody>
       </p:sp>
+      <mc:AlternateContent xmlns:mc="http://schemas.openxmlformats.org/markup-compatibility/2006">
+        <mc:Choice xmlns:a14="http://schemas.microsoft.com/office/drawing/2010/main" Requires="a14">
+          <p:sp>
+            <p:nvSpPr>
+              <p:cNvPr id="3" name="TextBox 2">
+                <a:extLst>
+                  <a:ext uri="{FF2B5EF4-FFF2-40B4-BE49-F238E27FC236}">
+                    <a16:creationId xmlns:a16="http://schemas.microsoft.com/office/drawing/2014/main" id="{F0B8F05F-4FED-D745-9481-C37208683D60}"/>
+                  </a:ext>
+                </a:extLst>
+              </p:cNvPr>
+              <p:cNvSpPr txBox="1"/>
+              <p:nvPr/>
+            </p:nvSpPr>
+            <p:spPr>
+              <a:xfrm>
+                <a:off x="139278" y="962845"/>
+                <a:ext cx="8881871" cy="2893100"/>
+              </a:xfrm>
+              <a:prstGeom prst="rect">
+                <a:avLst/>
+              </a:prstGeom>
+              <a:noFill/>
+            </p:spPr>
+            <p:txBody>
+              <a:bodyPr wrap="square" rtlCol="0">
+                <a:spAutoFit/>
+              </a:bodyPr>
+              <a:lstStyle/>
+              <a:p>
+                <a:r>
+                  <a:rPr lang="ru-RU" dirty="0"/>
+                  <a:t>Алгоритмы:</a:t>
+                </a:r>
+              </a:p>
+              <a:p>
+                <a:r>
+                  <a:rPr lang="en-US" dirty="0">
+                    <a:highlight>
+                      <a:srgbClr val="00FF00"/>
+                    </a:highlight>
+                  </a:rPr>
+                  <a:t>DDPG </a:t>
+                </a:r>
+                <a:r>
+                  <a:rPr lang="ru-RU" dirty="0">
+                    <a:highlight>
+                      <a:srgbClr val="00FF00"/>
+                    </a:highlight>
+                  </a:rPr>
+                  <a:t>– </a:t>
+                </a:r>
+                <a:r>
+                  <a:rPr lang="en-US" dirty="0">
+                    <a:highlight>
+                      <a:srgbClr val="00FF00"/>
+                    </a:highlight>
+                  </a:rPr>
+                  <a:t>Deep Deterministic Policy Gradient</a:t>
+                </a:r>
+              </a:p>
+              <a:p>
+                <a:r>
+                  <a:rPr lang="en-RU" dirty="0">
+                    <a:highlight>
+                      <a:srgbClr val="00FF00"/>
+                    </a:highlight>
+                  </a:rPr>
+                  <a:t>iDDPG – independent </a:t>
+                </a:r>
+                <a:r>
+                  <a:rPr lang="en-US" dirty="0">
+                    <a:highlight>
+                      <a:srgbClr val="00FF00"/>
+                    </a:highlight>
+                  </a:rPr>
+                  <a:t>Deep Deterministic Policy Gradient</a:t>
+                </a:r>
+              </a:p>
+              <a:p>
+                <a:r>
+                  <a:rPr lang="en-RU" dirty="0">
+                    <a:highlight>
+                      <a:srgbClr val="00FF00"/>
+                    </a:highlight>
+                  </a:rPr>
+                  <a:t>MADDPG – Multi Agent </a:t>
+                </a:r>
+                <a:r>
+                  <a:rPr lang="en-US" dirty="0">
+                    <a:highlight>
+                      <a:srgbClr val="00FF00"/>
+                    </a:highlight>
+                  </a:rPr>
+                  <a:t>Deep Deterministic Policy Gradient</a:t>
+                </a:r>
+              </a:p>
+              <a:p>
+                <a:endParaRPr lang="en-GB" dirty="0"/>
+              </a:p>
+              <a:p>
+                <a:r>
+                  <a:rPr lang="en-GB" dirty="0"/>
+                  <a:t>TDDDPG – Twin Delayed </a:t>
+                </a:r>
+                <a:r>
+                  <a:rPr lang="en-US" dirty="0"/>
+                  <a:t>Deep Deterministic Policy Gradient</a:t>
+                </a:r>
+              </a:p>
+              <a:p>
+                <a:r>
+                  <a:rPr lang="en-US" dirty="0"/>
+                  <a:t>MAPPO – Multi Agent Proximal Policy Optimization</a:t>
+                </a:r>
+              </a:p>
+              <a:p>
+                <a:r>
+                  <a:rPr lang="en-GB" dirty="0"/>
+                  <a:t>POMDP – Partially Observable Markov Decision Process – </a:t>
+                </a:r>
+                <a:r>
+                  <a:rPr lang="ru-RU" dirty="0"/>
+                  <a:t>следующая лекция</a:t>
+                </a:r>
+                <a:r>
+                  <a:rPr lang="en-US" dirty="0"/>
+                  <a:t> – </a:t>
+                </a:r>
+                <a:r>
+                  <a:rPr lang="ru-RU" dirty="0"/>
+                  <a:t>частично наблюдаемые процессы.</a:t>
+                </a:r>
+                <a:endParaRPr lang="en-US" dirty="0"/>
+              </a:p>
+              <a:p>
+                <a:r>
+                  <a:rPr lang="en-GB" dirty="0"/>
+                  <a:t>FACMAC – Factored Multi-Agent Centralised Policy Gradients (POMDP </a:t>
+                </a:r>
+                <a14:m>
+                  <m:oMath xmlns:m="http://schemas.openxmlformats.org/officeDocument/2006/math">
+                    <m:r>
+                      <a:rPr lang="en-US" i="1">
+                        <a:latin typeface="Cambria Math" panose="02040503050406030204" pitchFamily="18" charset="0"/>
+                      </a:rPr>
+                      <m:t>→</m:t>
+                    </m:r>
+                  </m:oMath>
+                </a14:m>
+                <a:r>
+                  <a:rPr lang="en-GB" dirty="0"/>
+                  <a:t> DRQN </a:t>
+                </a:r>
+                <a14:m>
+                  <m:oMath xmlns:m="http://schemas.openxmlformats.org/officeDocument/2006/math">
+                    <m:r>
+                      <a:rPr lang="en-US" b="0" i="1" smtClean="0">
+                        <a:latin typeface="Cambria Math" panose="02040503050406030204" pitchFamily="18" charset="0"/>
+                      </a:rPr>
+                      <m:t>→</m:t>
+                    </m:r>
+                  </m:oMath>
+                </a14:m>
+                <a:r>
+                  <a:rPr lang="en-GB" dirty="0"/>
+                  <a:t> IDQN)</a:t>
+                </a:r>
+              </a:p>
+              <a:p>
+                <a:endParaRPr lang="ru-RU" dirty="0"/>
+              </a:p>
+              <a:p>
+                <a:endParaRPr lang="en-US" dirty="0"/>
+              </a:p>
+              <a:p>
+                <a:r>
+                  <a:rPr lang="en-RU" dirty="0"/>
+                  <a:t>MBDRL – Model-based Deep Reinforcement Learning</a:t>
+                </a:r>
+                <a:r>
+                  <a:rPr lang="ru-RU" dirty="0"/>
+                  <a:t> – через одну лекция</a:t>
+                </a:r>
+                <a:endParaRPr lang="en-RU" dirty="0"/>
+              </a:p>
+            </p:txBody>
+          </p:sp>
+        </mc:Choice>
+        <mc:Fallback>
+          <p:sp>
+            <p:nvSpPr>
+              <p:cNvPr id="3" name="TextBox 2">
+                <a:extLst>
+                  <a:ext uri="{FF2B5EF4-FFF2-40B4-BE49-F238E27FC236}">
+                    <a16:creationId xmlns:a16="http://schemas.microsoft.com/office/drawing/2014/main" id="{F0B8F05F-4FED-D745-9481-C37208683D60}"/>
+                  </a:ext>
+                </a:extLst>
+              </p:cNvPr>
+              <p:cNvSpPr txBox="1">
+                <a:spLocks noRot="1" noChangeAspect="1" noMove="1" noResize="1" noEditPoints="1" noAdjustHandles="1" noChangeArrowheads="1" noChangeShapeType="1" noTextEdit="1"/>
+              </p:cNvSpPr>
+              <p:nvPr/>
+            </p:nvSpPr>
+            <p:spPr>
+              <a:xfrm>
+                <a:off x="139278" y="962845"/>
+                <a:ext cx="8881871" cy="2893100"/>
+              </a:xfrm>
+              <a:prstGeom prst="rect">
+                <a:avLst/>
+              </a:prstGeom>
+              <a:blipFill>
+                <a:blip r:embed="rId3"/>
+                <a:stretch>
+                  <a:fillRect l="-286" t="-437" b="-1310"/>
+                </a:stretch>
+              </a:blipFill>
+            </p:spPr>
+            <p:txBody>
+              <a:bodyPr/>
+              <a:lstStyle/>
+              <a:p>
+                <a:r>
+                  <a:rPr lang="en-RU">
+                    <a:noFill/>
+                  </a:rPr>
+                  <a:t> </a:t>
+                </a:r>
+              </a:p>
+            </p:txBody>
+          </p:sp>
+        </mc:Fallback>
+      </mc:AlternateContent>
       <p:sp>
         <p:nvSpPr>
-          <p:cNvPr id="3" name="TextBox 2">
+          <p:cNvPr id="2" name="Right Brace 1">
             <a:extLst>
               <a:ext uri="{FF2B5EF4-FFF2-40B4-BE49-F238E27FC236}">
-                <a16:creationId xmlns:a16="http://schemas.microsoft.com/office/drawing/2014/main" id="{F0B8F05F-4FED-D745-9481-C37208683D60}"/>
+                <a16:creationId xmlns:a16="http://schemas.microsoft.com/office/drawing/2014/main" id="{39831907-E00B-894B-A29C-374812C58CEE}"/>
+              </a:ext>
+            </a:extLst>
+          </p:cNvPr>
+          <p:cNvSpPr/>
+          <p:nvPr/>
+        </p:nvSpPr>
+        <p:spPr>
+          <a:xfrm>
+            <a:off x="5204102" y="1190561"/>
+            <a:ext cx="155448" cy="668924"/>
+          </a:xfrm>
+          <a:prstGeom prst="rightBrace">
+            <a:avLst/>
+          </a:prstGeom>
+        </p:spPr>
+        <p:style>
+          <a:lnRef idx="1">
+            <a:schemeClr val="accent1"/>
+          </a:lnRef>
+          <a:fillRef idx="0">
+            <a:schemeClr val="accent1"/>
+          </a:fillRef>
+          <a:effectRef idx="0">
+            <a:schemeClr val="accent1"/>
+          </a:effectRef>
+          <a:fontRef idx="minor">
+            <a:schemeClr val="tx1"/>
+          </a:fontRef>
+        </p:style>
+        <p:txBody>
+          <a:bodyPr rtlCol="0" anchor="ctr"/>
+          <a:lstStyle/>
+          <a:p>
+            <a:pPr algn="ctr"/>
+            <a:endParaRPr lang="en-RU" dirty="0"/>
+          </a:p>
+        </p:txBody>
+      </p:sp>
+      <p:sp>
+        <p:nvSpPr>
+          <p:cNvPr id="4" name="TextBox 3">
+            <a:extLst>
+              <a:ext uri="{FF2B5EF4-FFF2-40B4-BE49-F238E27FC236}">
+                <a16:creationId xmlns:a16="http://schemas.microsoft.com/office/drawing/2014/main" id="{9E3A50D7-F416-A844-BB58-2C849C79DB20}"/>
               </a:ext>
             </a:extLst>
           </p:cNvPr>
@@ -17830,8 +19172,8 @@
         </p:nvSpPr>
         <p:spPr>
           <a:xfrm>
-            <a:off x="139278" y="962845"/>
-            <a:ext cx="8881871" cy="2246769"/>
+            <a:off x="5455579" y="1371134"/>
+            <a:ext cx="1734770" cy="307777"/>
           </a:xfrm>
           <a:prstGeom prst="rect">
             <a:avLst/>
@@ -17839,98 +19181,14 @@
           <a:noFill/>
         </p:spPr>
         <p:txBody>
-          <a:bodyPr wrap="square" rtlCol="0">
+          <a:bodyPr wrap="none" rtlCol="0">
             <a:spAutoFit/>
           </a:bodyPr>
           <a:lstStyle/>
           <a:p>
             <a:r>
               <a:rPr lang="ru-RU" dirty="0"/>
-              <a:t>Алгоритмы:</a:t>
-            </a:r>
-          </a:p>
-          <a:p>
-            <a:r>
-              <a:rPr lang="en-US" dirty="0"/>
-              <a:t>DDPG </a:t>
-            </a:r>
-            <a:r>
-              <a:rPr lang="ru-RU" dirty="0"/>
-              <a:t>– </a:t>
-            </a:r>
-            <a:r>
-              <a:rPr lang="en-US" dirty="0"/>
-              <a:t>Deep Deterministic Policy Gradient</a:t>
-            </a:r>
-          </a:p>
-          <a:p>
-            <a:r>
-              <a:rPr lang="en-RU" dirty="0"/>
-              <a:t>iDDPG – independent </a:t>
-            </a:r>
-            <a:r>
-              <a:rPr lang="en-US" dirty="0"/>
-              <a:t>Deep Deterministic Policy Gradient</a:t>
-            </a:r>
-          </a:p>
-          <a:p>
-            <a:r>
-              <a:rPr lang="en-RU" dirty="0"/>
-              <a:t>MADDPG – Multi Agent </a:t>
-            </a:r>
-            <a:r>
-              <a:rPr lang="en-US" dirty="0"/>
-              <a:t>Deep Deterministic Policy Gradient</a:t>
-            </a:r>
-          </a:p>
-          <a:p>
-            <a:r>
-              <a:rPr lang="en-GB" dirty="0"/>
-              <a:t>FACMAC – Factored Multi-Agent Centralised Policy Gradients</a:t>
-            </a:r>
-          </a:p>
-          <a:p>
-            <a:r>
-              <a:rPr lang="en-GB" dirty="0"/>
-              <a:t>TDDDPG – Twin Delayed </a:t>
-            </a:r>
-            <a:r>
-              <a:rPr lang="en-US" dirty="0"/>
-              <a:t>Deep Deterministic Policy Gradient</a:t>
-            </a:r>
-          </a:p>
-          <a:p>
-            <a:r>
-              <a:rPr lang="en-US" dirty="0">
-                <a:highlight>
-                  <a:srgbClr val="FFFF00"/>
-                </a:highlight>
-              </a:rPr>
-              <a:t>MAPPO – Multi Agent Proximal Policy Optimization</a:t>
-            </a:r>
-          </a:p>
-          <a:p>
-            <a:endParaRPr lang="en-US" dirty="0"/>
-          </a:p>
-          <a:p>
-            <a:r>
-              <a:rPr lang="en-GB" dirty="0"/>
-              <a:t>POMDP – Partially Observable Markov Decision Process – </a:t>
-            </a:r>
-            <a:r>
-              <a:rPr lang="ru-RU" dirty="0"/>
-              <a:t>следующая лекция</a:t>
-            </a:r>
-            <a:endParaRPr lang="en-US" dirty="0"/>
-          </a:p>
-          <a:p>
-            <a:r>
-              <a:rPr lang="en-RU" dirty="0"/>
-              <a:t>MBDRL – Model-based Deep Reinforcement Learning</a:t>
-            </a:r>
-            <a:r>
-              <a:rPr lang="ru-RU" dirty="0"/>
-              <a:t> – через одну лекция</a:t>
+              <a:t>Этот мы разберем</a:t>
             </a:r>
             <a:endParaRPr lang="en-RU" dirty="0"/>
           </a:p>
@@ -17949,7 +19207,7 @@
 </p:sld>
 </file>
 
-<file path=ppt/slides/slide12.xml><?xml version="1.0" encoding="utf-8"?>
+<file path=ppt/slides/slide15.xml><?xml version="1.0" encoding="utf-8"?>
 <p:sld xmlns:a="http://schemas.openxmlformats.org/drawingml/2006/main" xmlns:r="http://schemas.openxmlformats.org/officeDocument/2006/relationships" xmlns:p="http://schemas.openxmlformats.org/presentationml/2006/main">
   <p:cSld>
     <p:spTree>
@@ -18020,7 +19278,7 @@
     </p:spTree>
     <p:extLst>
       <p:ext uri="{BB962C8B-B14F-4D97-AF65-F5344CB8AC3E}">
-        <p14:creationId xmlns:p14="http://schemas.microsoft.com/office/powerpoint/2010/main" val="1264657115"/>
+        <p14:creationId xmlns:p14="http://schemas.microsoft.com/office/powerpoint/2010/main" val="2118558850"/>
       </p:ext>
     </p:extLst>
   </p:cSld>
@@ -18030,7 +19288,7 @@
 </p:sld>
 </file>
 
-<file path=ppt/slides/slide13.xml><?xml version="1.0" encoding="utf-8"?>
+<file path=ppt/slides/slide16.xml><?xml version="1.0" encoding="utf-8"?>
 <p:sld xmlns:a="http://schemas.openxmlformats.org/drawingml/2006/main" xmlns:r="http://schemas.openxmlformats.org/officeDocument/2006/relationships" xmlns:p="http://schemas.openxmlformats.org/presentationml/2006/main">
   <p:cSld>
     <p:spTree>
@@ -18288,7 +19546,7 @@
 </p:sld>
 </file>
 
-<file path=ppt/slides/slide14.xml><?xml version="1.0" encoding="utf-8"?>
+<file path=ppt/slides/slide17.xml><?xml version="1.0" encoding="utf-8"?>
 <p:sld xmlns:a="http://schemas.openxmlformats.org/drawingml/2006/main" xmlns:r="http://schemas.openxmlformats.org/officeDocument/2006/relationships" xmlns:p="http://schemas.openxmlformats.org/presentationml/2006/main">
   <p:cSld>
     <p:spTree>
@@ -18341,6 +19599,1993 @@
             </a:pPr>
             <a:r>
               <a:rPr lang="en-US" dirty="0"/>
+              <a:t>Deterministic Policy Gradient</a:t>
+            </a:r>
+            <a:r>
+              <a:rPr lang="ru-RU" dirty="0"/>
+              <a:t> </a:t>
+            </a:r>
+            <a:r>
+              <a:rPr lang="en-US" dirty="0"/>
+              <a:t>Theorem</a:t>
+            </a:r>
+            <a:endParaRPr dirty="0"/>
+          </a:p>
+        </p:txBody>
+      </p:sp>
+      <mc:AlternateContent xmlns:mc="http://schemas.openxmlformats.org/markup-compatibility/2006" xmlns:a14="http://schemas.microsoft.com/office/drawing/2010/main">
+        <mc:Choice Requires="a14">
+          <p:sp>
+            <p:nvSpPr>
+              <p:cNvPr id="4" name="Google Shape;311;p57">
+                <a:extLst>
+                  <a:ext uri="{FF2B5EF4-FFF2-40B4-BE49-F238E27FC236}">
+                    <a16:creationId xmlns:a16="http://schemas.microsoft.com/office/drawing/2014/main" id="{4F390D4B-928B-6548-A1C5-268947086F82}"/>
+                  </a:ext>
+                </a:extLst>
+              </p:cNvPr>
+              <p:cNvSpPr txBox="1">
+                <a:spLocks noGrp="1"/>
+              </p:cNvSpPr>
+              <p:nvPr>
+                <p:ph type="body" idx="1"/>
+              </p:nvPr>
+            </p:nvSpPr>
+            <p:spPr>
+              <a:xfrm>
+                <a:off x="122850" y="1032459"/>
+                <a:ext cx="8801144" cy="3478172"/>
+              </a:xfrm>
+              <a:prstGeom prst="rect">
+                <a:avLst/>
+              </a:prstGeom>
+            </p:spPr>
+            <p:txBody>
+              <a:bodyPr spcFirstLastPara="1" wrap="square" lIns="91425" tIns="91425" rIns="91425" bIns="91425" anchor="t" anchorCtr="0">
+                <a:noAutofit/>
+              </a:bodyPr>
+              <a:lstStyle/>
+              <a:p>
+                <a:pPr marL="133350" indent="0">
+                  <a:buNone/>
+                </a:pPr>
+                <a:r>
+                  <a:rPr lang="en-US" sz="1600" dirty="0">
+                    <a:solidFill>
+                      <a:srgbClr val="000000"/>
+                    </a:solidFill>
+                    <a:latin typeface="Helvetica Neue" panose="02000503000000020004" pitchFamily="2" charset="0"/>
+                  </a:rPr>
+                  <a:t>Policy Gradient Theorem</a:t>
+                </a:r>
+                <a:r>
+                  <a:rPr lang="ru-RU" sz="1600" dirty="0">
+                    <a:solidFill>
+                      <a:srgbClr val="000000"/>
+                    </a:solidFill>
+                    <a:latin typeface="Helvetica Neue" panose="02000503000000020004" pitchFamily="2" charset="0"/>
+                  </a:rPr>
+                  <a:t>:</a:t>
+                </a:r>
+                <a:endParaRPr lang="en-US" sz="1600" b="0" i="1" dirty="0">
+                  <a:solidFill>
+                    <a:srgbClr val="000000"/>
+                  </a:solidFill>
+                  <a:latin typeface="Cambria Math" panose="02040503050406030204" pitchFamily="18" charset="0"/>
+                </a:endParaRPr>
+              </a:p>
+              <a:p>
+                <a:pPr marL="133350" indent="0">
+                  <a:buNone/>
+                </a:pPr>
+                <a14:m>
+                  <m:oMathPara xmlns:m="http://schemas.openxmlformats.org/officeDocument/2006/math">
+                    <m:oMathParaPr>
+                      <m:jc m:val="centerGroup"/>
+                    </m:oMathParaPr>
+                    <m:oMath xmlns:m="http://schemas.openxmlformats.org/officeDocument/2006/math">
+                      <m:sSub>
+                        <m:sSubPr>
+                          <m:ctrlPr>
+                            <a:rPr lang="en-US" sz="1600" b="0" i="1" smtClean="0">
+                              <a:solidFill>
+                                <a:srgbClr val="000000"/>
+                              </a:solidFill>
+                              <a:latin typeface="Cambria Math" panose="02040503050406030204" pitchFamily="18" charset="0"/>
+                            </a:rPr>
+                          </m:ctrlPr>
+                        </m:sSubPr>
+                        <m:e>
+                          <m:r>
+                            <m:rPr>
+                              <m:sty m:val="p"/>
+                            </m:rPr>
+                            <a:rPr lang="en-US" sz="1600" b="0" i="0" smtClean="0">
+                              <a:solidFill>
+                                <a:srgbClr val="000000"/>
+                              </a:solidFill>
+                              <a:latin typeface="Cambria Math" panose="02040503050406030204" pitchFamily="18" charset="0"/>
+                            </a:rPr>
+                            <m:t>∇</m:t>
+                          </m:r>
+                        </m:e>
+                        <m:sub>
+                          <m:r>
+                            <a:rPr lang="en-US" sz="1600" b="0" i="1" smtClean="0">
+                              <a:solidFill>
+                                <a:srgbClr val="000000"/>
+                              </a:solidFill>
+                              <a:latin typeface="Cambria Math" panose="02040503050406030204" pitchFamily="18" charset="0"/>
+                            </a:rPr>
+                            <m:t>𝜂</m:t>
+                          </m:r>
+                        </m:sub>
+                      </m:sSub>
+                      <m:r>
+                        <a:rPr lang="en-US" sz="1600" b="0" i="1" smtClean="0">
+                          <a:solidFill>
+                            <a:srgbClr val="000000"/>
+                          </a:solidFill>
+                          <a:latin typeface="Cambria Math" panose="02040503050406030204" pitchFamily="18" charset="0"/>
+                        </a:rPr>
+                        <m:t>𝐽</m:t>
+                      </m:r>
+                      <m:d>
+                        <m:dPr>
+                          <m:ctrlPr>
+                            <a:rPr lang="en-US" sz="1600" b="0" i="1" smtClean="0">
+                              <a:solidFill>
+                                <a:srgbClr val="000000"/>
+                              </a:solidFill>
+                              <a:latin typeface="Cambria Math" panose="02040503050406030204" pitchFamily="18" charset="0"/>
+                            </a:rPr>
+                          </m:ctrlPr>
+                        </m:dPr>
+                        <m:e>
+                          <m:r>
+                            <a:rPr lang="en-US" sz="1600" b="0" i="1" smtClean="0">
+                              <a:solidFill>
+                                <a:srgbClr val="000000"/>
+                              </a:solidFill>
+                              <a:latin typeface="Cambria Math" panose="02040503050406030204" pitchFamily="18" charset="0"/>
+                            </a:rPr>
+                            <m:t>𝜂</m:t>
+                          </m:r>
+                        </m:e>
+                      </m:d>
+                      <m:r>
+                        <a:rPr lang="en-US" sz="1600" b="0" i="1" smtClean="0">
+                          <a:solidFill>
+                            <a:srgbClr val="000000"/>
+                          </a:solidFill>
+                          <a:latin typeface="Cambria Math" panose="02040503050406030204" pitchFamily="18" charset="0"/>
+                        </a:rPr>
+                        <m:t>=</m:t>
+                      </m:r>
+                      <m:sSub>
+                        <m:sSubPr>
+                          <m:ctrlPr>
+                            <a:rPr lang="en-US" sz="1600" b="0" i="1" smtClean="0">
+                              <a:solidFill>
+                                <a:srgbClr val="000000"/>
+                              </a:solidFill>
+                              <a:latin typeface="Cambria Math" panose="02040503050406030204" pitchFamily="18" charset="0"/>
+                            </a:rPr>
+                          </m:ctrlPr>
+                        </m:sSubPr>
+                        <m:e>
+                          <m:r>
+                            <a:rPr lang="en-US" sz="1600" b="0" i="1" smtClean="0">
+                              <a:solidFill>
+                                <a:srgbClr val="000000"/>
+                              </a:solidFill>
+                              <a:latin typeface="Cambria Math" panose="02040503050406030204" pitchFamily="18" charset="0"/>
+                            </a:rPr>
+                            <m:t>𝔼</m:t>
+                          </m:r>
+                        </m:e>
+                        <m:sub>
+                          <m:eqArr>
+                            <m:eqArrPr>
+                              <m:ctrlPr>
+                                <a:rPr lang="en-US" sz="1600" b="0" i="1" smtClean="0">
+                                  <a:solidFill>
+                                    <a:srgbClr val="000000"/>
+                                  </a:solidFill>
+                                  <a:latin typeface="Cambria Math" panose="02040503050406030204" pitchFamily="18" charset="0"/>
+                                </a:rPr>
+                              </m:ctrlPr>
+                            </m:eqArrPr>
+                            <m:e>
+                              <m:r>
+                                <a:rPr lang="en-US" sz="1600" b="0" i="1" smtClean="0">
+                                  <a:solidFill>
+                                    <a:srgbClr val="000000"/>
+                                  </a:solidFill>
+                                  <a:latin typeface="Cambria Math" panose="02040503050406030204" pitchFamily="18" charset="0"/>
+                                </a:rPr>
+                                <m:t>𝑠</m:t>
+                              </m:r>
+                              <m:r>
+                                <a:rPr lang="en-US" sz="1600" b="0" i="1" smtClean="0">
+                                  <a:solidFill>
+                                    <a:srgbClr val="000000"/>
+                                  </a:solidFill>
+                                  <a:latin typeface="Cambria Math" panose="02040503050406030204" pitchFamily="18" charset="0"/>
+                                  <a:ea typeface="Cambria Math" panose="02040503050406030204" pitchFamily="18" charset="0"/>
+                                </a:rPr>
+                                <m:t>~</m:t>
+                              </m:r>
+                              <m:sSub>
+                                <m:sSubPr>
+                                  <m:ctrlPr>
+                                    <a:rPr lang="en-US" sz="1600" b="0" i="1" smtClean="0">
+                                      <a:solidFill>
+                                        <a:srgbClr val="000000"/>
+                                      </a:solidFill>
+                                      <a:latin typeface="Cambria Math" panose="02040503050406030204" pitchFamily="18" charset="0"/>
+                                      <a:ea typeface="Cambria Math" panose="02040503050406030204" pitchFamily="18" charset="0"/>
+                                    </a:rPr>
+                                  </m:ctrlPr>
+                                </m:sSubPr>
+                                <m:e>
+                                  <m:r>
+                                    <a:rPr lang="en-US" sz="1600" b="0" i="1" smtClean="0">
+                                      <a:solidFill>
+                                        <a:srgbClr val="000000"/>
+                                      </a:solidFill>
+                                      <a:latin typeface="Cambria Math" panose="02040503050406030204" pitchFamily="18" charset="0"/>
+                                      <a:ea typeface="Cambria Math" panose="02040503050406030204" pitchFamily="18" charset="0"/>
+                                    </a:rPr>
+                                    <m:t>𝜌</m:t>
+                                  </m:r>
+                                </m:e>
+                                <m:sub>
+                                  <m:sSup>
+                                    <m:sSupPr>
+                                      <m:ctrlPr>
+                                        <a:rPr lang="en-US" sz="1600" b="0" i="1" smtClean="0">
+                                          <a:solidFill>
+                                            <a:srgbClr val="000000"/>
+                                          </a:solidFill>
+                                          <a:latin typeface="Cambria Math" panose="02040503050406030204" pitchFamily="18" charset="0"/>
+                                          <a:ea typeface="Cambria Math" panose="02040503050406030204" pitchFamily="18" charset="0"/>
+                                        </a:rPr>
+                                      </m:ctrlPr>
+                                    </m:sSupPr>
+                                    <m:e>
+                                      <m:r>
+                                        <a:rPr lang="en-US" sz="1600" b="0" i="1" smtClean="0">
+                                          <a:solidFill>
+                                            <a:srgbClr val="000000"/>
+                                          </a:solidFill>
+                                          <a:latin typeface="Cambria Math" panose="02040503050406030204" pitchFamily="18" charset="0"/>
+                                          <a:ea typeface="Cambria Math" panose="02040503050406030204" pitchFamily="18" charset="0"/>
+                                        </a:rPr>
+                                        <m:t>𝜋</m:t>
+                                      </m:r>
+                                    </m:e>
+                                    <m:sup>
+                                      <m:r>
+                                        <a:rPr lang="en-US" sz="1600" b="0" i="1" smtClean="0">
+                                          <a:solidFill>
+                                            <a:srgbClr val="000000"/>
+                                          </a:solidFill>
+                                          <a:latin typeface="Cambria Math" panose="02040503050406030204" pitchFamily="18" charset="0"/>
+                                          <a:ea typeface="Cambria Math" panose="02040503050406030204" pitchFamily="18" charset="0"/>
+                                        </a:rPr>
+                                        <m:t>𝜂</m:t>
+                                      </m:r>
+                                    </m:sup>
+                                  </m:sSup>
+                                </m:sub>
+                              </m:sSub>
+                            </m:e>
+                            <m:e>
+                              <m:r>
+                                <a:rPr lang="en-US" sz="1600" b="0" i="1" smtClean="0">
+                                  <a:solidFill>
+                                    <a:srgbClr val="000000"/>
+                                  </a:solidFill>
+                                  <a:latin typeface="Cambria Math" panose="02040503050406030204" pitchFamily="18" charset="0"/>
+                                  <a:ea typeface="Cambria Math" panose="02040503050406030204" pitchFamily="18" charset="0"/>
+                                </a:rPr>
+                                <m:t>𝑎</m:t>
+                              </m:r>
+                              <m:r>
+                                <a:rPr lang="en-US" sz="1600" b="0" i="1" smtClean="0">
+                                  <a:solidFill>
+                                    <a:srgbClr val="000000"/>
+                                  </a:solidFill>
+                                  <a:latin typeface="Cambria Math" panose="02040503050406030204" pitchFamily="18" charset="0"/>
+                                  <a:ea typeface="Cambria Math" panose="02040503050406030204" pitchFamily="18" charset="0"/>
+                                </a:rPr>
+                                <m:t> ~ </m:t>
+                              </m:r>
+                              <m:sSup>
+                                <m:sSupPr>
+                                  <m:ctrlPr>
+                                    <a:rPr lang="en-US" sz="1600" b="0" i="1" smtClean="0">
+                                      <a:solidFill>
+                                        <a:srgbClr val="000000"/>
+                                      </a:solidFill>
+                                      <a:latin typeface="Cambria Math" panose="02040503050406030204" pitchFamily="18" charset="0"/>
+                                      <a:ea typeface="Cambria Math" panose="02040503050406030204" pitchFamily="18" charset="0"/>
+                                    </a:rPr>
+                                  </m:ctrlPr>
+                                </m:sSupPr>
+                                <m:e>
+                                  <m:r>
+                                    <a:rPr lang="en-US" sz="1600" b="0" i="1" smtClean="0">
+                                      <a:solidFill>
+                                        <a:srgbClr val="000000"/>
+                                      </a:solidFill>
+                                      <a:latin typeface="Cambria Math" panose="02040503050406030204" pitchFamily="18" charset="0"/>
+                                      <a:ea typeface="Cambria Math" panose="02040503050406030204" pitchFamily="18" charset="0"/>
+                                    </a:rPr>
+                                    <m:t>𝜋</m:t>
+                                  </m:r>
+                                </m:e>
+                                <m:sup>
+                                  <m:r>
+                                    <a:rPr lang="en-US" sz="1600" b="0" i="1" smtClean="0">
+                                      <a:solidFill>
+                                        <a:srgbClr val="000000"/>
+                                      </a:solidFill>
+                                      <a:latin typeface="Cambria Math" panose="02040503050406030204" pitchFamily="18" charset="0"/>
+                                      <a:ea typeface="Cambria Math" panose="02040503050406030204" pitchFamily="18" charset="0"/>
+                                    </a:rPr>
+                                    <m:t>𝜂</m:t>
+                                  </m:r>
+                                </m:sup>
+                              </m:sSup>
+                            </m:e>
+                          </m:eqArr>
+                        </m:sub>
+                      </m:sSub>
+                      <m:d>
+                        <m:dPr>
+                          <m:begChr m:val="["/>
+                          <m:endChr m:val="]"/>
+                          <m:ctrlPr>
+                            <a:rPr lang="en-US" sz="1600" b="0" i="1" smtClean="0">
+                              <a:solidFill>
+                                <a:srgbClr val="000000"/>
+                              </a:solidFill>
+                              <a:latin typeface="Cambria Math" panose="02040503050406030204" pitchFamily="18" charset="0"/>
+                            </a:rPr>
+                          </m:ctrlPr>
+                        </m:dPr>
+                        <m:e>
+                          <m:sSub>
+                            <m:sSubPr>
+                              <m:ctrlPr>
+                                <a:rPr lang="en-US" sz="1600" b="0" i="1" smtClean="0">
+                                  <a:solidFill>
+                                    <a:srgbClr val="000000"/>
+                                  </a:solidFill>
+                                  <a:latin typeface="Cambria Math" panose="02040503050406030204" pitchFamily="18" charset="0"/>
+                                </a:rPr>
+                              </m:ctrlPr>
+                            </m:sSubPr>
+                            <m:e>
+                              <m:r>
+                                <m:rPr>
+                                  <m:sty m:val="p"/>
+                                </m:rPr>
+                                <a:rPr lang="en-US" sz="1600" b="0" i="0" smtClean="0">
+                                  <a:solidFill>
+                                    <a:srgbClr val="000000"/>
+                                  </a:solidFill>
+                                  <a:latin typeface="Cambria Math" panose="02040503050406030204" pitchFamily="18" charset="0"/>
+                                </a:rPr>
+                                <m:t>∇</m:t>
+                              </m:r>
+                            </m:e>
+                            <m:sub>
+                              <m:r>
+                                <a:rPr lang="en-US" sz="1600" b="0" i="1" smtClean="0">
+                                  <a:solidFill>
+                                    <a:srgbClr val="000000"/>
+                                  </a:solidFill>
+                                  <a:latin typeface="Cambria Math" panose="02040503050406030204" pitchFamily="18" charset="0"/>
+                                </a:rPr>
+                                <m:t>𝜂</m:t>
+                              </m:r>
+                            </m:sub>
+                          </m:sSub>
+                          <m:r>
+                            <m:rPr>
+                              <m:sty m:val="p"/>
+                            </m:rPr>
+                            <a:rPr lang="en-US" sz="1600" b="0" i="1" smtClean="0">
+                              <a:solidFill>
+                                <a:srgbClr val="000000"/>
+                              </a:solidFill>
+                              <a:latin typeface="Cambria Math" panose="02040503050406030204" pitchFamily="18" charset="0"/>
+                            </a:rPr>
+                            <m:t>ln</m:t>
+                          </m:r>
+                          <m:r>
+                            <a:rPr lang="en-US" sz="1600" b="0" i="1" smtClean="0">
+                              <a:solidFill>
+                                <a:srgbClr val="000000"/>
+                              </a:solidFill>
+                              <a:latin typeface="Cambria Math" panose="02040503050406030204" pitchFamily="18" charset="0"/>
+                            </a:rPr>
+                            <m:t> </m:t>
+                          </m:r>
+                          <m:sSup>
+                            <m:sSupPr>
+                              <m:ctrlPr>
+                                <a:rPr lang="en-US" sz="1600" b="0" i="1" smtClean="0">
+                                  <a:solidFill>
+                                    <a:srgbClr val="000000"/>
+                                  </a:solidFill>
+                                  <a:latin typeface="Cambria Math" panose="02040503050406030204" pitchFamily="18" charset="0"/>
+                                </a:rPr>
+                              </m:ctrlPr>
+                            </m:sSupPr>
+                            <m:e>
+                              <m:r>
+                                <a:rPr lang="en-US" sz="1600" b="0" i="1" smtClean="0">
+                                  <a:solidFill>
+                                    <a:srgbClr val="000000"/>
+                                  </a:solidFill>
+                                  <a:latin typeface="Cambria Math" panose="02040503050406030204" pitchFamily="18" charset="0"/>
+                                </a:rPr>
+                                <m:t>𝜋</m:t>
+                              </m:r>
+                            </m:e>
+                            <m:sup>
+                              <m:r>
+                                <a:rPr lang="en-US" sz="1600" b="0" i="1" smtClean="0">
+                                  <a:solidFill>
+                                    <a:srgbClr val="000000"/>
+                                  </a:solidFill>
+                                  <a:latin typeface="Cambria Math" panose="02040503050406030204" pitchFamily="18" charset="0"/>
+                                </a:rPr>
+                                <m:t>𝜂</m:t>
+                              </m:r>
+                            </m:sup>
+                          </m:sSup>
+                          <m:d>
+                            <m:dPr>
+                              <m:ctrlPr>
+                                <a:rPr lang="en-US" sz="1600" b="0" i="1" smtClean="0">
+                                  <a:solidFill>
+                                    <a:srgbClr val="000000"/>
+                                  </a:solidFill>
+                                  <a:latin typeface="Cambria Math" panose="02040503050406030204" pitchFamily="18" charset="0"/>
+                                </a:rPr>
+                              </m:ctrlPr>
+                            </m:dPr>
+                            <m:e>
+                              <m:r>
+                                <a:rPr lang="en-US" sz="1600" b="0" i="1" smtClean="0">
+                                  <a:solidFill>
+                                    <a:srgbClr val="000000"/>
+                                  </a:solidFill>
+                                  <a:latin typeface="Cambria Math" panose="02040503050406030204" pitchFamily="18" charset="0"/>
+                                </a:rPr>
+                                <m:t>𝑎</m:t>
+                              </m:r>
+                            </m:e>
+                            <m:e>
+                              <m:r>
+                                <a:rPr lang="en-US" sz="1600" b="0" i="1" smtClean="0">
+                                  <a:solidFill>
+                                    <a:srgbClr val="000000"/>
+                                  </a:solidFill>
+                                  <a:latin typeface="Cambria Math" panose="02040503050406030204" pitchFamily="18" charset="0"/>
+                                </a:rPr>
+                                <m:t>𝑠</m:t>
+                              </m:r>
+                            </m:e>
+                          </m:d>
+                          <m:sSub>
+                            <m:sSubPr>
+                              <m:ctrlPr>
+                                <a:rPr lang="en-US" sz="1600" b="0" i="1" smtClean="0">
+                                  <a:solidFill>
+                                    <a:srgbClr val="000000"/>
+                                  </a:solidFill>
+                                  <a:latin typeface="Cambria Math" panose="02040503050406030204" pitchFamily="18" charset="0"/>
+                                </a:rPr>
+                              </m:ctrlPr>
+                            </m:sSubPr>
+                            <m:e>
+                              <m:r>
+                                <a:rPr lang="en-US" sz="1600" b="0" i="1" smtClean="0">
+                                  <a:solidFill>
+                                    <a:srgbClr val="000000"/>
+                                  </a:solidFill>
+                                  <a:latin typeface="Cambria Math" panose="02040503050406030204" pitchFamily="18" charset="0"/>
+                                </a:rPr>
+                                <m:t>𝑞</m:t>
+                              </m:r>
+                            </m:e>
+                            <m:sub>
+                              <m:sSup>
+                                <m:sSupPr>
+                                  <m:ctrlPr>
+                                    <a:rPr lang="en-US" sz="1600" b="0" i="1" smtClean="0">
+                                      <a:solidFill>
+                                        <a:srgbClr val="000000"/>
+                                      </a:solidFill>
+                                      <a:latin typeface="Cambria Math" panose="02040503050406030204" pitchFamily="18" charset="0"/>
+                                    </a:rPr>
+                                  </m:ctrlPr>
+                                </m:sSupPr>
+                                <m:e>
+                                  <m:r>
+                                    <a:rPr lang="en-US" sz="1600" b="0" i="1" smtClean="0">
+                                      <a:solidFill>
+                                        <a:srgbClr val="000000"/>
+                                      </a:solidFill>
+                                      <a:latin typeface="Cambria Math" panose="02040503050406030204" pitchFamily="18" charset="0"/>
+                                    </a:rPr>
+                                    <m:t>𝜋</m:t>
+                                  </m:r>
+                                </m:e>
+                                <m:sup>
+                                  <m:r>
+                                    <a:rPr lang="en-US" sz="1600" b="0" i="1" smtClean="0">
+                                      <a:solidFill>
+                                        <a:srgbClr val="000000"/>
+                                      </a:solidFill>
+                                      <a:latin typeface="Cambria Math" panose="02040503050406030204" pitchFamily="18" charset="0"/>
+                                    </a:rPr>
+                                    <m:t>𝜂</m:t>
+                                  </m:r>
+                                </m:sup>
+                              </m:sSup>
+                            </m:sub>
+                          </m:sSub>
+                          <m:r>
+                            <a:rPr lang="en-US" sz="1600" b="0" i="1" smtClean="0">
+                              <a:solidFill>
+                                <a:srgbClr val="000000"/>
+                              </a:solidFill>
+                              <a:latin typeface="Cambria Math" panose="02040503050406030204" pitchFamily="18" charset="0"/>
+                            </a:rPr>
+                            <m:t>(</m:t>
+                          </m:r>
+                          <m:r>
+                            <a:rPr lang="en-US" sz="1600" b="0" i="1" smtClean="0">
+                              <a:solidFill>
+                                <a:srgbClr val="000000"/>
+                              </a:solidFill>
+                              <a:latin typeface="Cambria Math" panose="02040503050406030204" pitchFamily="18" charset="0"/>
+                            </a:rPr>
+                            <m:t>𝑠</m:t>
+                          </m:r>
+                          <m:r>
+                            <a:rPr lang="en-US" sz="1600" b="0" i="1" smtClean="0">
+                              <a:solidFill>
+                                <a:srgbClr val="000000"/>
+                              </a:solidFill>
+                              <a:latin typeface="Cambria Math" panose="02040503050406030204" pitchFamily="18" charset="0"/>
+                            </a:rPr>
+                            <m:t>, </m:t>
+                          </m:r>
+                          <m:r>
+                            <a:rPr lang="en-US" sz="1600" b="0" i="1" smtClean="0">
+                              <a:solidFill>
+                                <a:srgbClr val="000000"/>
+                              </a:solidFill>
+                              <a:latin typeface="Cambria Math" panose="02040503050406030204" pitchFamily="18" charset="0"/>
+                            </a:rPr>
+                            <m:t>𝑎</m:t>
+                          </m:r>
+                          <m:r>
+                            <a:rPr lang="en-US" sz="1600" b="0" i="1" smtClean="0">
+                              <a:solidFill>
+                                <a:srgbClr val="000000"/>
+                              </a:solidFill>
+                              <a:latin typeface="Cambria Math" panose="02040503050406030204" pitchFamily="18" charset="0"/>
+                            </a:rPr>
+                            <m:t>) </m:t>
+                          </m:r>
+                        </m:e>
+                      </m:d>
+                      <m:r>
+                        <a:rPr lang="en-US" sz="1600" b="0" i="1" smtClean="0">
+                          <a:solidFill>
+                            <a:srgbClr val="000000"/>
+                          </a:solidFill>
+                          <a:latin typeface="Cambria Math" panose="02040503050406030204" pitchFamily="18" charset="0"/>
+                        </a:rPr>
+                        <m:t> </m:t>
+                      </m:r>
+                      <m:r>
+                        <a:rPr lang="en-US" sz="1600" b="0" i="1" smtClean="0">
+                          <a:solidFill>
+                            <a:srgbClr val="000000"/>
+                          </a:solidFill>
+                          <a:latin typeface="Cambria Math" panose="02040503050406030204" pitchFamily="18" charset="0"/>
+                          <a:ea typeface="Cambria Math" panose="02040503050406030204" pitchFamily="18" charset="0"/>
+                        </a:rPr>
+                        <m:t>≈</m:t>
+                      </m:r>
+                      <m:sSub>
+                        <m:sSubPr>
+                          <m:ctrlPr>
+                            <a:rPr lang="en-US" sz="1600" i="1">
+                              <a:solidFill>
+                                <a:srgbClr val="000000"/>
+                              </a:solidFill>
+                              <a:latin typeface="Cambria Math" panose="02040503050406030204" pitchFamily="18" charset="0"/>
+                            </a:rPr>
+                          </m:ctrlPr>
+                        </m:sSubPr>
+                        <m:e>
+                          <m:r>
+                            <m:rPr>
+                              <m:sty m:val="p"/>
+                            </m:rPr>
+                            <a:rPr lang="en-US" sz="1600">
+                              <a:solidFill>
+                                <a:srgbClr val="000000"/>
+                              </a:solidFill>
+                              <a:latin typeface="Cambria Math" panose="02040503050406030204" pitchFamily="18" charset="0"/>
+                            </a:rPr>
+                            <m:t>∇</m:t>
+                          </m:r>
+                        </m:e>
+                        <m:sub>
+                          <m:r>
+                            <a:rPr lang="en-US" sz="1600" i="1">
+                              <a:solidFill>
+                                <a:srgbClr val="000000"/>
+                              </a:solidFill>
+                              <a:latin typeface="Cambria Math" panose="02040503050406030204" pitchFamily="18" charset="0"/>
+                            </a:rPr>
+                            <m:t>𝜂</m:t>
+                          </m:r>
+                        </m:sub>
+                      </m:sSub>
+                      <m:r>
+                        <m:rPr>
+                          <m:sty m:val="p"/>
+                        </m:rPr>
+                        <a:rPr lang="en-US" sz="1600" i="1">
+                          <a:solidFill>
+                            <a:srgbClr val="000000"/>
+                          </a:solidFill>
+                          <a:latin typeface="Cambria Math" panose="02040503050406030204" pitchFamily="18" charset="0"/>
+                        </a:rPr>
+                        <m:t>ln</m:t>
+                      </m:r>
+                      <m:r>
+                        <a:rPr lang="en-US" sz="1600" i="1">
+                          <a:solidFill>
+                            <a:srgbClr val="000000"/>
+                          </a:solidFill>
+                          <a:latin typeface="Cambria Math" panose="02040503050406030204" pitchFamily="18" charset="0"/>
+                        </a:rPr>
+                        <m:t> </m:t>
+                      </m:r>
+                      <m:sSup>
+                        <m:sSupPr>
+                          <m:ctrlPr>
+                            <a:rPr lang="en-US" sz="1600" i="1">
+                              <a:solidFill>
+                                <a:srgbClr val="000000"/>
+                              </a:solidFill>
+                              <a:latin typeface="Cambria Math" panose="02040503050406030204" pitchFamily="18" charset="0"/>
+                            </a:rPr>
+                          </m:ctrlPr>
+                        </m:sSupPr>
+                        <m:e>
+                          <m:r>
+                            <a:rPr lang="en-US" sz="1600" i="1">
+                              <a:solidFill>
+                                <a:srgbClr val="000000"/>
+                              </a:solidFill>
+                              <a:latin typeface="Cambria Math" panose="02040503050406030204" pitchFamily="18" charset="0"/>
+                            </a:rPr>
+                            <m:t>𝜋</m:t>
+                          </m:r>
+                        </m:e>
+                        <m:sup>
+                          <m:r>
+                            <a:rPr lang="en-US" sz="1600" i="1">
+                              <a:solidFill>
+                                <a:srgbClr val="000000"/>
+                              </a:solidFill>
+                              <a:latin typeface="Cambria Math" panose="02040503050406030204" pitchFamily="18" charset="0"/>
+                            </a:rPr>
+                            <m:t>𝜂</m:t>
+                          </m:r>
+                        </m:sup>
+                      </m:sSup>
+                      <m:d>
+                        <m:dPr>
+                          <m:ctrlPr>
+                            <a:rPr lang="en-US" sz="1600" i="1">
+                              <a:solidFill>
+                                <a:srgbClr val="000000"/>
+                              </a:solidFill>
+                              <a:latin typeface="Cambria Math" panose="02040503050406030204" pitchFamily="18" charset="0"/>
+                            </a:rPr>
+                          </m:ctrlPr>
+                        </m:dPr>
+                        <m:e>
+                          <m:r>
+                            <a:rPr lang="en-US" sz="1600" i="1">
+                              <a:solidFill>
+                                <a:srgbClr val="000000"/>
+                              </a:solidFill>
+                              <a:latin typeface="Cambria Math" panose="02040503050406030204" pitchFamily="18" charset="0"/>
+                            </a:rPr>
+                            <m:t>𝑎</m:t>
+                          </m:r>
+                        </m:e>
+                        <m:e>
+                          <m:r>
+                            <a:rPr lang="en-US" sz="1600" i="1">
+                              <a:solidFill>
+                                <a:srgbClr val="000000"/>
+                              </a:solidFill>
+                              <a:latin typeface="Cambria Math" panose="02040503050406030204" pitchFamily="18" charset="0"/>
+                            </a:rPr>
+                            <m:t>𝑠</m:t>
+                          </m:r>
+                        </m:e>
+                      </m:d>
+                      <m:sSub>
+                        <m:sSubPr>
+                          <m:ctrlPr>
+                            <a:rPr lang="en-US" sz="1600" i="1">
+                              <a:solidFill>
+                                <a:srgbClr val="000000"/>
+                              </a:solidFill>
+                              <a:latin typeface="Cambria Math" panose="02040503050406030204" pitchFamily="18" charset="0"/>
+                            </a:rPr>
+                          </m:ctrlPr>
+                        </m:sSubPr>
+                        <m:e>
+                          <m:r>
+                            <a:rPr lang="en-US" sz="1600" i="1">
+                              <a:solidFill>
+                                <a:srgbClr val="000000"/>
+                              </a:solidFill>
+                              <a:latin typeface="Cambria Math" panose="02040503050406030204" pitchFamily="18" charset="0"/>
+                            </a:rPr>
+                            <m:t>𝑞</m:t>
+                          </m:r>
+                        </m:e>
+                        <m:sub>
+                          <m:sSup>
+                            <m:sSupPr>
+                              <m:ctrlPr>
+                                <a:rPr lang="en-US" sz="1600" i="1">
+                                  <a:solidFill>
+                                    <a:srgbClr val="000000"/>
+                                  </a:solidFill>
+                                  <a:latin typeface="Cambria Math" panose="02040503050406030204" pitchFamily="18" charset="0"/>
+                                </a:rPr>
+                              </m:ctrlPr>
+                            </m:sSupPr>
+                            <m:e>
+                              <m:r>
+                                <a:rPr lang="en-US" sz="1600" i="1">
+                                  <a:solidFill>
+                                    <a:srgbClr val="000000"/>
+                                  </a:solidFill>
+                                  <a:latin typeface="Cambria Math" panose="02040503050406030204" pitchFamily="18" charset="0"/>
+                                </a:rPr>
+                                <m:t>𝜋</m:t>
+                              </m:r>
+                            </m:e>
+                            <m:sup>
+                              <m:r>
+                                <a:rPr lang="en-US" sz="1600" i="1">
+                                  <a:solidFill>
+                                    <a:srgbClr val="000000"/>
+                                  </a:solidFill>
+                                  <a:latin typeface="Cambria Math" panose="02040503050406030204" pitchFamily="18" charset="0"/>
+                                </a:rPr>
+                                <m:t>𝜂</m:t>
+                              </m:r>
+                            </m:sup>
+                          </m:sSup>
+                        </m:sub>
+                      </m:sSub>
+                      <m:r>
+                        <a:rPr lang="en-US" sz="1600" i="1">
+                          <a:solidFill>
+                            <a:srgbClr val="000000"/>
+                          </a:solidFill>
+                          <a:latin typeface="Cambria Math" panose="02040503050406030204" pitchFamily="18" charset="0"/>
+                        </a:rPr>
+                        <m:t>(</m:t>
+                      </m:r>
+                      <m:r>
+                        <a:rPr lang="en-US" sz="1600" i="1">
+                          <a:solidFill>
+                            <a:srgbClr val="000000"/>
+                          </a:solidFill>
+                          <a:latin typeface="Cambria Math" panose="02040503050406030204" pitchFamily="18" charset="0"/>
+                        </a:rPr>
+                        <m:t>𝑠</m:t>
+                      </m:r>
+                      <m:r>
+                        <a:rPr lang="en-US" sz="1600" i="1">
+                          <a:solidFill>
+                            <a:srgbClr val="000000"/>
+                          </a:solidFill>
+                          <a:latin typeface="Cambria Math" panose="02040503050406030204" pitchFamily="18" charset="0"/>
+                        </a:rPr>
+                        <m:t>, </m:t>
+                      </m:r>
+                      <m:r>
+                        <a:rPr lang="en-US" sz="1600" i="1">
+                          <a:solidFill>
+                            <a:srgbClr val="000000"/>
+                          </a:solidFill>
+                          <a:latin typeface="Cambria Math" panose="02040503050406030204" pitchFamily="18" charset="0"/>
+                        </a:rPr>
+                        <m:t>𝑎</m:t>
+                      </m:r>
+                      <m:r>
+                        <a:rPr lang="en-US" sz="1600" i="1">
+                          <a:solidFill>
+                            <a:srgbClr val="000000"/>
+                          </a:solidFill>
+                          <a:latin typeface="Cambria Math" panose="02040503050406030204" pitchFamily="18" charset="0"/>
+                        </a:rPr>
+                        <m:t>)</m:t>
+                      </m:r>
+                    </m:oMath>
+                  </m:oMathPara>
+                </a14:m>
+                <a:endParaRPr lang="ru-RU" sz="1600" dirty="0">
+                  <a:solidFill>
+                    <a:srgbClr val="000000"/>
+                  </a:solidFill>
+                  <a:latin typeface="Helvetica Neue" panose="02000503000000020004" pitchFamily="2" charset="0"/>
+                </a:endParaRPr>
+              </a:p>
+              <a:p>
+                <a:pPr marL="133350" indent="0">
+                  <a:buNone/>
+                </a:pPr>
+                <a:endParaRPr lang="ru-RU" sz="1600" dirty="0">
+                  <a:solidFill>
+                    <a:srgbClr val="000000"/>
+                  </a:solidFill>
+                  <a:latin typeface="Helvetica Neue" panose="02000503000000020004" pitchFamily="2" charset="0"/>
+                </a:endParaRPr>
+              </a:p>
+              <a:p>
+                <a:pPr marL="133350" indent="0">
+                  <a:buNone/>
+                </a:pPr>
+                <a:r>
+                  <a:rPr lang="ru-RU" sz="1600" dirty="0">
+                    <a:solidFill>
+                      <a:srgbClr val="000000"/>
+                    </a:solidFill>
+                    <a:latin typeface="Helvetica Neue" panose="02000503000000020004" pitchFamily="2" charset="0"/>
+                  </a:rPr>
+                  <a:t>Будем искать</a:t>
+                </a:r>
+                <a:r>
+                  <a:rPr lang="en-US" sz="1600" dirty="0">
+                    <a:solidFill>
+                      <a:srgbClr val="000000"/>
+                    </a:solidFill>
+                    <a:latin typeface="Helvetica Neue" panose="02000503000000020004" pitchFamily="2" charset="0"/>
+                  </a:rPr>
+                  <a:t> </a:t>
+                </a:r>
+                <a:r>
+                  <a:rPr lang="ru-RU" sz="1600" dirty="0">
+                    <a:solidFill>
+                      <a:srgbClr val="000000"/>
+                    </a:solidFill>
+                    <a:latin typeface="Helvetica Neue" panose="02000503000000020004" pitchFamily="2" charset="0"/>
+                  </a:rPr>
+                  <a:t>детерминированную политику </a:t>
+                </a:r>
+                <a14:m>
+                  <m:oMath xmlns:m="http://schemas.openxmlformats.org/officeDocument/2006/math">
+                    <m:sSup>
+                      <m:sSupPr>
+                        <m:ctrlPr>
+                          <a:rPr lang="en-US" sz="1600" b="0" i="1" smtClean="0">
+                            <a:solidFill>
+                              <a:srgbClr val="000000"/>
+                            </a:solidFill>
+                            <a:latin typeface="Cambria Math" panose="02040503050406030204" pitchFamily="18" charset="0"/>
+                          </a:rPr>
+                        </m:ctrlPr>
+                      </m:sSupPr>
+                      <m:e>
+                        <m:r>
+                          <a:rPr lang="en-US" sz="1600" b="0" i="1" smtClean="0">
+                            <a:solidFill>
+                              <a:srgbClr val="000000"/>
+                            </a:solidFill>
+                            <a:latin typeface="Cambria Math" panose="02040503050406030204" pitchFamily="18" charset="0"/>
+                          </a:rPr>
+                          <m:t>𝜋</m:t>
+                        </m:r>
+                      </m:e>
+                      <m:sup>
+                        <m:r>
+                          <a:rPr lang="en-US" sz="1600" b="0" i="1" smtClean="0">
+                            <a:solidFill>
+                              <a:srgbClr val="000000"/>
+                            </a:solidFill>
+                            <a:latin typeface="Cambria Math" panose="02040503050406030204" pitchFamily="18" charset="0"/>
+                          </a:rPr>
+                          <m:t>𝜂</m:t>
+                        </m:r>
+                      </m:sup>
+                    </m:sSup>
+                    <m:d>
+                      <m:dPr>
+                        <m:ctrlPr>
+                          <a:rPr lang="en-US" sz="1600" b="0" i="1" smtClean="0">
+                            <a:solidFill>
+                              <a:srgbClr val="000000"/>
+                            </a:solidFill>
+                            <a:latin typeface="Cambria Math" panose="02040503050406030204" pitchFamily="18" charset="0"/>
+                          </a:rPr>
+                        </m:ctrlPr>
+                      </m:dPr>
+                      <m:e>
+                        <m:r>
+                          <a:rPr lang="en-US" sz="1600" b="0" i="1" smtClean="0">
+                            <a:solidFill>
+                              <a:srgbClr val="000000"/>
+                            </a:solidFill>
+                            <a:latin typeface="Cambria Math" panose="02040503050406030204" pitchFamily="18" charset="0"/>
+                          </a:rPr>
+                          <m:t>𝑠</m:t>
+                        </m:r>
+                      </m:e>
+                    </m:d>
+                    <m:r>
+                      <a:rPr lang="en-US" sz="1600" b="0" i="1" smtClean="0">
+                        <a:solidFill>
+                          <a:srgbClr val="000000"/>
+                        </a:solidFill>
+                        <a:latin typeface="Cambria Math" panose="02040503050406030204" pitchFamily="18" charset="0"/>
+                        <a:ea typeface="Cambria Math" panose="02040503050406030204" pitchFamily="18" charset="0"/>
+                      </a:rPr>
+                      <m:t>≈</m:t>
+                    </m:r>
+                    <m:sSub>
+                      <m:sSubPr>
+                        <m:ctrlPr>
+                          <a:rPr lang="en-US" sz="1600" b="0" i="1" smtClean="0">
+                            <a:solidFill>
+                              <a:srgbClr val="000000"/>
+                            </a:solidFill>
+                            <a:latin typeface="Cambria Math" panose="02040503050406030204" pitchFamily="18" charset="0"/>
+                            <a:ea typeface="Cambria Math" panose="02040503050406030204" pitchFamily="18" charset="0"/>
+                          </a:rPr>
+                        </m:ctrlPr>
+                      </m:sSubPr>
+                      <m:e>
+                        <m:r>
+                          <a:rPr lang="en-US" sz="1600" b="0" i="1" smtClean="0">
+                            <a:solidFill>
+                              <a:srgbClr val="000000"/>
+                            </a:solidFill>
+                            <a:latin typeface="Cambria Math" panose="02040503050406030204" pitchFamily="18" charset="0"/>
+                            <a:ea typeface="Cambria Math" panose="02040503050406030204" pitchFamily="18" charset="0"/>
+                          </a:rPr>
+                          <m:t>𝜋</m:t>
+                        </m:r>
+                      </m:e>
+                      <m:sub>
+                        <m:r>
+                          <a:rPr lang="en-US" sz="1600" b="0" i="1" smtClean="0">
+                            <a:solidFill>
+                              <a:srgbClr val="000000"/>
+                            </a:solidFill>
+                            <a:latin typeface="Cambria Math" panose="02040503050406030204" pitchFamily="18" charset="0"/>
+                            <a:ea typeface="Cambria Math" panose="02040503050406030204" pitchFamily="18" charset="0"/>
+                          </a:rPr>
+                          <m:t>∗</m:t>
+                        </m:r>
+                      </m:sub>
+                    </m:sSub>
+                    <m:r>
+                      <a:rPr lang="en-US" sz="1600" b="0" i="1" smtClean="0">
+                        <a:solidFill>
+                          <a:srgbClr val="000000"/>
+                        </a:solidFill>
+                        <a:latin typeface="Cambria Math" panose="02040503050406030204" pitchFamily="18" charset="0"/>
+                        <a:ea typeface="Cambria Math" panose="02040503050406030204" pitchFamily="18" charset="0"/>
+                      </a:rPr>
+                      <m:t>(</m:t>
+                    </m:r>
+                    <m:r>
+                      <a:rPr lang="en-US" sz="1600" b="0" i="1" smtClean="0">
+                        <a:solidFill>
+                          <a:srgbClr val="000000"/>
+                        </a:solidFill>
+                        <a:latin typeface="Cambria Math" panose="02040503050406030204" pitchFamily="18" charset="0"/>
+                        <a:ea typeface="Cambria Math" panose="02040503050406030204" pitchFamily="18" charset="0"/>
+                      </a:rPr>
+                      <m:t>𝑠</m:t>
+                    </m:r>
+                    <m:r>
+                      <a:rPr lang="en-US" sz="1600" b="0" i="1" smtClean="0">
+                        <a:solidFill>
+                          <a:srgbClr val="000000"/>
+                        </a:solidFill>
+                        <a:latin typeface="Cambria Math" panose="02040503050406030204" pitchFamily="18" charset="0"/>
+                        <a:ea typeface="Cambria Math" panose="02040503050406030204" pitchFamily="18" charset="0"/>
+                      </a:rPr>
+                      <m:t>)</m:t>
+                    </m:r>
+                  </m:oMath>
+                </a14:m>
+                <a:r>
+                  <a:rPr lang="en-US" sz="1600" dirty="0">
+                    <a:solidFill>
+                      <a:srgbClr val="000000"/>
+                    </a:solidFill>
+                    <a:latin typeface="Helvetica Neue" panose="02000503000000020004" pitchFamily="2" charset="0"/>
+                  </a:rPr>
+                  <a:t>:</a:t>
+                </a:r>
+                <a:endParaRPr lang="ru-RU" sz="1600" dirty="0">
+                  <a:solidFill>
+                    <a:srgbClr val="000000"/>
+                  </a:solidFill>
+                  <a:latin typeface="Helvetica Neue" panose="02000503000000020004" pitchFamily="2" charset="0"/>
+                </a:endParaRPr>
+              </a:p>
+              <a:p>
+                <a:pPr marL="133350" indent="0">
+                  <a:buNone/>
+                </a:pPr>
+                <a:endParaRPr lang="en-US" sz="1600" dirty="0">
+                  <a:solidFill>
+                    <a:srgbClr val="000000"/>
+                  </a:solidFill>
+                  <a:latin typeface="Helvetica Neue" panose="02000503000000020004" pitchFamily="2" charset="0"/>
+                </a:endParaRPr>
+              </a:p>
+              <a:p>
+                <a:pPr marL="133350" indent="0">
+                  <a:buNone/>
+                </a:pPr>
+                <a14:m>
+                  <m:oMathPara xmlns:m="http://schemas.openxmlformats.org/officeDocument/2006/math">
+                    <m:oMathParaPr>
+                      <m:jc m:val="centerGroup"/>
+                    </m:oMathParaPr>
+                    <m:oMath xmlns:m="http://schemas.openxmlformats.org/officeDocument/2006/math">
+                      <m:sSub>
+                        <m:sSubPr>
+                          <m:ctrlPr>
+                            <a:rPr lang="en-US" sz="1600" b="0" i="1" smtClean="0">
+                              <a:solidFill>
+                                <a:srgbClr val="000000"/>
+                              </a:solidFill>
+                              <a:latin typeface="Cambria Math" panose="02040503050406030204" pitchFamily="18" charset="0"/>
+                            </a:rPr>
+                          </m:ctrlPr>
+                        </m:sSubPr>
+                        <m:e>
+                          <m:r>
+                            <m:rPr>
+                              <m:sty m:val="p"/>
+                            </m:rPr>
+                            <a:rPr lang="en-US" sz="1600" b="0" i="0" smtClean="0">
+                              <a:solidFill>
+                                <a:srgbClr val="000000"/>
+                              </a:solidFill>
+                              <a:latin typeface="Cambria Math" panose="02040503050406030204" pitchFamily="18" charset="0"/>
+                            </a:rPr>
+                            <m:t>∇</m:t>
+                          </m:r>
+                        </m:e>
+                        <m:sub>
+                          <m:r>
+                            <a:rPr lang="en-US" sz="1600" b="0" i="1" smtClean="0">
+                              <a:solidFill>
+                                <a:srgbClr val="000000"/>
+                              </a:solidFill>
+                              <a:latin typeface="Cambria Math" panose="02040503050406030204" pitchFamily="18" charset="0"/>
+                            </a:rPr>
+                            <m:t>𝜂</m:t>
+                          </m:r>
+                        </m:sub>
+                      </m:sSub>
+                      <m:r>
+                        <a:rPr lang="en-US" sz="1600" b="0" i="1" smtClean="0">
+                          <a:solidFill>
+                            <a:srgbClr val="000000"/>
+                          </a:solidFill>
+                          <a:latin typeface="Cambria Math" panose="02040503050406030204" pitchFamily="18" charset="0"/>
+                        </a:rPr>
+                        <m:t>𝐽</m:t>
+                      </m:r>
+                      <m:d>
+                        <m:dPr>
+                          <m:ctrlPr>
+                            <a:rPr lang="en-US" sz="1600" b="0" i="1" smtClean="0">
+                              <a:solidFill>
+                                <a:srgbClr val="000000"/>
+                              </a:solidFill>
+                              <a:latin typeface="Cambria Math" panose="02040503050406030204" pitchFamily="18" charset="0"/>
+                            </a:rPr>
+                          </m:ctrlPr>
+                        </m:dPr>
+                        <m:e>
+                          <m:r>
+                            <a:rPr lang="en-US" sz="1600" b="0" i="1" smtClean="0">
+                              <a:solidFill>
+                                <a:srgbClr val="000000"/>
+                              </a:solidFill>
+                              <a:latin typeface="Cambria Math" panose="02040503050406030204" pitchFamily="18" charset="0"/>
+                            </a:rPr>
+                            <m:t>𝜂</m:t>
+                          </m:r>
+                        </m:e>
+                      </m:d>
+                      <m:r>
+                        <a:rPr lang="en-US" sz="1600" b="0" i="1" smtClean="0">
+                          <a:solidFill>
+                            <a:srgbClr val="000000"/>
+                          </a:solidFill>
+                          <a:latin typeface="Cambria Math" panose="02040503050406030204" pitchFamily="18" charset="0"/>
+                        </a:rPr>
+                        <m:t>=</m:t>
+                      </m:r>
+                      <m:sSub>
+                        <m:sSubPr>
+                          <m:ctrlPr>
+                            <a:rPr lang="en-US" sz="1600" b="0" i="1" smtClean="0">
+                              <a:solidFill>
+                                <a:srgbClr val="000000"/>
+                              </a:solidFill>
+                              <a:latin typeface="Cambria Math" panose="02040503050406030204" pitchFamily="18" charset="0"/>
+                            </a:rPr>
+                          </m:ctrlPr>
+                        </m:sSubPr>
+                        <m:e>
+                          <m:r>
+                            <a:rPr lang="en-US" sz="1600" b="0" i="1" smtClean="0">
+                              <a:solidFill>
+                                <a:srgbClr val="000000"/>
+                              </a:solidFill>
+                              <a:latin typeface="Cambria Math" panose="02040503050406030204" pitchFamily="18" charset="0"/>
+                            </a:rPr>
+                            <m:t>𝔼</m:t>
+                          </m:r>
+                        </m:e>
+                        <m:sub>
+                          <m:r>
+                            <a:rPr lang="en-US" sz="1600" i="1">
+                              <a:solidFill>
+                                <a:srgbClr val="000000"/>
+                              </a:solidFill>
+                              <a:latin typeface="Cambria Math" panose="02040503050406030204" pitchFamily="18" charset="0"/>
+                            </a:rPr>
+                            <m:t>𝑠</m:t>
+                          </m:r>
+                          <m:r>
+                            <a:rPr lang="en-US" sz="1600" i="1">
+                              <a:solidFill>
+                                <a:srgbClr val="000000"/>
+                              </a:solidFill>
+                              <a:latin typeface="Cambria Math" panose="02040503050406030204" pitchFamily="18" charset="0"/>
+                              <a:ea typeface="Cambria Math" panose="02040503050406030204" pitchFamily="18" charset="0"/>
+                            </a:rPr>
+                            <m:t>~</m:t>
+                          </m:r>
+                          <m:sSub>
+                            <m:sSubPr>
+                              <m:ctrlPr>
+                                <a:rPr lang="en-US" sz="1600" i="1">
+                                  <a:solidFill>
+                                    <a:srgbClr val="000000"/>
+                                  </a:solidFill>
+                                  <a:latin typeface="Cambria Math" panose="02040503050406030204" pitchFamily="18" charset="0"/>
+                                  <a:ea typeface="Cambria Math" panose="02040503050406030204" pitchFamily="18" charset="0"/>
+                                </a:rPr>
+                              </m:ctrlPr>
+                            </m:sSubPr>
+                            <m:e>
+                              <m:r>
+                                <a:rPr lang="en-US" sz="1600" i="1">
+                                  <a:solidFill>
+                                    <a:srgbClr val="000000"/>
+                                  </a:solidFill>
+                                  <a:latin typeface="Cambria Math" panose="02040503050406030204" pitchFamily="18" charset="0"/>
+                                  <a:ea typeface="Cambria Math" panose="02040503050406030204" pitchFamily="18" charset="0"/>
+                                </a:rPr>
+                                <m:t>𝜌</m:t>
+                              </m:r>
+                            </m:e>
+                            <m:sub>
+                              <m:sSup>
+                                <m:sSupPr>
+                                  <m:ctrlPr>
+                                    <a:rPr lang="en-US" sz="1600" i="1">
+                                      <a:solidFill>
+                                        <a:srgbClr val="000000"/>
+                                      </a:solidFill>
+                                      <a:latin typeface="Cambria Math" panose="02040503050406030204" pitchFamily="18" charset="0"/>
+                                      <a:ea typeface="Cambria Math" panose="02040503050406030204" pitchFamily="18" charset="0"/>
+                                    </a:rPr>
+                                  </m:ctrlPr>
+                                </m:sSupPr>
+                                <m:e>
+                                  <m:r>
+                                    <a:rPr lang="en-US" sz="1600" i="1">
+                                      <a:solidFill>
+                                        <a:srgbClr val="000000"/>
+                                      </a:solidFill>
+                                      <a:latin typeface="Cambria Math" panose="02040503050406030204" pitchFamily="18" charset="0"/>
+                                      <a:ea typeface="Cambria Math" panose="02040503050406030204" pitchFamily="18" charset="0"/>
+                                    </a:rPr>
+                                    <m:t>𝜋</m:t>
+                                  </m:r>
+                                </m:e>
+                                <m:sup>
+                                  <m:r>
+                                    <a:rPr lang="en-US" sz="1600" i="1">
+                                      <a:solidFill>
+                                        <a:srgbClr val="000000"/>
+                                      </a:solidFill>
+                                      <a:latin typeface="Cambria Math" panose="02040503050406030204" pitchFamily="18" charset="0"/>
+                                      <a:ea typeface="Cambria Math" panose="02040503050406030204" pitchFamily="18" charset="0"/>
+                                    </a:rPr>
+                                    <m:t>𝜂</m:t>
+                                  </m:r>
+                                </m:sup>
+                              </m:sSup>
+                            </m:sub>
+                          </m:sSub>
+                        </m:sub>
+                      </m:sSub>
+                      <m:d>
+                        <m:dPr>
+                          <m:begChr m:val="["/>
+                          <m:endChr m:val="]"/>
+                          <m:ctrlPr>
+                            <a:rPr lang="en-US" sz="1600" b="0" i="1" smtClean="0">
+                              <a:solidFill>
+                                <a:srgbClr val="000000"/>
+                              </a:solidFill>
+                              <a:latin typeface="Cambria Math" panose="02040503050406030204" pitchFamily="18" charset="0"/>
+                            </a:rPr>
+                          </m:ctrlPr>
+                        </m:dPr>
+                        <m:e>
+                          <m:sSub>
+                            <m:sSubPr>
+                              <m:ctrlPr>
+                                <a:rPr lang="en-US" sz="1600" b="0" i="1" smtClean="0">
+                                  <a:solidFill>
+                                    <a:srgbClr val="000000"/>
+                                  </a:solidFill>
+                                  <a:latin typeface="Cambria Math" panose="02040503050406030204" pitchFamily="18" charset="0"/>
+                                </a:rPr>
+                              </m:ctrlPr>
+                            </m:sSubPr>
+                            <m:e>
+                              <m:r>
+                                <m:rPr>
+                                  <m:sty m:val="p"/>
+                                </m:rPr>
+                                <a:rPr lang="en-US" sz="1600" b="0" i="0" smtClean="0">
+                                  <a:solidFill>
+                                    <a:srgbClr val="000000"/>
+                                  </a:solidFill>
+                                  <a:latin typeface="Cambria Math" panose="02040503050406030204" pitchFamily="18" charset="0"/>
+                                </a:rPr>
+                                <m:t>∇</m:t>
+                              </m:r>
+                            </m:e>
+                            <m:sub>
+                              <m:r>
+                                <a:rPr lang="en-US" sz="1600" b="0" i="1" smtClean="0">
+                                  <a:solidFill>
+                                    <a:srgbClr val="000000"/>
+                                  </a:solidFill>
+                                  <a:latin typeface="Cambria Math" panose="02040503050406030204" pitchFamily="18" charset="0"/>
+                                </a:rPr>
+                                <m:t>𝜂</m:t>
+                              </m:r>
+                            </m:sub>
+                          </m:sSub>
+                          <m:sSub>
+                            <m:sSubPr>
+                              <m:ctrlPr>
+                                <a:rPr lang="en-US" sz="1600" b="0" i="1" smtClean="0">
+                                  <a:solidFill>
+                                    <a:srgbClr val="000000"/>
+                                  </a:solidFill>
+                                  <a:latin typeface="Cambria Math" panose="02040503050406030204" pitchFamily="18" charset="0"/>
+                                </a:rPr>
+                              </m:ctrlPr>
+                            </m:sSubPr>
+                            <m:e>
+                              <m:r>
+                                <a:rPr lang="en-US" sz="1600" b="0" i="1" smtClean="0">
+                                  <a:solidFill>
+                                    <a:srgbClr val="000000"/>
+                                  </a:solidFill>
+                                  <a:latin typeface="Cambria Math" panose="02040503050406030204" pitchFamily="18" charset="0"/>
+                                </a:rPr>
+                                <m:t>𝑞</m:t>
+                              </m:r>
+                            </m:e>
+                            <m:sub>
+                              <m:r>
+                                <a:rPr lang="en-US" sz="1600" b="0" i="1" smtClean="0">
+                                  <a:solidFill>
+                                    <a:srgbClr val="000000"/>
+                                  </a:solidFill>
+                                  <a:latin typeface="Cambria Math" panose="02040503050406030204" pitchFamily="18" charset="0"/>
+                                </a:rPr>
+                                <m:t>𝜋</m:t>
+                              </m:r>
+                            </m:sub>
+                          </m:sSub>
+                          <m:r>
+                            <a:rPr lang="en-US" sz="1600" b="0" i="1" smtClean="0">
+                              <a:solidFill>
+                                <a:srgbClr val="000000"/>
+                              </a:solidFill>
+                              <a:latin typeface="Cambria Math" panose="02040503050406030204" pitchFamily="18" charset="0"/>
+                            </a:rPr>
+                            <m:t>(</m:t>
+                          </m:r>
+                          <m:r>
+                            <a:rPr lang="en-US" sz="1600" b="0" i="1" smtClean="0">
+                              <a:solidFill>
+                                <a:srgbClr val="000000"/>
+                              </a:solidFill>
+                              <a:latin typeface="Cambria Math" panose="02040503050406030204" pitchFamily="18" charset="0"/>
+                            </a:rPr>
+                            <m:t>𝑠</m:t>
+                          </m:r>
+                          <m:r>
+                            <a:rPr lang="en-US" sz="1600" b="0" i="1" smtClean="0">
+                              <a:solidFill>
+                                <a:srgbClr val="000000"/>
+                              </a:solidFill>
+                              <a:latin typeface="Cambria Math" panose="02040503050406030204" pitchFamily="18" charset="0"/>
+                            </a:rPr>
+                            <m:t>, </m:t>
+                          </m:r>
+                          <m:sSup>
+                            <m:sSupPr>
+                              <m:ctrlPr>
+                                <a:rPr lang="en-US" sz="1600" b="0" i="1" smtClean="0">
+                                  <a:solidFill>
+                                    <a:srgbClr val="000000"/>
+                                  </a:solidFill>
+                                  <a:latin typeface="Cambria Math" panose="02040503050406030204" pitchFamily="18" charset="0"/>
+                                </a:rPr>
+                              </m:ctrlPr>
+                            </m:sSupPr>
+                            <m:e>
+                              <m:r>
+                                <a:rPr lang="en-US" sz="1600" b="0" i="1" smtClean="0">
+                                  <a:solidFill>
+                                    <a:srgbClr val="000000"/>
+                                  </a:solidFill>
+                                  <a:latin typeface="Cambria Math" panose="02040503050406030204" pitchFamily="18" charset="0"/>
+                                </a:rPr>
+                                <m:t>𝜋</m:t>
+                              </m:r>
+                            </m:e>
+                            <m:sup>
+                              <m:r>
+                                <a:rPr lang="en-US" sz="1600" b="0" i="1" smtClean="0">
+                                  <a:solidFill>
+                                    <a:srgbClr val="000000"/>
+                                  </a:solidFill>
+                                  <a:latin typeface="Cambria Math" panose="02040503050406030204" pitchFamily="18" charset="0"/>
+                                </a:rPr>
+                                <m:t>𝜂</m:t>
+                              </m:r>
+                            </m:sup>
+                          </m:sSup>
+                          <m:r>
+                            <a:rPr lang="en-US" sz="1600" b="0" i="1" smtClean="0">
+                              <a:solidFill>
+                                <a:srgbClr val="000000"/>
+                              </a:solidFill>
+                              <a:latin typeface="Cambria Math" panose="02040503050406030204" pitchFamily="18" charset="0"/>
+                            </a:rPr>
+                            <m:t>(</m:t>
+                          </m:r>
+                          <m:r>
+                            <a:rPr lang="en-US" sz="1600" b="0" i="1" smtClean="0">
+                              <a:solidFill>
+                                <a:srgbClr val="000000"/>
+                              </a:solidFill>
+                              <a:latin typeface="Cambria Math" panose="02040503050406030204" pitchFamily="18" charset="0"/>
+                            </a:rPr>
+                            <m:t>𝑠</m:t>
+                          </m:r>
+                          <m:r>
+                            <a:rPr lang="en-US" sz="1600" b="0" i="1" smtClean="0">
+                              <a:solidFill>
+                                <a:srgbClr val="000000"/>
+                              </a:solidFill>
+                              <a:latin typeface="Cambria Math" panose="02040503050406030204" pitchFamily="18" charset="0"/>
+                            </a:rPr>
+                            <m:t>) </m:t>
+                          </m:r>
+                        </m:e>
+                      </m:d>
+                      <m:r>
+                        <a:rPr lang="en-US" sz="1600" b="0" i="1" smtClean="0">
+                          <a:solidFill>
+                            <a:srgbClr val="000000"/>
+                          </a:solidFill>
+                          <a:latin typeface="Cambria Math" panose="02040503050406030204" pitchFamily="18" charset="0"/>
+                        </a:rPr>
+                        <m:t> </m:t>
+                      </m:r>
+                      <m:r>
+                        <a:rPr lang="en-US" sz="1600" b="0" i="1" smtClean="0">
+                          <a:solidFill>
+                            <a:srgbClr val="000000"/>
+                          </a:solidFill>
+                          <a:latin typeface="Cambria Math" panose="02040503050406030204" pitchFamily="18" charset="0"/>
+                          <a:ea typeface="Cambria Math" panose="02040503050406030204" pitchFamily="18" charset="0"/>
+                        </a:rPr>
+                        <m:t>≈</m:t>
+                      </m:r>
+                      <m:sSub>
+                        <m:sSubPr>
+                          <m:ctrlPr>
+                            <a:rPr lang="en-US" sz="1600" i="1">
+                              <a:solidFill>
+                                <a:srgbClr val="000000"/>
+                              </a:solidFill>
+                              <a:latin typeface="Cambria Math" panose="02040503050406030204" pitchFamily="18" charset="0"/>
+                            </a:rPr>
+                          </m:ctrlPr>
+                        </m:sSubPr>
+                        <m:e>
+                          <m:r>
+                            <m:rPr>
+                              <m:sty m:val="p"/>
+                            </m:rPr>
+                            <a:rPr lang="en-US" sz="1600">
+                              <a:solidFill>
+                                <a:srgbClr val="000000"/>
+                              </a:solidFill>
+                              <a:latin typeface="Cambria Math" panose="02040503050406030204" pitchFamily="18" charset="0"/>
+                            </a:rPr>
+                            <m:t>∇</m:t>
+                          </m:r>
+                        </m:e>
+                        <m:sub>
+                          <m:r>
+                            <a:rPr lang="en-US" sz="1600" i="1">
+                              <a:solidFill>
+                                <a:srgbClr val="000000"/>
+                              </a:solidFill>
+                              <a:latin typeface="Cambria Math" panose="02040503050406030204" pitchFamily="18" charset="0"/>
+                            </a:rPr>
+                            <m:t>𝜂</m:t>
+                          </m:r>
+                        </m:sub>
+                      </m:sSub>
+                      <m:d>
+                        <m:dPr>
+                          <m:ctrlPr>
+                            <a:rPr lang="en-US" sz="1600" i="1" smtClean="0">
+                              <a:solidFill>
+                                <a:srgbClr val="000000"/>
+                              </a:solidFill>
+                              <a:latin typeface="Cambria Math" panose="02040503050406030204" pitchFamily="18" charset="0"/>
+                            </a:rPr>
+                          </m:ctrlPr>
+                        </m:dPr>
+                        <m:e>
+                          <m:f>
+                            <m:fPr>
+                              <m:ctrlPr>
+                                <a:rPr lang="en-US" sz="1600" i="1" smtClean="0">
+                                  <a:solidFill>
+                                    <a:srgbClr val="000000"/>
+                                  </a:solidFill>
+                                  <a:latin typeface="Cambria Math" panose="02040503050406030204" pitchFamily="18" charset="0"/>
+                                </a:rPr>
+                              </m:ctrlPr>
+                            </m:fPr>
+                            <m:num>
+                              <m:r>
+                                <a:rPr lang="en-US" sz="1600" b="0" i="1" smtClean="0">
+                                  <a:solidFill>
+                                    <a:srgbClr val="000000"/>
+                                  </a:solidFill>
+                                  <a:latin typeface="Cambria Math" panose="02040503050406030204" pitchFamily="18" charset="0"/>
+                                </a:rPr>
+                                <m:t>1</m:t>
+                              </m:r>
+                            </m:num>
+                            <m:den>
+                              <m:r>
+                                <a:rPr lang="en-US" sz="1600" b="0" i="1" smtClean="0">
+                                  <a:solidFill>
+                                    <a:srgbClr val="000000"/>
+                                  </a:solidFill>
+                                  <a:latin typeface="Cambria Math" panose="02040503050406030204" pitchFamily="18" charset="0"/>
+                                </a:rPr>
+                                <m:t>𝑁</m:t>
+                              </m:r>
+                            </m:den>
+                          </m:f>
+                          <m:nary>
+                            <m:naryPr>
+                              <m:chr m:val="∑"/>
+                              <m:ctrlPr>
+                                <a:rPr lang="en-US" sz="1600" i="1" smtClean="0">
+                                  <a:solidFill>
+                                    <a:srgbClr val="000000"/>
+                                  </a:solidFill>
+                                  <a:latin typeface="Cambria Math" panose="02040503050406030204" pitchFamily="18" charset="0"/>
+                                </a:rPr>
+                              </m:ctrlPr>
+                            </m:naryPr>
+                            <m:sub>
+                              <m:r>
+                                <m:rPr>
+                                  <m:brk m:alnAt="23"/>
+                                </m:rPr>
+                                <a:rPr lang="en-US" sz="1600" b="0" i="1" smtClean="0">
+                                  <a:solidFill>
+                                    <a:srgbClr val="000000"/>
+                                  </a:solidFill>
+                                  <a:latin typeface="Cambria Math" panose="02040503050406030204" pitchFamily="18" charset="0"/>
+                                </a:rPr>
+                                <m:t>𝑖</m:t>
+                              </m:r>
+                              <m:r>
+                                <a:rPr lang="en-US" sz="1600" b="0" i="1" smtClean="0">
+                                  <a:solidFill>
+                                    <a:srgbClr val="000000"/>
+                                  </a:solidFill>
+                                  <a:latin typeface="Cambria Math" panose="02040503050406030204" pitchFamily="18" charset="0"/>
+                                </a:rPr>
+                                <m:t>=1</m:t>
+                              </m:r>
+                            </m:sub>
+                            <m:sup>
+                              <m:r>
+                                <a:rPr lang="en-US" sz="1600" b="0" i="1" smtClean="0">
+                                  <a:solidFill>
+                                    <a:srgbClr val="000000"/>
+                                  </a:solidFill>
+                                  <a:latin typeface="Cambria Math" panose="02040503050406030204" pitchFamily="18" charset="0"/>
+                                </a:rPr>
+                                <m:t>𝑁</m:t>
+                              </m:r>
+                            </m:sup>
+                            <m:e>
+                              <m:sSup>
+                                <m:sSupPr>
+                                  <m:ctrlPr>
+                                    <a:rPr lang="en-US" sz="1600" b="0" i="1" smtClean="0">
+                                      <a:solidFill>
+                                        <a:srgbClr val="000000"/>
+                                      </a:solidFill>
+                                      <a:latin typeface="Cambria Math" panose="02040503050406030204" pitchFamily="18" charset="0"/>
+                                    </a:rPr>
+                                  </m:ctrlPr>
+                                </m:sSupPr>
+                                <m:e>
+                                  <m:r>
+                                    <a:rPr lang="en-US" sz="1600" i="1">
+                                      <a:solidFill>
+                                        <a:srgbClr val="000000"/>
+                                      </a:solidFill>
+                                      <a:latin typeface="Cambria Math" panose="02040503050406030204" pitchFamily="18" charset="0"/>
+                                    </a:rPr>
+                                    <m:t>𝑄</m:t>
+                                  </m:r>
+                                </m:e>
+                                <m:sup>
+                                  <m:r>
+                                    <a:rPr lang="en-US" sz="1600" b="0" i="1" smtClean="0">
+                                      <a:solidFill>
+                                        <a:srgbClr val="000000"/>
+                                      </a:solidFill>
+                                      <a:latin typeface="Cambria Math" panose="02040503050406030204" pitchFamily="18" charset="0"/>
+                                    </a:rPr>
+                                    <m:t>𝜃</m:t>
+                                  </m:r>
+                                </m:sup>
+                              </m:sSup>
+                              <m:r>
+                                <a:rPr lang="en-US" sz="1600" i="1">
+                                  <a:solidFill>
+                                    <a:srgbClr val="000000"/>
+                                  </a:solidFill>
+                                  <a:latin typeface="Cambria Math" panose="02040503050406030204" pitchFamily="18" charset="0"/>
+                                </a:rPr>
+                                <m:t>(</m:t>
+                              </m:r>
+                              <m:sSub>
+                                <m:sSubPr>
+                                  <m:ctrlPr>
+                                    <a:rPr lang="en-US" sz="1600" b="0" i="1" smtClean="0">
+                                      <a:solidFill>
+                                        <a:srgbClr val="000000"/>
+                                      </a:solidFill>
+                                      <a:latin typeface="Cambria Math" panose="02040503050406030204" pitchFamily="18" charset="0"/>
+                                    </a:rPr>
+                                  </m:ctrlPr>
+                                </m:sSubPr>
+                                <m:e>
+                                  <m:r>
+                                    <a:rPr lang="en-US" sz="1600" i="1">
+                                      <a:solidFill>
+                                        <a:srgbClr val="000000"/>
+                                      </a:solidFill>
+                                      <a:latin typeface="Cambria Math" panose="02040503050406030204" pitchFamily="18" charset="0"/>
+                                    </a:rPr>
+                                    <m:t>𝑠</m:t>
+                                  </m:r>
+                                </m:e>
+                                <m:sub>
+                                  <m:r>
+                                    <a:rPr lang="en-US" sz="1600" b="0" i="1" smtClean="0">
+                                      <a:solidFill>
+                                        <a:srgbClr val="000000"/>
+                                      </a:solidFill>
+                                      <a:latin typeface="Cambria Math" panose="02040503050406030204" pitchFamily="18" charset="0"/>
+                                    </a:rPr>
+                                    <m:t>𝑖</m:t>
+                                  </m:r>
+                                </m:sub>
+                              </m:sSub>
+                              <m:r>
+                                <a:rPr lang="en-US" sz="1600" b="0" i="1" smtClean="0">
+                                  <a:solidFill>
+                                    <a:srgbClr val="000000"/>
+                                  </a:solidFill>
+                                  <a:latin typeface="Cambria Math" panose="02040503050406030204" pitchFamily="18" charset="0"/>
+                                </a:rPr>
+                                <m:t>,</m:t>
+                              </m:r>
+                              <m:r>
+                                <a:rPr lang="en-US" sz="1600" i="1">
+                                  <a:solidFill>
+                                    <a:srgbClr val="000000"/>
+                                  </a:solidFill>
+                                  <a:latin typeface="Cambria Math" panose="02040503050406030204" pitchFamily="18" charset="0"/>
+                                </a:rPr>
+                                <m:t> </m:t>
+                              </m:r>
+                              <m:sSup>
+                                <m:sSupPr>
+                                  <m:ctrlPr>
+                                    <a:rPr lang="en-US" sz="1600" b="0" i="1" smtClean="0">
+                                      <a:solidFill>
+                                        <a:srgbClr val="000000"/>
+                                      </a:solidFill>
+                                      <a:latin typeface="Cambria Math" panose="02040503050406030204" pitchFamily="18" charset="0"/>
+                                    </a:rPr>
+                                  </m:ctrlPr>
+                                </m:sSupPr>
+                                <m:e>
+                                  <m:r>
+                                    <a:rPr lang="en-US" sz="1600" b="0" i="1" smtClean="0">
+                                      <a:solidFill>
+                                        <a:srgbClr val="000000"/>
+                                      </a:solidFill>
+                                      <a:latin typeface="Cambria Math" panose="02040503050406030204" pitchFamily="18" charset="0"/>
+                                    </a:rPr>
+                                    <m:t>𝜋</m:t>
+                                  </m:r>
+                                </m:e>
+                                <m:sup>
+                                  <m:r>
+                                    <a:rPr lang="en-US" sz="1600" b="0" i="1" smtClean="0">
+                                      <a:solidFill>
+                                        <a:srgbClr val="000000"/>
+                                      </a:solidFill>
+                                      <a:latin typeface="Cambria Math" panose="02040503050406030204" pitchFamily="18" charset="0"/>
+                                    </a:rPr>
+                                    <m:t>𝜂</m:t>
+                                  </m:r>
+                                </m:sup>
+                              </m:sSup>
+                              <m:r>
+                                <a:rPr lang="en-US" sz="1600" b="0" i="1" smtClean="0">
+                                  <a:solidFill>
+                                    <a:srgbClr val="000000"/>
+                                  </a:solidFill>
+                                  <a:latin typeface="Cambria Math" panose="02040503050406030204" pitchFamily="18" charset="0"/>
+                                </a:rPr>
+                                <m:t>(</m:t>
+                              </m:r>
+                              <m:sSub>
+                                <m:sSubPr>
+                                  <m:ctrlPr>
+                                    <a:rPr lang="en-US" sz="1600" b="0" i="1" smtClean="0">
+                                      <a:solidFill>
+                                        <a:srgbClr val="000000"/>
+                                      </a:solidFill>
+                                      <a:latin typeface="Cambria Math" panose="02040503050406030204" pitchFamily="18" charset="0"/>
+                                    </a:rPr>
+                                  </m:ctrlPr>
+                                </m:sSubPr>
+                                <m:e>
+                                  <m:r>
+                                    <a:rPr lang="en-US" sz="1600" b="0" i="1" smtClean="0">
+                                      <a:solidFill>
+                                        <a:srgbClr val="000000"/>
+                                      </a:solidFill>
+                                      <a:latin typeface="Cambria Math" panose="02040503050406030204" pitchFamily="18" charset="0"/>
+                                    </a:rPr>
+                                    <m:t>𝑠</m:t>
+                                  </m:r>
+                                </m:e>
+                                <m:sub>
+                                  <m:r>
+                                    <a:rPr lang="en-US" sz="1600" b="0" i="1" smtClean="0">
+                                      <a:solidFill>
+                                        <a:srgbClr val="000000"/>
+                                      </a:solidFill>
+                                      <a:latin typeface="Cambria Math" panose="02040503050406030204" pitchFamily="18" charset="0"/>
+                                    </a:rPr>
+                                    <m:t>𝑖</m:t>
+                                  </m:r>
+                                </m:sub>
+                              </m:sSub>
+                              <m:r>
+                                <a:rPr lang="en-US" sz="1600" i="1">
+                                  <a:solidFill>
+                                    <a:srgbClr val="000000"/>
+                                  </a:solidFill>
+                                  <a:latin typeface="Cambria Math" panose="02040503050406030204" pitchFamily="18" charset="0"/>
+                                </a:rPr>
+                                <m:t>)</m:t>
+                              </m:r>
+                            </m:e>
+                          </m:nary>
+                        </m:e>
+                      </m:d>
+                    </m:oMath>
+                  </m:oMathPara>
+                </a14:m>
+                <a:endParaRPr lang="ru-RU" sz="1600" dirty="0">
+                  <a:solidFill>
+                    <a:srgbClr val="000000"/>
+                  </a:solidFill>
+                  <a:latin typeface="Helvetica Neue" panose="02000503000000020004" pitchFamily="2" charset="0"/>
+                </a:endParaRPr>
+              </a:p>
+              <a:p>
+                <a:pPr marL="133350" indent="0">
+                  <a:buNone/>
+                </a:pPr>
+                <a:r>
+                  <a:rPr lang="ru-RU" sz="1600" dirty="0">
+                    <a:solidFill>
+                      <a:srgbClr val="000000"/>
+                    </a:solidFill>
+                    <a:latin typeface="Helvetica Neue" panose="02000503000000020004" pitchFamily="2" charset="0"/>
+                  </a:rPr>
+                  <a:t>где </a:t>
+                </a:r>
+                <a:r>
+                  <a:rPr lang="en-US" sz="1600" i="1" dirty="0">
+                    <a:solidFill>
+                      <a:srgbClr val="000000"/>
+                    </a:solidFill>
+                    <a:latin typeface="Cambria Math" panose="02040503050406030204" pitchFamily="18" charset="0"/>
+                    <a:ea typeface="Cambria Math" panose="02040503050406030204" pitchFamily="18" charset="0"/>
+                  </a:rPr>
+                  <a:t>N</a:t>
+                </a:r>
+                <a:r>
+                  <a:rPr lang="ru-RU" sz="1600" dirty="0">
+                    <a:solidFill>
+                      <a:srgbClr val="000000"/>
+                    </a:solidFill>
+                    <a:latin typeface="Helvetica Neue" panose="02000503000000020004" pitchFamily="2" charset="0"/>
+                  </a:rPr>
+                  <a:t> – размер </a:t>
+                </a:r>
+                <a:r>
+                  <a:rPr lang="ru-RU" sz="1600" dirty="0" err="1">
+                    <a:solidFill>
+                      <a:srgbClr val="000000"/>
+                    </a:solidFill>
+                    <a:latin typeface="Helvetica Neue" panose="02000503000000020004" pitchFamily="2" charset="0"/>
+                  </a:rPr>
+                  <a:t>батча</a:t>
+                </a:r>
+                <a:r>
+                  <a:rPr lang="ru-RU" sz="1600" dirty="0">
+                    <a:solidFill>
+                      <a:srgbClr val="000000"/>
+                    </a:solidFill>
+                    <a:latin typeface="Helvetica Neue" panose="02000503000000020004" pitchFamily="2" charset="0"/>
+                  </a:rPr>
+                  <a:t>. </a:t>
+                </a:r>
+              </a:p>
+              <a:p>
+                <a:pPr marL="133350" indent="0">
+                  <a:buNone/>
+                </a:pPr>
+                <a:r>
+                  <a:rPr lang="ru-RU" sz="1600" dirty="0">
+                    <a:solidFill>
+                      <a:srgbClr val="000000"/>
+                    </a:solidFill>
+                    <a:latin typeface="Helvetica Neue" panose="02000503000000020004" pitchFamily="2" charset="0"/>
+                  </a:rPr>
+                  <a:t>Для аппроксимации функции </a:t>
+                </a:r>
+                <a:r>
+                  <a:rPr lang="en-US" sz="1600" i="1" dirty="0">
+                    <a:solidFill>
+                      <a:srgbClr val="000000"/>
+                    </a:solidFill>
+                    <a:latin typeface="Cambria Math" panose="02040503050406030204" pitchFamily="18" charset="0"/>
+                    <a:ea typeface="Cambria Math" panose="02040503050406030204" pitchFamily="18" charset="0"/>
+                    <a:cs typeface="Times New Roman" panose="02020603050405020304" pitchFamily="18" charset="0"/>
+                  </a:rPr>
+                  <a:t>Q</a:t>
+                </a:r>
+                <a:r>
+                  <a:rPr lang="en-US" sz="1600" dirty="0">
+                    <a:solidFill>
+                      <a:srgbClr val="000000"/>
+                    </a:solidFill>
+                    <a:latin typeface="Helvetica Neue" panose="02000503000000020004" pitchFamily="2" charset="0"/>
+                  </a:rPr>
+                  <a:t> </a:t>
+                </a:r>
+                <a:r>
+                  <a:rPr lang="ru-RU" sz="1600" dirty="0">
+                    <a:solidFill>
+                      <a:srgbClr val="000000"/>
+                    </a:solidFill>
+                    <a:latin typeface="Helvetica Neue" panose="02000503000000020004" pitchFamily="2" charset="0"/>
+                  </a:rPr>
+                  <a:t>используем уравнение Беллмана.</a:t>
+                </a:r>
+                <a:endParaRPr lang="en-US" sz="1600" dirty="0">
+                  <a:solidFill>
+                    <a:srgbClr val="000000"/>
+                  </a:solidFill>
+                  <a:latin typeface="Helvetica Neue" panose="02000503000000020004" pitchFamily="2" charset="0"/>
+                </a:endParaRPr>
+              </a:p>
+            </p:txBody>
+          </p:sp>
+        </mc:Choice>
+        <mc:Fallback xmlns="">
+          <p:sp>
+            <p:nvSpPr>
+              <p:cNvPr id="4" name="Google Shape;311;p57">
+                <a:extLst>
+                  <a:ext uri="{FF2B5EF4-FFF2-40B4-BE49-F238E27FC236}">
+                    <a16:creationId xmlns:a16="http://schemas.microsoft.com/office/drawing/2014/main" id="{4F390D4B-928B-6548-A1C5-268947086F82}"/>
+                  </a:ext>
+                </a:extLst>
+              </p:cNvPr>
+              <p:cNvSpPr txBox="1">
+                <a:spLocks noGrp="1" noRot="1" noChangeAspect="1" noMove="1" noResize="1" noEditPoints="1" noAdjustHandles="1" noChangeArrowheads="1" noChangeShapeType="1" noTextEdit="1"/>
+              </p:cNvSpPr>
+              <p:nvPr>
+                <p:ph type="body" idx="1"/>
+              </p:nvPr>
+            </p:nvSpPr>
+            <p:spPr>
+              <a:xfrm>
+                <a:off x="122850" y="1032459"/>
+                <a:ext cx="8801144" cy="3478172"/>
+              </a:xfrm>
+              <a:prstGeom prst="rect">
+                <a:avLst/>
+              </a:prstGeom>
+              <a:blipFill>
+                <a:blip r:embed="rId3"/>
+                <a:stretch>
+                  <a:fillRect b="-15273"/>
+                </a:stretch>
+              </a:blipFill>
+            </p:spPr>
+            <p:txBody>
+              <a:bodyPr/>
+              <a:lstStyle/>
+              <a:p>
+                <a:r>
+                  <a:rPr lang="en-RU">
+                    <a:noFill/>
+                  </a:rPr>
+                  <a:t> </a:t>
+                </a:r>
+              </a:p>
+            </p:txBody>
+          </p:sp>
+        </mc:Fallback>
+      </mc:AlternateContent>
+    </p:spTree>
+    <p:extLst>
+      <p:ext uri="{BB962C8B-B14F-4D97-AF65-F5344CB8AC3E}">
+        <p14:creationId xmlns:p14="http://schemas.microsoft.com/office/powerpoint/2010/main" val="3393674067"/>
+      </p:ext>
+    </p:extLst>
+  </p:cSld>
+  <p:clrMapOvr>
+    <a:masterClrMapping/>
+  </p:clrMapOvr>
+</p:sld>
+</file>
+
+<file path=ppt/slides/slide18.xml><?xml version="1.0" encoding="utf-8"?>
+<p:sld xmlns:a="http://schemas.openxmlformats.org/drawingml/2006/main" xmlns:r="http://schemas.openxmlformats.org/officeDocument/2006/relationships" xmlns:p="http://schemas.openxmlformats.org/presentationml/2006/main">
+  <p:cSld>
+    <p:spTree>
+      <p:nvGrpSpPr>
+        <p:cNvPr id="1" name="Shape 309"/>
+        <p:cNvGrpSpPr/>
+        <p:nvPr/>
+      </p:nvGrpSpPr>
+      <p:grpSpPr>
+        <a:xfrm>
+          <a:off x="0" y="0"/>
+          <a:ext cx="0" cy="0"/>
+          <a:chOff x="0" y="0"/>
+          <a:chExt cx="0" cy="0"/>
+        </a:xfrm>
+      </p:grpSpPr>
+      <p:sp>
+        <p:nvSpPr>
+          <p:cNvPr id="310" name="Google Shape;310;p57"/>
+          <p:cNvSpPr txBox="1">
+            <a:spLocks noGrp="1"/>
+          </p:cNvSpPr>
+          <p:nvPr>
+            <p:ph type="title"/>
+          </p:nvPr>
+        </p:nvSpPr>
+        <p:spPr>
+          <a:xfrm>
+            <a:off x="500550" y="330724"/>
+            <a:ext cx="8520600" cy="547950"/>
+          </a:xfrm>
+          <a:prstGeom prst="rect">
+            <a:avLst/>
+          </a:prstGeom>
+        </p:spPr>
+        <p:txBody>
+          <a:bodyPr spcFirstLastPara="1" wrap="square" lIns="91425" tIns="91425" rIns="91425" bIns="91425" anchor="t" anchorCtr="0">
+            <a:noAutofit/>
+          </a:bodyPr>
+          <a:lstStyle/>
+          <a:p>
+            <a:pPr marL="0" lvl="0" indent="0" algn="l" rtl="0">
+              <a:spcBef>
+                <a:spcPts val="0"/>
+              </a:spcBef>
+              <a:spcAft>
+                <a:spcPts val="0"/>
+              </a:spcAft>
+              <a:buNone/>
+            </a:pPr>
+            <a:r>
+              <a:rPr lang="en-US" dirty="0"/>
               <a:t>DDPD – Deep Deterministic Policy Gradient</a:t>
             </a:r>
             <a:endParaRPr dirty="0"/>
@@ -18364,7 +21609,7 @@
             <p:spPr>
               <a:xfrm>
                 <a:off x="115057" y="878674"/>
-                <a:ext cx="8906093" cy="3909853"/>
+                <a:ext cx="8906093" cy="4023794"/>
               </a:xfrm>
               <a:prstGeom prst="rect">
                 <a:avLst/>
@@ -20162,6 +23407,135 @@
                     </m:nary>
                   </m:oMath>
                 </a14:m>
+                <a:r>
+                  <a:rPr lang="en-RU" sz="1200" dirty="0"/>
+                  <a:t>, </a:t>
+                </a:r>
+                <a14:m>
+                  <m:oMath xmlns:m="http://schemas.openxmlformats.org/officeDocument/2006/math">
+                    <m:sSup>
+                      <m:sSupPr>
+                        <m:ctrlPr>
+                          <a:rPr lang="en-US" sz="1200" b="0" i="1" smtClean="0">
+                            <a:latin typeface="Cambria Math" panose="02040503050406030204" pitchFamily="18" charset="0"/>
+                          </a:rPr>
+                        </m:ctrlPr>
+                      </m:sSupPr>
+                      <m:e>
+                        <m:r>
+                          <a:rPr lang="en-US" sz="1200" b="0" i="1" smtClean="0">
+                            <a:latin typeface="Cambria Math" panose="02040503050406030204" pitchFamily="18" charset="0"/>
+                          </a:rPr>
+                          <m:t>𝜃</m:t>
+                        </m:r>
+                      </m:e>
+                      <m:sup>
+                        <m:r>
+                          <a:rPr lang="en-US" sz="1200" b="0" i="1" smtClean="0">
+                            <a:latin typeface="Cambria Math" panose="02040503050406030204" pitchFamily="18" charset="0"/>
+                          </a:rPr>
+                          <m:t>𝑄</m:t>
+                        </m:r>
+                      </m:sup>
+                    </m:sSup>
+                    <m:r>
+                      <a:rPr lang="en-US" sz="1200" b="0" i="1" smtClean="0">
+                        <a:latin typeface="Cambria Math" panose="02040503050406030204" pitchFamily="18" charset="0"/>
+                      </a:rPr>
+                      <m:t>←</m:t>
+                    </m:r>
+                    <m:sSup>
+                      <m:sSupPr>
+                        <m:ctrlPr>
+                          <a:rPr lang="en-US" sz="1200" b="0" i="1" smtClean="0">
+                            <a:latin typeface="Cambria Math" panose="02040503050406030204" pitchFamily="18" charset="0"/>
+                          </a:rPr>
+                        </m:ctrlPr>
+                      </m:sSupPr>
+                      <m:e>
+                        <m:r>
+                          <a:rPr lang="en-US" sz="1200" b="0" i="1" smtClean="0">
+                            <a:latin typeface="Cambria Math" panose="02040503050406030204" pitchFamily="18" charset="0"/>
+                          </a:rPr>
+                          <m:t>𝜃</m:t>
+                        </m:r>
+                      </m:e>
+                      <m:sup>
+                        <m:r>
+                          <a:rPr lang="en-US" sz="1200" b="0" i="1" smtClean="0">
+                            <a:latin typeface="Cambria Math" panose="02040503050406030204" pitchFamily="18" charset="0"/>
+                          </a:rPr>
+                          <m:t>𝑄</m:t>
+                        </m:r>
+                      </m:sup>
+                    </m:sSup>
+                    <m:r>
+                      <a:rPr lang="en-US" sz="1200" b="0" i="1" smtClean="0">
+                        <a:latin typeface="Cambria Math" panose="02040503050406030204" pitchFamily="18" charset="0"/>
+                      </a:rPr>
+                      <m:t> −</m:t>
+                    </m:r>
+                    <m:r>
+                      <a:rPr lang="en-US" sz="1200" b="0" i="1" smtClean="0">
+                        <a:latin typeface="Cambria Math" panose="02040503050406030204" pitchFamily="18" charset="0"/>
+                      </a:rPr>
+                      <m:t>𝛼</m:t>
+                    </m:r>
+                    <m:sSub>
+                      <m:sSubPr>
+                        <m:ctrlPr>
+                          <a:rPr lang="en-US" sz="1200" b="0" i="1" smtClean="0">
+                            <a:latin typeface="Cambria Math" panose="02040503050406030204" pitchFamily="18" charset="0"/>
+                          </a:rPr>
+                        </m:ctrlPr>
+                      </m:sSubPr>
+                      <m:e>
+                        <m:r>
+                          <m:rPr>
+                            <m:sty m:val="p"/>
+                          </m:rPr>
+                          <a:rPr lang="en-US" sz="1200" b="0" i="0" smtClean="0">
+                            <a:latin typeface="Cambria Math" panose="02040503050406030204" pitchFamily="18" charset="0"/>
+                          </a:rPr>
+                          <m:t>∇</m:t>
+                        </m:r>
+                      </m:e>
+                      <m:sub>
+                        <m:sSup>
+                          <m:sSupPr>
+                            <m:ctrlPr>
+                              <a:rPr lang="en-US" sz="1200" b="0" i="1" smtClean="0">
+                                <a:latin typeface="Cambria Math" panose="02040503050406030204" pitchFamily="18" charset="0"/>
+                              </a:rPr>
+                            </m:ctrlPr>
+                          </m:sSupPr>
+                          <m:e>
+                            <m:r>
+                              <a:rPr lang="en-US" sz="1200" b="0" i="1" smtClean="0">
+                                <a:latin typeface="Cambria Math" panose="02040503050406030204" pitchFamily="18" charset="0"/>
+                              </a:rPr>
+                              <m:t>𝜃</m:t>
+                            </m:r>
+                          </m:e>
+                          <m:sup>
+                            <m:r>
+                              <a:rPr lang="en-US" sz="1200" b="0" i="1" smtClean="0">
+                                <a:latin typeface="Cambria Math" panose="02040503050406030204" pitchFamily="18" charset="0"/>
+                              </a:rPr>
+                              <m:t>𝑄</m:t>
+                            </m:r>
+                          </m:sup>
+                        </m:sSup>
+                      </m:sub>
+                    </m:sSub>
+                    <m:r>
+                      <a:rPr lang="en-US" sz="1200" b="0" i="1" smtClean="0">
+                        <a:latin typeface="Cambria Math" panose="02040503050406030204" pitchFamily="18" charset="0"/>
+                      </a:rPr>
+                      <m:t>𝐿</m:t>
+                    </m:r>
+                  </m:oMath>
+                </a14:m>
                 <a:endParaRPr lang="en-RU" sz="1200" dirty="0"/>
               </a:p>
               <a:p>
@@ -20742,6 +24116,135 @@
                     </m:nary>
                   </m:oMath>
                 </a14:m>
+                <a:r>
+                  <a:rPr lang="en-US" sz="1200" dirty="0"/>
+                  <a:t>, </a:t>
+                </a:r>
+                <a14:m>
+                  <m:oMath xmlns:m="http://schemas.openxmlformats.org/officeDocument/2006/math">
+                    <m:sSup>
+                      <m:sSupPr>
+                        <m:ctrlPr>
+                          <a:rPr lang="en-US" sz="1200" b="0" i="1" smtClean="0">
+                            <a:latin typeface="Cambria Math" panose="02040503050406030204" pitchFamily="18" charset="0"/>
+                          </a:rPr>
+                        </m:ctrlPr>
+                      </m:sSupPr>
+                      <m:e>
+                        <m:r>
+                          <a:rPr lang="en-US" sz="1200" b="0" i="1" smtClean="0">
+                            <a:latin typeface="Cambria Math" panose="02040503050406030204" pitchFamily="18" charset="0"/>
+                          </a:rPr>
+                          <m:t>𝜃</m:t>
+                        </m:r>
+                      </m:e>
+                      <m:sup>
+                        <m:r>
+                          <a:rPr lang="en-US" sz="1200" b="0" i="1" smtClean="0">
+                            <a:latin typeface="Cambria Math" panose="02040503050406030204" pitchFamily="18" charset="0"/>
+                          </a:rPr>
+                          <m:t>𝜇</m:t>
+                        </m:r>
+                      </m:sup>
+                    </m:sSup>
+                    <m:r>
+                      <a:rPr lang="en-US" sz="1200" b="0" i="1" smtClean="0">
+                        <a:latin typeface="Cambria Math" panose="02040503050406030204" pitchFamily="18" charset="0"/>
+                      </a:rPr>
+                      <m:t>←</m:t>
+                    </m:r>
+                    <m:sSup>
+                      <m:sSupPr>
+                        <m:ctrlPr>
+                          <a:rPr lang="en-US" sz="1200" b="0" i="1" smtClean="0">
+                            <a:latin typeface="Cambria Math" panose="02040503050406030204" pitchFamily="18" charset="0"/>
+                          </a:rPr>
+                        </m:ctrlPr>
+                      </m:sSupPr>
+                      <m:e>
+                        <m:r>
+                          <a:rPr lang="en-US" sz="1200" b="0" i="1" smtClean="0">
+                            <a:latin typeface="Cambria Math" panose="02040503050406030204" pitchFamily="18" charset="0"/>
+                          </a:rPr>
+                          <m:t>𝜃</m:t>
+                        </m:r>
+                      </m:e>
+                      <m:sup>
+                        <m:r>
+                          <a:rPr lang="en-US" sz="1200" b="0" i="1" smtClean="0">
+                            <a:latin typeface="Cambria Math" panose="02040503050406030204" pitchFamily="18" charset="0"/>
+                          </a:rPr>
+                          <m:t>𝜇</m:t>
+                        </m:r>
+                      </m:sup>
+                    </m:sSup>
+                    <m:r>
+                      <a:rPr lang="en-US" sz="1200" b="0" i="1" smtClean="0">
+                        <a:latin typeface="Cambria Math" panose="02040503050406030204" pitchFamily="18" charset="0"/>
+                      </a:rPr>
+                      <m:t>+</m:t>
+                    </m:r>
+                    <m:r>
+                      <a:rPr lang="en-US" sz="1200" b="0" i="1" smtClean="0">
+                        <a:latin typeface="Cambria Math" panose="02040503050406030204" pitchFamily="18" charset="0"/>
+                      </a:rPr>
+                      <m:t>𝛽</m:t>
+                    </m:r>
+                    <m:sSub>
+                      <m:sSubPr>
+                        <m:ctrlPr>
+                          <a:rPr lang="en-US" sz="1200" b="0" i="1" smtClean="0">
+                            <a:latin typeface="Cambria Math" panose="02040503050406030204" pitchFamily="18" charset="0"/>
+                          </a:rPr>
+                        </m:ctrlPr>
+                      </m:sSubPr>
+                      <m:e>
+                        <m:r>
+                          <m:rPr>
+                            <m:sty m:val="p"/>
+                          </m:rPr>
+                          <a:rPr lang="en-US" sz="1200" b="0" i="0" smtClean="0">
+                            <a:latin typeface="Cambria Math" panose="02040503050406030204" pitchFamily="18" charset="0"/>
+                          </a:rPr>
+                          <m:t>∇</m:t>
+                        </m:r>
+                      </m:e>
+                      <m:sub>
+                        <m:sSup>
+                          <m:sSupPr>
+                            <m:ctrlPr>
+                              <a:rPr lang="en-US" sz="1200" b="0" i="1" smtClean="0">
+                                <a:latin typeface="Cambria Math" panose="02040503050406030204" pitchFamily="18" charset="0"/>
+                              </a:rPr>
+                            </m:ctrlPr>
+                          </m:sSupPr>
+                          <m:e>
+                            <m:r>
+                              <a:rPr lang="en-US" sz="1200" b="0" i="1" smtClean="0">
+                                <a:latin typeface="Cambria Math" panose="02040503050406030204" pitchFamily="18" charset="0"/>
+                              </a:rPr>
+                              <m:t>𝜃</m:t>
+                            </m:r>
+                          </m:e>
+                          <m:sup>
+                            <m:r>
+                              <a:rPr lang="en-US" sz="1200" b="0" i="1" smtClean="0">
+                                <a:latin typeface="Cambria Math" panose="02040503050406030204" pitchFamily="18" charset="0"/>
+                              </a:rPr>
+                              <m:t>𝜇</m:t>
+                            </m:r>
+                          </m:sup>
+                        </m:sSup>
+                      </m:sub>
+                    </m:sSub>
+                    <m:r>
+                      <a:rPr lang="en-US" sz="1200" b="0" i="1" smtClean="0">
+                        <a:latin typeface="Cambria Math" panose="02040503050406030204" pitchFamily="18" charset="0"/>
+                      </a:rPr>
+                      <m:t>𝐽</m:t>
+                    </m:r>
+                  </m:oMath>
+                </a14:m>
                 <a:endParaRPr lang="ru-RU" sz="1200" dirty="0"/>
               </a:p>
               <a:p>
@@ -21077,6 +24580,27 @@
                 </a14:m>
                 <a:endParaRPr lang="en-RU" sz="1200" dirty="0"/>
               </a:p>
+              <a:p>
+                <a:pPr marL="981075" indent="-338138">
+                  <a:buFont typeface="Arial" panose="020B0604020202020204" pitchFamily="34" charset="0"/>
+                  <a:buChar char="•"/>
+                </a:pPr>
+                <a:r>
+                  <a:rPr lang="ru-RU" sz="1200" dirty="0"/>
+                  <a:t>Уменьшаем шум </a:t>
+                </a:r>
+                <a14:m>
+                  <m:oMath xmlns:m="http://schemas.openxmlformats.org/officeDocument/2006/math">
+                    <m:r>
+                      <a:rPr lang="en-US" sz="1200" b="0" i="1" smtClean="0">
+                        <a:latin typeface="Cambria Math" panose="02040503050406030204" pitchFamily="18" charset="0"/>
+                      </a:rPr>
+                      <m:t>𝒩</m:t>
+                    </m:r>
+                  </m:oMath>
+                </a14:m>
+                <a:endParaRPr lang="en-RU" sz="1200" dirty="0"/>
+              </a:p>
             </p:txBody>
           </p:sp>
         </mc:Choice>
@@ -21098,7 +24622,7 @@
             <p:spPr>
               <a:xfrm>
                 <a:off x="115057" y="878674"/>
-                <a:ext cx="8906093" cy="3909853"/>
+                <a:ext cx="8906093" cy="4023794"/>
               </a:xfrm>
               <a:prstGeom prst="rect">
                 <a:avLst/>
@@ -21106,7 +24630,7 @@
               <a:blipFill>
                 <a:blip r:embed="rId3"/>
                 <a:stretch>
-                  <a:fillRect b="-6796"/>
+                  <a:fillRect b="-315"/>
                 </a:stretch>
               </a:blipFill>
             </p:spPr>
@@ -21128,7 +24652,7 @@
     </p:spTree>
     <p:extLst>
       <p:ext uri="{BB962C8B-B14F-4D97-AF65-F5344CB8AC3E}">
-        <p14:creationId xmlns:p14="http://schemas.microsoft.com/office/powerpoint/2010/main" val="3393674067"/>
+        <p14:creationId xmlns:p14="http://schemas.microsoft.com/office/powerpoint/2010/main" val="3050520244"/>
       </p:ext>
     </p:extLst>
   </p:cSld>
@@ -21138,7 +24662,7 @@
 </p:sld>
 </file>
 
-<file path=ppt/slides/slide15.xml><?xml version="1.0" encoding="utf-8"?>
+<file path=ppt/slides/slide19.xml><?xml version="1.0" encoding="utf-8"?>
 <p:sld xmlns:a="http://schemas.openxmlformats.org/drawingml/2006/main" xmlns:r="http://schemas.openxmlformats.org/officeDocument/2006/relationships" xmlns:p="http://schemas.openxmlformats.org/presentationml/2006/main">
   <p:cSld>
     <p:spTree>
@@ -21219,7 +24743,272 @@
 </p:sld>
 </file>
 
-<file path=ppt/slides/slide16.xml><?xml version="1.0" encoding="utf-8"?>
+<file path=ppt/slides/slide2.xml><?xml version="1.0" encoding="utf-8"?>
+<p:sld xmlns:a="http://schemas.openxmlformats.org/drawingml/2006/main" xmlns:r="http://schemas.openxmlformats.org/officeDocument/2006/relationships" xmlns:p="http://schemas.openxmlformats.org/presentationml/2006/main">
+  <p:cSld>
+    <p:spTree>
+      <p:nvGrpSpPr>
+        <p:cNvPr id="1" name="Shape 194"/>
+        <p:cNvGrpSpPr/>
+        <p:nvPr/>
+      </p:nvGrpSpPr>
+      <p:grpSpPr>
+        <a:xfrm>
+          <a:off x="0" y="0"/>
+          <a:ext cx="0" cy="0"/>
+          <a:chOff x="0" y="0"/>
+          <a:chExt cx="0" cy="0"/>
+        </a:xfrm>
+      </p:grpSpPr>
+      <p:sp>
+        <p:nvSpPr>
+          <p:cNvPr id="195" name="Google Shape;195;p47"/>
+          <p:cNvSpPr txBox="1">
+            <a:spLocks noGrp="1"/>
+          </p:cNvSpPr>
+          <p:nvPr>
+            <p:ph type="title"/>
+          </p:nvPr>
+        </p:nvSpPr>
+        <p:spPr>
+          <a:xfrm>
+            <a:off x="1635875" y="772125"/>
+            <a:ext cx="7935300" cy="841800"/>
+          </a:xfrm>
+          <a:prstGeom prst="rect">
+            <a:avLst/>
+          </a:prstGeom>
+        </p:spPr>
+        <p:txBody>
+          <a:bodyPr spcFirstLastPara="1" wrap="square" lIns="91425" tIns="91425" rIns="91425" bIns="91425" anchor="ctr" anchorCtr="0">
+            <a:noAutofit/>
+          </a:bodyPr>
+          <a:lstStyle/>
+          <a:p>
+            <a:pPr marL="0" lvl="0" indent="0" algn="l" rtl="0">
+              <a:spcBef>
+                <a:spcPts val="0"/>
+              </a:spcBef>
+              <a:spcAft>
+                <a:spcPts val="0"/>
+              </a:spcAft>
+              <a:buNone/>
+            </a:pPr>
+            <a:r>
+              <a:rPr lang="ru" sz="2100"/>
+              <a:t>Проверить, идет ли запись</a:t>
+            </a:r>
+            <a:endParaRPr sz="2100"/>
+          </a:p>
+        </p:txBody>
+      </p:sp>
+      <p:sp>
+        <p:nvSpPr>
+          <p:cNvPr id="196" name="Google Shape;196;p47"/>
+          <p:cNvSpPr txBox="1">
+            <a:spLocks noGrp="1"/>
+          </p:cNvSpPr>
+          <p:nvPr>
+            <p:ph type="title"/>
+          </p:nvPr>
+        </p:nvSpPr>
+        <p:spPr>
+          <a:xfrm>
+            <a:off x="766725" y="1805199"/>
+            <a:ext cx="7935300" cy="1295700"/>
+          </a:xfrm>
+          <a:prstGeom prst="rect">
+            <a:avLst/>
+          </a:prstGeom>
+        </p:spPr>
+        <p:txBody>
+          <a:bodyPr spcFirstLastPara="1" wrap="square" lIns="91425" tIns="91425" rIns="91425" bIns="91425" anchor="ctr" anchorCtr="0">
+            <a:noAutofit/>
+          </a:bodyPr>
+          <a:lstStyle/>
+          <a:p>
+            <a:pPr marL="0" lvl="0" indent="0" algn="l" rtl="0">
+              <a:spcBef>
+                <a:spcPts val="0"/>
+              </a:spcBef>
+              <a:spcAft>
+                <a:spcPts val="0"/>
+              </a:spcAft>
+              <a:buClr>
+                <a:schemeClr val="dk1"/>
+              </a:buClr>
+              <a:buSzPts val="1100"/>
+              <a:buFont typeface="Arial"/>
+              <a:buNone/>
+            </a:pPr>
+            <a:r>
+              <a:rPr lang="ru" sz="4000"/>
+              <a:t>Меня хорошо видно</a:t>
+            </a:r>
+            <a:endParaRPr sz="4000"/>
+          </a:p>
+          <a:p>
+            <a:pPr marL="0" lvl="0" indent="0" algn="l" rtl="0">
+              <a:spcBef>
+                <a:spcPts val="0"/>
+              </a:spcBef>
+              <a:spcAft>
+                <a:spcPts val="0"/>
+              </a:spcAft>
+              <a:buNone/>
+            </a:pPr>
+            <a:r>
+              <a:rPr lang="ru" sz="4000"/>
+              <a:t>&amp;&amp; слышно?</a:t>
+            </a:r>
+            <a:endParaRPr sz="4000"/>
+          </a:p>
+        </p:txBody>
+      </p:sp>
+      <p:pic>
+        <p:nvPicPr>
+          <p:cNvPr id="197" name="Google Shape;197;p47"/>
+          <p:cNvPicPr preferRelativeResize="0"/>
+          <p:nvPr/>
+        </p:nvPicPr>
+        <p:blipFill rotWithShape="1">
+          <a:blip r:embed="rId3">
+            <a:alphaModFix/>
+          </a:blip>
+          <a:srcRect l="99" r="99"/>
+          <a:stretch/>
+        </p:blipFill>
+        <p:spPr>
+          <a:xfrm>
+            <a:off x="880825" y="1032408"/>
+            <a:ext cx="642317" cy="321159"/>
+          </a:xfrm>
+          <a:prstGeom prst="rect">
+            <a:avLst/>
+          </a:prstGeom>
+          <a:noFill/>
+          <a:ln>
+            <a:noFill/>
+          </a:ln>
+        </p:spPr>
+      </p:pic>
+      <p:pic>
+        <p:nvPicPr>
+          <p:cNvPr id="198" name="Google Shape;198;p47"/>
+          <p:cNvPicPr preferRelativeResize="0"/>
+          <p:nvPr/>
+        </p:nvPicPr>
+        <p:blipFill rotWithShape="1">
+          <a:blip r:embed="rId4">
+            <a:alphaModFix/>
+          </a:blip>
+          <a:srcRect/>
+          <a:stretch/>
+        </p:blipFill>
+        <p:spPr>
+          <a:xfrm>
+            <a:off x="872375" y="3520050"/>
+            <a:ext cx="525600" cy="525600"/>
+          </a:xfrm>
+          <a:prstGeom prst="rect">
+            <a:avLst/>
+          </a:prstGeom>
+          <a:noFill/>
+          <a:ln>
+            <a:noFill/>
+          </a:ln>
+        </p:spPr>
+      </p:pic>
+      <p:sp>
+        <p:nvSpPr>
+          <p:cNvPr id="199" name="Google Shape;199;p47"/>
+          <p:cNvSpPr txBox="1"/>
+          <p:nvPr/>
+        </p:nvSpPr>
+        <p:spPr>
+          <a:xfrm>
+            <a:off x="1514225" y="3459600"/>
+            <a:ext cx="3000000" cy="646500"/>
+          </a:xfrm>
+          <a:prstGeom prst="rect">
+            <a:avLst/>
+          </a:prstGeom>
+          <a:noFill/>
+          <a:ln>
+            <a:noFill/>
+          </a:ln>
+        </p:spPr>
+        <p:txBody>
+          <a:bodyPr spcFirstLastPara="1" wrap="square" lIns="91425" tIns="91425" rIns="91425" bIns="91425" anchor="t" anchorCtr="0">
+            <a:spAutoFit/>
+          </a:bodyPr>
+          <a:lstStyle/>
+          <a:p>
+            <a:pPr marL="0" lvl="0" indent="0" algn="l" rtl="0">
+              <a:spcBef>
+                <a:spcPts val="0"/>
+              </a:spcBef>
+              <a:spcAft>
+                <a:spcPts val="0"/>
+              </a:spcAft>
+              <a:buNone/>
+            </a:pPr>
+            <a:r>
+              <a:rPr lang="ru" sz="1500">
+                <a:solidFill>
+                  <a:schemeClr val="dk1"/>
+                </a:solidFill>
+                <a:latin typeface="Roboto"/>
+                <a:ea typeface="Roboto"/>
+                <a:cs typeface="Roboto"/>
+                <a:sym typeface="Roboto"/>
+              </a:rPr>
+              <a:t>Ставим “+”, если все хорошо</a:t>
+            </a:r>
+            <a:br>
+              <a:rPr lang="ru" sz="1500">
+                <a:solidFill>
+                  <a:schemeClr val="dk1"/>
+                </a:solidFill>
+                <a:latin typeface="Roboto"/>
+                <a:ea typeface="Roboto"/>
+                <a:cs typeface="Roboto"/>
+                <a:sym typeface="Roboto"/>
+              </a:rPr>
+            </a:br>
+            <a:r>
+              <a:rPr lang="ru" sz="1500">
+                <a:solidFill>
+                  <a:schemeClr val="dk1"/>
+                </a:solidFill>
+                <a:latin typeface="Roboto"/>
+                <a:ea typeface="Roboto"/>
+                <a:cs typeface="Roboto"/>
+                <a:sym typeface="Roboto"/>
+              </a:rPr>
+              <a:t>“-”, если есть проблемы</a:t>
+            </a:r>
+            <a:endParaRPr sz="1500">
+              <a:solidFill>
+                <a:schemeClr val="dk1"/>
+              </a:solidFill>
+              <a:latin typeface="Roboto"/>
+              <a:ea typeface="Roboto"/>
+              <a:cs typeface="Roboto"/>
+              <a:sym typeface="Roboto"/>
+            </a:endParaRPr>
+          </a:p>
+        </p:txBody>
+      </p:sp>
+    </p:spTree>
+  </p:cSld>
+  <p:clrMapOvr>
+    <a:masterClrMapping/>
+  </p:clrMapOvr>
+</p:sld>
+</file>
+
+<file path=ppt/slides/slide20.xml><?xml version="1.0" encoding="utf-8"?>
 <p:sld xmlns:a="http://schemas.openxmlformats.org/drawingml/2006/main" xmlns:r="http://schemas.openxmlformats.org/officeDocument/2006/relationships" xmlns:p="http://schemas.openxmlformats.org/presentationml/2006/main">
   <p:cSld>
     <p:spTree>
@@ -21304,8 +25093,8 @@
         </p:blipFill>
         <p:spPr>
           <a:xfrm>
-            <a:off x="806450" y="1840976"/>
-            <a:ext cx="7531100" cy="2971800"/>
+            <a:off x="432000" y="1767333"/>
+            <a:ext cx="8280000" cy="3267319"/>
           </a:xfrm>
           <a:prstGeom prst="rect">
             <a:avLst/>
@@ -21325,7 +25114,88 @@
 </p:sld>
 </file>
 
-<file path=ppt/slides/slide17.xml><?xml version="1.0" encoding="utf-8"?>
+<file path=ppt/slides/slide21.xml><?xml version="1.0" encoding="utf-8"?>
+<p:sld xmlns:a="http://schemas.openxmlformats.org/drawingml/2006/main" xmlns:r="http://schemas.openxmlformats.org/officeDocument/2006/relationships" xmlns:p="http://schemas.openxmlformats.org/presentationml/2006/main">
+  <p:cSld>
+    <p:spTree>
+      <p:nvGrpSpPr>
+        <p:cNvPr id="1" name="Shape 304"/>
+        <p:cNvGrpSpPr/>
+        <p:nvPr/>
+      </p:nvGrpSpPr>
+      <p:grpSpPr>
+        <a:xfrm>
+          <a:off x="0" y="0"/>
+          <a:ext cx="0" cy="0"/>
+          <a:chOff x="0" y="0"/>
+          <a:chExt cx="0" cy="0"/>
+        </a:xfrm>
+      </p:grpSpPr>
+      <p:sp>
+        <p:nvSpPr>
+          <p:cNvPr id="305" name="Google Shape;305;p56"/>
+          <p:cNvSpPr txBox="1">
+            <a:spLocks noGrp="1"/>
+          </p:cNvSpPr>
+          <p:nvPr>
+            <p:ph type="title"/>
+          </p:nvPr>
+        </p:nvSpPr>
+        <p:spPr>
+          <a:xfrm>
+            <a:off x="651425" y="396394"/>
+            <a:ext cx="7706100" cy="4090800"/>
+          </a:xfrm>
+          <a:prstGeom prst="rect">
+            <a:avLst/>
+          </a:prstGeom>
+        </p:spPr>
+        <p:txBody>
+          <a:bodyPr spcFirstLastPara="1" wrap="square" lIns="91425" tIns="91425" rIns="91425" bIns="91425" anchor="ctr" anchorCtr="0">
+            <a:noAutofit/>
+          </a:bodyPr>
+          <a:lstStyle/>
+          <a:p>
+            <a:pPr marL="0" lvl="0" indent="0" algn="l" rtl="0">
+              <a:spcBef>
+                <a:spcPts val="0"/>
+              </a:spcBef>
+              <a:spcAft>
+                <a:spcPts val="0"/>
+              </a:spcAft>
+              <a:buClr>
+                <a:schemeClr val="dk1"/>
+              </a:buClr>
+              <a:buSzPts val="1100"/>
+              <a:buFont typeface="Arial"/>
+              <a:buNone/>
+            </a:pPr>
+            <a:r>
+              <a:rPr lang="ru-RU" sz="4900" dirty="0"/>
+              <a:t>Алгоритм </a:t>
+            </a:r>
+            <a:r>
+              <a:rPr lang="en-US" sz="4900" dirty="0"/>
+              <a:t>MADDPG</a:t>
+            </a:r>
+            <a:endParaRPr dirty="0"/>
+          </a:p>
+        </p:txBody>
+      </p:sp>
+    </p:spTree>
+    <p:extLst>
+      <p:ext uri="{BB962C8B-B14F-4D97-AF65-F5344CB8AC3E}">
+        <p14:creationId xmlns:p14="http://schemas.microsoft.com/office/powerpoint/2010/main" val="1369482563"/>
+      </p:ext>
+    </p:extLst>
+  </p:cSld>
+  <p:clrMapOvr>
+    <a:masterClrMapping/>
+  </p:clrMapOvr>
+</p:sld>
+</file>
+
+<file path=ppt/slides/slide22.xml><?xml version="1.0" encoding="utf-8"?>
 <p:sld xmlns:a="http://schemas.openxmlformats.org/drawingml/2006/main" xmlns:r="http://schemas.openxmlformats.org/officeDocument/2006/relationships" xmlns:p="http://schemas.openxmlformats.org/presentationml/2006/main">
   <p:cSld>
     <p:spTree>
@@ -21355,7 +25225,7 @@
         <p:spPr>
           <a:xfrm>
             <a:off x="500550" y="330724"/>
-            <a:ext cx="8520600" cy="1095900"/>
+            <a:ext cx="8520600" cy="547950"/>
           </a:xfrm>
           <a:prstGeom prst="rect">
             <a:avLst/>
@@ -21367,67 +25237,57 @@
           </a:bodyPr>
           <a:lstStyle/>
           <a:p>
+            <a:pPr marL="0" lvl="0" indent="0" algn="l" rtl="0">
+              <a:spcBef>
+                <a:spcPts val="0"/>
+              </a:spcBef>
+              <a:spcAft>
+                <a:spcPts val="0"/>
+              </a:spcAft>
+              <a:buNone/>
+            </a:pPr>
             <a:r>
-              <a:rPr lang="ru-RU" dirty="0">
-                <a:solidFill>
-                  <a:srgbClr val="000000"/>
-                </a:solidFill>
-                <a:latin typeface="Helvetica Neue" panose="02000503000000020004" pitchFamily="2" charset="0"/>
-              </a:rPr>
-              <a:t>Заголовок</a:t>
+              <a:rPr lang="en-US" dirty="0"/>
+              <a:t>MADDPG – Multi Agent Deep Deterministic Policy Gradient with centralized Q</a:t>
             </a:r>
             <a:endParaRPr dirty="0"/>
           </a:p>
         </p:txBody>
       </p:sp>
-      <p:sp>
-        <p:nvSpPr>
-          <p:cNvPr id="7" name="Google Shape;311;p57">
+      <p:pic>
+        <p:nvPicPr>
+          <p:cNvPr id="3" name="Picture 2">
             <a:extLst>
               <a:ext uri="{FF2B5EF4-FFF2-40B4-BE49-F238E27FC236}">
-                <a16:creationId xmlns:a16="http://schemas.microsoft.com/office/drawing/2014/main" id="{8A36D44E-7C6A-5342-A463-32C67AE55829}"/>
+                <a16:creationId xmlns:a16="http://schemas.microsoft.com/office/drawing/2014/main" id="{7FF87FF2-80C6-394F-BF32-D0E1066273FC}"/>
               </a:ext>
             </a:extLst>
           </p:cNvPr>
-          <p:cNvSpPr txBox="1">
-            <a:spLocks noGrp="1"/>
-          </p:cNvSpPr>
-          <p:nvPr>
-            <p:ph type="body" idx="1"/>
-          </p:nvPr>
-        </p:nvSpPr>
+          <p:cNvPicPr>
+            <a:picLocks noChangeAspect="1"/>
+          </p:cNvPicPr>
+          <p:nvPr/>
+        </p:nvPicPr>
+        <p:blipFill>
+          <a:blip r:embed="rId3"/>
+          <a:stretch>
+            <a:fillRect/>
+          </a:stretch>
+        </p:blipFill>
         <p:spPr>
           <a:xfrm>
-            <a:off x="122850" y="1032458"/>
-            <a:ext cx="8801144" cy="3699101"/>
+            <a:off x="432000" y="1605676"/>
+            <a:ext cx="8280000" cy="3143021"/>
           </a:xfrm>
           <a:prstGeom prst="rect">
             <a:avLst/>
           </a:prstGeom>
         </p:spPr>
-        <p:txBody>
-          <a:bodyPr spcFirstLastPara="1" wrap="square" lIns="91425" tIns="91425" rIns="91425" bIns="91425" anchor="t" anchorCtr="0">
-            <a:normAutofit/>
-          </a:bodyPr>
-          <a:lstStyle/>
-          <a:p>
-            <a:pPr marL="133350" indent="0">
-              <a:buNone/>
-            </a:pPr>
-            <a:endParaRPr lang="ru-RU" sz="1600" b="0" i="0" u="none" strike="noStrike" dirty="0">
-              <a:solidFill>
-                <a:srgbClr val="000000"/>
-              </a:solidFill>
-              <a:effectLst/>
-              <a:latin typeface="Helvetica Neue" panose="02000503000000020004" pitchFamily="2" charset="0"/>
-            </a:endParaRPr>
-          </a:p>
-        </p:txBody>
-      </p:sp>
+      </p:pic>
     </p:spTree>
     <p:extLst>
       <p:ext uri="{BB962C8B-B14F-4D97-AF65-F5344CB8AC3E}">
-        <p14:creationId xmlns:p14="http://schemas.microsoft.com/office/powerpoint/2010/main" val="2823371278"/>
+        <p14:creationId xmlns:p14="http://schemas.microsoft.com/office/powerpoint/2010/main" val="1202570850"/>
       </p:ext>
     </p:extLst>
   </p:cSld>
@@ -21437,7 +25297,7 @@
 </p:sld>
 </file>
 
-<file path=ppt/slides/slide18.xml><?xml version="1.0" encoding="utf-8"?>
+<file path=ppt/slides/slide23.xml><?xml version="1.0" encoding="utf-8"?>
 <p:sld xmlns:a="http://schemas.openxmlformats.org/drawingml/2006/main" xmlns:r="http://schemas.openxmlformats.org/officeDocument/2006/relationships" xmlns:p="http://schemas.openxmlformats.org/presentationml/2006/main">
   <p:cSld>
     <p:spTree>
@@ -21504,7 +25364,7 @@
 </p:sld>
 </file>
 
-<file path=ppt/slides/slide19.xml><?xml version="1.0" encoding="utf-8"?>
+<file path=ppt/slides/slide24.xml><?xml version="1.0" encoding="utf-8"?>
 <p:sld xmlns:a="http://schemas.openxmlformats.org/drawingml/2006/main" xmlns:r="http://schemas.openxmlformats.org/officeDocument/2006/relationships" xmlns:p="http://schemas.openxmlformats.org/presentationml/2006/main">
   <p:cSld>
     <p:spTree>
@@ -21939,272 +25799,7 @@
 </p:sld>
 </file>
 
-<file path=ppt/slides/slide2.xml><?xml version="1.0" encoding="utf-8"?>
-<p:sld xmlns:a="http://schemas.openxmlformats.org/drawingml/2006/main" xmlns:r="http://schemas.openxmlformats.org/officeDocument/2006/relationships" xmlns:p="http://schemas.openxmlformats.org/presentationml/2006/main">
-  <p:cSld>
-    <p:spTree>
-      <p:nvGrpSpPr>
-        <p:cNvPr id="1" name="Shape 194"/>
-        <p:cNvGrpSpPr/>
-        <p:nvPr/>
-      </p:nvGrpSpPr>
-      <p:grpSpPr>
-        <a:xfrm>
-          <a:off x="0" y="0"/>
-          <a:ext cx="0" cy="0"/>
-          <a:chOff x="0" y="0"/>
-          <a:chExt cx="0" cy="0"/>
-        </a:xfrm>
-      </p:grpSpPr>
-      <p:sp>
-        <p:nvSpPr>
-          <p:cNvPr id="195" name="Google Shape;195;p47"/>
-          <p:cNvSpPr txBox="1">
-            <a:spLocks noGrp="1"/>
-          </p:cNvSpPr>
-          <p:nvPr>
-            <p:ph type="title"/>
-          </p:nvPr>
-        </p:nvSpPr>
-        <p:spPr>
-          <a:xfrm>
-            <a:off x="1635875" y="772125"/>
-            <a:ext cx="7935300" cy="841800"/>
-          </a:xfrm>
-          <a:prstGeom prst="rect">
-            <a:avLst/>
-          </a:prstGeom>
-        </p:spPr>
-        <p:txBody>
-          <a:bodyPr spcFirstLastPara="1" wrap="square" lIns="91425" tIns="91425" rIns="91425" bIns="91425" anchor="ctr" anchorCtr="0">
-            <a:noAutofit/>
-          </a:bodyPr>
-          <a:lstStyle/>
-          <a:p>
-            <a:pPr marL="0" lvl="0" indent="0" algn="l" rtl="0">
-              <a:spcBef>
-                <a:spcPts val="0"/>
-              </a:spcBef>
-              <a:spcAft>
-                <a:spcPts val="0"/>
-              </a:spcAft>
-              <a:buNone/>
-            </a:pPr>
-            <a:r>
-              <a:rPr lang="ru" sz="2100"/>
-              <a:t>Проверить, идет ли запись</a:t>
-            </a:r>
-            <a:endParaRPr sz="2100"/>
-          </a:p>
-        </p:txBody>
-      </p:sp>
-      <p:sp>
-        <p:nvSpPr>
-          <p:cNvPr id="196" name="Google Shape;196;p47"/>
-          <p:cNvSpPr txBox="1">
-            <a:spLocks noGrp="1"/>
-          </p:cNvSpPr>
-          <p:nvPr>
-            <p:ph type="title"/>
-          </p:nvPr>
-        </p:nvSpPr>
-        <p:spPr>
-          <a:xfrm>
-            <a:off x="766725" y="1805199"/>
-            <a:ext cx="7935300" cy="1295700"/>
-          </a:xfrm>
-          <a:prstGeom prst="rect">
-            <a:avLst/>
-          </a:prstGeom>
-        </p:spPr>
-        <p:txBody>
-          <a:bodyPr spcFirstLastPara="1" wrap="square" lIns="91425" tIns="91425" rIns="91425" bIns="91425" anchor="ctr" anchorCtr="0">
-            <a:noAutofit/>
-          </a:bodyPr>
-          <a:lstStyle/>
-          <a:p>
-            <a:pPr marL="0" lvl="0" indent="0" algn="l" rtl="0">
-              <a:spcBef>
-                <a:spcPts val="0"/>
-              </a:spcBef>
-              <a:spcAft>
-                <a:spcPts val="0"/>
-              </a:spcAft>
-              <a:buClr>
-                <a:schemeClr val="dk1"/>
-              </a:buClr>
-              <a:buSzPts val="1100"/>
-              <a:buFont typeface="Arial"/>
-              <a:buNone/>
-            </a:pPr>
-            <a:r>
-              <a:rPr lang="ru" sz="4000"/>
-              <a:t>Меня хорошо видно</a:t>
-            </a:r>
-            <a:endParaRPr sz="4000"/>
-          </a:p>
-          <a:p>
-            <a:pPr marL="0" lvl="0" indent="0" algn="l" rtl="0">
-              <a:spcBef>
-                <a:spcPts val="0"/>
-              </a:spcBef>
-              <a:spcAft>
-                <a:spcPts val="0"/>
-              </a:spcAft>
-              <a:buNone/>
-            </a:pPr>
-            <a:r>
-              <a:rPr lang="ru" sz="4000"/>
-              <a:t>&amp;&amp; слышно?</a:t>
-            </a:r>
-            <a:endParaRPr sz="4000"/>
-          </a:p>
-        </p:txBody>
-      </p:sp>
-      <p:pic>
-        <p:nvPicPr>
-          <p:cNvPr id="197" name="Google Shape;197;p47"/>
-          <p:cNvPicPr preferRelativeResize="0"/>
-          <p:nvPr/>
-        </p:nvPicPr>
-        <p:blipFill rotWithShape="1">
-          <a:blip r:embed="rId3">
-            <a:alphaModFix/>
-          </a:blip>
-          <a:srcRect l="99" r="99"/>
-          <a:stretch/>
-        </p:blipFill>
-        <p:spPr>
-          <a:xfrm>
-            <a:off x="880825" y="1032408"/>
-            <a:ext cx="642317" cy="321159"/>
-          </a:xfrm>
-          <a:prstGeom prst="rect">
-            <a:avLst/>
-          </a:prstGeom>
-          <a:noFill/>
-          <a:ln>
-            <a:noFill/>
-          </a:ln>
-        </p:spPr>
-      </p:pic>
-      <p:pic>
-        <p:nvPicPr>
-          <p:cNvPr id="198" name="Google Shape;198;p47"/>
-          <p:cNvPicPr preferRelativeResize="0"/>
-          <p:nvPr/>
-        </p:nvPicPr>
-        <p:blipFill rotWithShape="1">
-          <a:blip r:embed="rId4">
-            <a:alphaModFix/>
-          </a:blip>
-          <a:srcRect/>
-          <a:stretch/>
-        </p:blipFill>
-        <p:spPr>
-          <a:xfrm>
-            <a:off x="872375" y="3520050"/>
-            <a:ext cx="525600" cy="525600"/>
-          </a:xfrm>
-          <a:prstGeom prst="rect">
-            <a:avLst/>
-          </a:prstGeom>
-          <a:noFill/>
-          <a:ln>
-            <a:noFill/>
-          </a:ln>
-        </p:spPr>
-      </p:pic>
-      <p:sp>
-        <p:nvSpPr>
-          <p:cNvPr id="199" name="Google Shape;199;p47"/>
-          <p:cNvSpPr txBox="1"/>
-          <p:nvPr/>
-        </p:nvSpPr>
-        <p:spPr>
-          <a:xfrm>
-            <a:off x="1514225" y="3459600"/>
-            <a:ext cx="3000000" cy="646500"/>
-          </a:xfrm>
-          <a:prstGeom prst="rect">
-            <a:avLst/>
-          </a:prstGeom>
-          <a:noFill/>
-          <a:ln>
-            <a:noFill/>
-          </a:ln>
-        </p:spPr>
-        <p:txBody>
-          <a:bodyPr spcFirstLastPara="1" wrap="square" lIns="91425" tIns="91425" rIns="91425" bIns="91425" anchor="t" anchorCtr="0">
-            <a:spAutoFit/>
-          </a:bodyPr>
-          <a:lstStyle/>
-          <a:p>
-            <a:pPr marL="0" lvl="0" indent="0" algn="l" rtl="0">
-              <a:spcBef>
-                <a:spcPts val="0"/>
-              </a:spcBef>
-              <a:spcAft>
-                <a:spcPts val="0"/>
-              </a:spcAft>
-              <a:buNone/>
-            </a:pPr>
-            <a:r>
-              <a:rPr lang="ru" sz="1500">
-                <a:solidFill>
-                  <a:schemeClr val="dk1"/>
-                </a:solidFill>
-                <a:latin typeface="Roboto"/>
-                <a:ea typeface="Roboto"/>
-                <a:cs typeface="Roboto"/>
-                <a:sym typeface="Roboto"/>
-              </a:rPr>
-              <a:t>Ставим “+”, если все хорошо</a:t>
-            </a:r>
-            <a:br>
-              <a:rPr lang="ru" sz="1500">
-                <a:solidFill>
-                  <a:schemeClr val="dk1"/>
-                </a:solidFill>
-                <a:latin typeface="Roboto"/>
-                <a:ea typeface="Roboto"/>
-                <a:cs typeface="Roboto"/>
-                <a:sym typeface="Roboto"/>
-              </a:rPr>
-            </a:br>
-            <a:r>
-              <a:rPr lang="ru" sz="1500">
-                <a:solidFill>
-                  <a:schemeClr val="dk1"/>
-                </a:solidFill>
-                <a:latin typeface="Roboto"/>
-                <a:ea typeface="Roboto"/>
-                <a:cs typeface="Roboto"/>
-                <a:sym typeface="Roboto"/>
-              </a:rPr>
-              <a:t>“-”, если есть проблемы</a:t>
-            </a:r>
-            <a:endParaRPr sz="1500">
-              <a:solidFill>
-                <a:schemeClr val="dk1"/>
-              </a:solidFill>
-              <a:latin typeface="Roboto"/>
-              <a:ea typeface="Roboto"/>
-              <a:cs typeface="Roboto"/>
-              <a:sym typeface="Roboto"/>
-            </a:endParaRPr>
-          </a:p>
-        </p:txBody>
-      </p:sp>
-    </p:spTree>
-  </p:cSld>
-  <p:clrMapOvr>
-    <a:masterClrMapping/>
-  </p:clrMapOvr>
-</p:sld>
-</file>
-
-<file path=ppt/slides/slide20.xml><?xml version="1.0" encoding="utf-8"?>
+<file path=ppt/slides/slide25.xml><?xml version="1.0" encoding="utf-8"?>
 <p:sld xmlns:a="http://schemas.openxmlformats.org/drawingml/2006/main" xmlns:r="http://schemas.openxmlformats.org/officeDocument/2006/relationships" xmlns:p="http://schemas.openxmlformats.org/presentationml/2006/main">
   <p:cSld>
     <p:spTree>
@@ -22905,7 +26500,7 @@
 </p:sld>
 </file>
 
-<file path=ppt/slides/slide21.xml><?xml version="1.0" encoding="utf-8"?>
+<file path=ppt/slides/slide26.xml><?xml version="1.0" encoding="utf-8"?>
 <p:sld xmlns:a="http://schemas.openxmlformats.org/drawingml/2006/main" xmlns:r="http://schemas.openxmlformats.org/officeDocument/2006/relationships" xmlns:p="http://schemas.openxmlformats.org/presentationml/2006/main">
   <p:cSld>
     <p:spTree>
@@ -22996,11 +26591,14 @@
             </a:pPr>
             <a:r>
               <a:rPr lang="en-US" sz="1400" dirty="0">
+                <a:latin typeface=""/>
                 <a:hlinkClick r:id="rId3"/>
               </a:rPr>
               <a:t>Understanding Actor-Critic methods</a:t>
             </a:r>
-            <a:endParaRPr lang="ru-RU" sz="1400" dirty="0"/>
+            <a:endParaRPr lang="ru-RU" sz="1400" dirty="0">
+              <a:latin typeface=""/>
+            </a:endParaRPr>
           </a:p>
           <a:p>
             <a:pPr indent="-311150">
@@ -23010,11 +26608,14 @@
             </a:pPr>
             <a:r>
               <a:rPr lang="ru-RU" sz="1400" dirty="0">
+                <a:latin typeface=""/>
                 <a:hlinkClick r:id="rId4"/>
               </a:rPr>
               <a:t>Демонстрация обучения нескольких агентов</a:t>
             </a:r>
-            <a:endParaRPr lang="ru-RU" sz="1400" dirty="0"/>
+            <a:endParaRPr lang="ru-RU" sz="1400" dirty="0">
+              <a:latin typeface=""/>
+            </a:endParaRPr>
           </a:p>
           <a:p>
             <a:pPr indent="-311150">
@@ -23083,6 +26684,60 @@
               <a:buFont typeface="Roboto"/>
               <a:buAutoNum type="arabicPeriod"/>
             </a:pPr>
+            <a:r>
+              <a:rPr lang="ru-RU" sz="1400" dirty="0">
+                <a:solidFill>
+                  <a:srgbClr val="000007"/>
+                </a:solidFill>
+                <a:effectLst/>
+                <a:latin typeface=""/>
+                <a:hlinkClick r:id="rId8"/>
+              </a:rPr>
+              <a:t>Классификация задач </a:t>
+            </a:r>
+            <a:r>
+              <a:rPr lang="ru-RU" sz="1400" dirty="0" err="1">
+                <a:solidFill>
+                  <a:srgbClr val="000007"/>
+                </a:solidFill>
+                <a:effectLst/>
+                <a:latin typeface=""/>
+                <a:hlinkClick r:id="rId8"/>
+              </a:rPr>
+              <a:t>мультиагентного</a:t>
+            </a:r>
+            <a:r>
+              <a:rPr lang="ru-RU" sz="1400" dirty="0">
+                <a:solidFill>
+                  <a:srgbClr val="000007"/>
+                </a:solidFill>
+                <a:effectLst/>
+                <a:latin typeface=""/>
+                <a:hlinkClick r:id="rId8"/>
+              </a:rPr>
+              <a:t> обучения с подкреплением </a:t>
+            </a:r>
+            <a:endParaRPr lang="en-US" sz="1400" dirty="0">
+              <a:solidFill>
+                <a:srgbClr val="000007"/>
+              </a:solidFill>
+              <a:effectLst/>
+              <a:latin typeface=""/>
+            </a:endParaRPr>
+          </a:p>
+          <a:p>
+            <a:pPr indent="-311150">
+              <a:buSzPts val="1300"/>
+              <a:buFont typeface="Roboto"/>
+              <a:buAutoNum type="arabicPeriod"/>
+            </a:pPr>
+            <a:endParaRPr lang="ru-RU" sz="1400" dirty="0"/>
+          </a:p>
+          <a:p>
+            <a:pPr marL="146050" indent="0">
+              <a:buSzPts val="1300"/>
+              <a:buNone/>
+            </a:pPr>
             <a:endParaRPr lang="ru-RU" sz="1400" b="0" i="0" u="none" strike="noStrike" dirty="0">
               <a:solidFill>
                 <a:srgbClr val="333333"/>
@@ -23125,7 +26780,7 @@
 </p:sld>
 </file>
 
-<file path=ppt/slides/slide22.xml><?xml version="1.0" encoding="utf-8"?>
+<file path=ppt/slides/slide27.xml><?xml version="1.0" encoding="utf-8"?>
 <p:sld xmlns:a="http://schemas.openxmlformats.org/drawingml/2006/main" xmlns:r="http://schemas.openxmlformats.org/officeDocument/2006/relationships" xmlns:p="http://schemas.openxmlformats.org/presentationml/2006/main">
   <p:cSld>
     <p:spTree>
@@ -23426,7 +27081,7 @@
 </p:sld>
 </file>
 
-<file path=ppt/slides/slide23.xml><?xml version="1.0" encoding="utf-8"?>
+<file path=ppt/slides/slide28.xml><?xml version="1.0" encoding="utf-8"?>
 <p:sld xmlns:a="http://schemas.openxmlformats.org/drawingml/2006/main" xmlns:r="http://schemas.openxmlformats.org/officeDocument/2006/relationships" xmlns:p="http://schemas.openxmlformats.org/presentationml/2006/main">
   <p:cSld>
     <p:spTree>
@@ -23493,7 +27148,7 @@
 </p:sld>
 </file>
 
-<file path=ppt/slides/slide24.xml><?xml version="1.0" encoding="utf-8"?>
+<file path=ppt/slides/slide29.xml><?xml version="1.0" encoding="utf-8"?>
 <p:sld xmlns:a="http://schemas.openxmlformats.org/drawingml/2006/main" xmlns:r="http://schemas.openxmlformats.org/officeDocument/2006/relationships" xmlns:p="http://schemas.openxmlformats.org/presentationml/2006/main">
   <p:cSld>
     <p:spTree>
@@ -24203,7 +27858,1233 @@
 </p:sld>
 </file>
 
-<file path=ppt/slides/slide25.xml><?xml version="1.0" encoding="utf-8"?>
+<file path=ppt/slides/slide3.xml><?xml version="1.0" encoding="utf-8"?>
+<p:sld xmlns:a="http://schemas.openxmlformats.org/drawingml/2006/main" xmlns:r="http://schemas.openxmlformats.org/officeDocument/2006/relationships" xmlns:p="http://schemas.openxmlformats.org/presentationml/2006/main">
+  <p:cSld>
+    <p:spTree>
+      <p:nvGrpSpPr>
+        <p:cNvPr id="1" name="Shape 213"/>
+        <p:cNvGrpSpPr/>
+        <p:nvPr/>
+      </p:nvGrpSpPr>
+      <p:grpSpPr>
+        <a:xfrm>
+          <a:off x="0" y="0"/>
+          <a:ext cx="0" cy="0"/>
+          <a:chOff x="0" y="0"/>
+          <a:chExt cx="0" cy="0"/>
+        </a:xfrm>
+      </p:grpSpPr>
+      <p:sp>
+        <p:nvSpPr>
+          <p:cNvPr id="214" name="Google Shape;214;p49"/>
+          <p:cNvSpPr txBox="1">
+            <a:spLocks noGrp="1"/>
+          </p:cNvSpPr>
+          <p:nvPr>
+            <p:ph type="title"/>
+          </p:nvPr>
+        </p:nvSpPr>
+        <p:spPr>
+          <a:xfrm>
+            <a:off x="500550" y="330724"/>
+            <a:ext cx="8520600" cy="1095900"/>
+          </a:xfrm>
+          <a:prstGeom prst="rect">
+            <a:avLst/>
+          </a:prstGeom>
+        </p:spPr>
+        <p:txBody>
+          <a:bodyPr spcFirstLastPara="1" wrap="square" lIns="91425" tIns="91425" rIns="91425" bIns="91425" anchor="t" anchorCtr="0">
+            <a:noAutofit/>
+          </a:bodyPr>
+          <a:lstStyle/>
+          <a:p>
+            <a:pPr marL="0" lvl="0" indent="0" algn="l" rtl="0">
+              <a:spcBef>
+                <a:spcPts val="0"/>
+              </a:spcBef>
+              <a:spcAft>
+                <a:spcPts val="0"/>
+              </a:spcAft>
+              <a:buNone/>
+            </a:pPr>
+            <a:r>
+              <a:rPr lang="ru" sz="3200" b="1"/>
+              <a:t>Правила вебинара</a:t>
+            </a:r>
+            <a:endParaRPr sz="3200" b="1"/>
+          </a:p>
+        </p:txBody>
+      </p:sp>
+      <p:pic>
+        <p:nvPicPr>
+          <p:cNvPr id="215" name="Google Shape;215;p49"/>
+          <p:cNvPicPr preferRelativeResize="0"/>
+          <p:nvPr/>
+        </p:nvPicPr>
+        <p:blipFill rotWithShape="1">
+          <a:blip r:embed="rId3">
+            <a:alphaModFix/>
+          </a:blip>
+          <a:srcRect/>
+          <a:stretch/>
+        </p:blipFill>
+        <p:spPr>
+          <a:xfrm>
+            <a:off x="837650" y="3951281"/>
+            <a:ext cx="692621" cy="692620"/>
+          </a:xfrm>
+          <a:prstGeom prst="rect">
+            <a:avLst/>
+          </a:prstGeom>
+          <a:noFill/>
+          <a:ln>
+            <a:noFill/>
+          </a:ln>
+        </p:spPr>
+      </p:pic>
+      <p:pic>
+        <p:nvPicPr>
+          <p:cNvPr id="216" name="Google Shape;216;p49"/>
+          <p:cNvPicPr preferRelativeResize="0"/>
+          <p:nvPr/>
+        </p:nvPicPr>
+        <p:blipFill rotWithShape="1">
+          <a:blip r:embed="rId4">
+            <a:alphaModFix/>
+          </a:blip>
+          <a:srcRect/>
+          <a:stretch/>
+        </p:blipFill>
+        <p:spPr>
+          <a:xfrm>
+            <a:off x="837650" y="1281613"/>
+            <a:ext cx="692621" cy="692620"/>
+          </a:xfrm>
+          <a:prstGeom prst="rect">
+            <a:avLst/>
+          </a:prstGeom>
+          <a:noFill/>
+          <a:ln>
+            <a:noFill/>
+          </a:ln>
+        </p:spPr>
+      </p:pic>
+      <p:pic>
+        <p:nvPicPr>
+          <p:cNvPr id="217" name="Google Shape;217;p49"/>
+          <p:cNvPicPr preferRelativeResize="0"/>
+          <p:nvPr/>
+        </p:nvPicPr>
+        <p:blipFill rotWithShape="1">
+          <a:blip r:embed="rId5">
+            <a:alphaModFix/>
+          </a:blip>
+          <a:srcRect/>
+          <a:stretch/>
+        </p:blipFill>
+        <p:spPr>
+          <a:xfrm>
+            <a:off x="837651" y="3061406"/>
+            <a:ext cx="692621" cy="692599"/>
+          </a:xfrm>
+          <a:prstGeom prst="rect">
+            <a:avLst/>
+          </a:prstGeom>
+          <a:noFill/>
+          <a:ln>
+            <a:noFill/>
+          </a:ln>
+        </p:spPr>
+      </p:pic>
+      <p:sp>
+        <p:nvSpPr>
+          <p:cNvPr id="218" name="Google Shape;218;p49"/>
+          <p:cNvSpPr txBox="1"/>
+          <p:nvPr/>
+        </p:nvSpPr>
+        <p:spPr>
+          <a:xfrm>
+            <a:off x="1654525" y="1252250"/>
+            <a:ext cx="2475300" cy="646500"/>
+          </a:xfrm>
+          <a:prstGeom prst="rect">
+            <a:avLst/>
+          </a:prstGeom>
+          <a:noFill/>
+          <a:ln>
+            <a:noFill/>
+          </a:ln>
+        </p:spPr>
+        <p:txBody>
+          <a:bodyPr spcFirstLastPara="1" wrap="square" lIns="91425" tIns="91425" rIns="91425" bIns="91425" anchor="t" anchorCtr="0">
+            <a:spAutoFit/>
+          </a:bodyPr>
+          <a:lstStyle/>
+          <a:p>
+            <a:pPr marL="0" lvl="0" indent="0" algn="l" rtl="0">
+              <a:spcBef>
+                <a:spcPts val="0"/>
+              </a:spcBef>
+              <a:spcAft>
+                <a:spcPts val="0"/>
+              </a:spcAft>
+              <a:buNone/>
+            </a:pPr>
+            <a:r>
+              <a:rPr lang="ru" sz="1500">
+                <a:latin typeface="Roboto"/>
+                <a:ea typeface="Roboto"/>
+                <a:cs typeface="Roboto"/>
+                <a:sym typeface="Roboto"/>
+              </a:rPr>
+              <a:t>Активно</a:t>
+            </a:r>
+            <a:endParaRPr sz="1500">
+              <a:latin typeface="Roboto"/>
+              <a:ea typeface="Roboto"/>
+              <a:cs typeface="Roboto"/>
+              <a:sym typeface="Roboto"/>
+            </a:endParaRPr>
+          </a:p>
+          <a:p>
+            <a:pPr marL="0" lvl="0" indent="0" algn="l" rtl="0">
+              <a:spcBef>
+                <a:spcPts val="0"/>
+              </a:spcBef>
+              <a:spcAft>
+                <a:spcPts val="0"/>
+              </a:spcAft>
+              <a:buNone/>
+            </a:pPr>
+            <a:r>
+              <a:rPr lang="ru" sz="1500">
+                <a:latin typeface="Roboto"/>
+                <a:ea typeface="Roboto"/>
+                <a:cs typeface="Roboto"/>
+                <a:sym typeface="Roboto"/>
+              </a:rPr>
+              <a:t>участвуем</a:t>
+            </a:r>
+            <a:endParaRPr sz="1500">
+              <a:latin typeface="Roboto"/>
+              <a:ea typeface="Roboto"/>
+              <a:cs typeface="Roboto"/>
+              <a:sym typeface="Roboto"/>
+            </a:endParaRPr>
+          </a:p>
+        </p:txBody>
+      </p:sp>
+      <p:sp>
+        <p:nvSpPr>
+          <p:cNvPr id="219" name="Google Shape;219;p49"/>
+          <p:cNvSpPr txBox="1"/>
+          <p:nvPr/>
+        </p:nvSpPr>
+        <p:spPr>
+          <a:xfrm>
+            <a:off x="1654525" y="3066419"/>
+            <a:ext cx="3231000" cy="646500"/>
+          </a:xfrm>
+          <a:prstGeom prst="rect">
+            <a:avLst/>
+          </a:prstGeom>
+          <a:noFill/>
+          <a:ln>
+            <a:noFill/>
+          </a:ln>
+        </p:spPr>
+        <p:txBody>
+          <a:bodyPr spcFirstLastPara="1" wrap="square" lIns="91425" tIns="91425" rIns="91425" bIns="91425" anchor="t" anchorCtr="0">
+            <a:spAutoFit/>
+          </a:bodyPr>
+          <a:lstStyle/>
+          <a:p>
+            <a:pPr marL="0" lvl="0" indent="0" algn="l" rtl="0">
+              <a:spcBef>
+                <a:spcPts val="0"/>
+              </a:spcBef>
+              <a:spcAft>
+                <a:spcPts val="0"/>
+              </a:spcAft>
+              <a:buNone/>
+            </a:pPr>
+            <a:r>
+              <a:rPr lang="ru" sz="1500" dirty="0">
+                <a:latin typeface="Roboto"/>
+                <a:ea typeface="Roboto"/>
+                <a:cs typeface="Roboto"/>
+                <a:sym typeface="Roboto"/>
+              </a:rPr>
+              <a:t>Задаем вопрос</a:t>
+            </a:r>
+            <a:endParaRPr sz="1500" dirty="0">
+              <a:latin typeface="Roboto"/>
+              <a:ea typeface="Roboto"/>
+              <a:cs typeface="Roboto"/>
+              <a:sym typeface="Roboto"/>
+            </a:endParaRPr>
+          </a:p>
+          <a:p>
+            <a:pPr marL="0" lvl="0" indent="0" algn="l" rtl="0">
+              <a:spcBef>
+                <a:spcPts val="0"/>
+              </a:spcBef>
+              <a:spcAft>
+                <a:spcPts val="0"/>
+              </a:spcAft>
+              <a:buNone/>
+            </a:pPr>
+            <a:r>
+              <a:rPr lang="ru" sz="1500" dirty="0">
+                <a:latin typeface="Roboto"/>
+                <a:ea typeface="Roboto"/>
+                <a:cs typeface="Roboto"/>
+                <a:sym typeface="Roboto"/>
+              </a:rPr>
+              <a:t>в чат</a:t>
+            </a:r>
+            <a:endParaRPr sz="1500" dirty="0">
+              <a:latin typeface="Roboto"/>
+              <a:ea typeface="Roboto"/>
+              <a:cs typeface="Roboto"/>
+              <a:sym typeface="Roboto"/>
+            </a:endParaRPr>
+          </a:p>
+        </p:txBody>
+      </p:sp>
+      <p:sp>
+        <p:nvSpPr>
+          <p:cNvPr id="220" name="Google Shape;220;p49"/>
+          <p:cNvSpPr txBox="1"/>
+          <p:nvPr/>
+        </p:nvSpPr>
+        <p:spPr>
+          <a:xfrm>
+            <a:off x="1654525" y="3975059"/>
+            <a:ext cx="3231000" cy="646500"/>
+          </a:xfrm>
+          <a:prstGeom prst="rect">
+            <a:avLst/>
+          </a:prstGeom>
+          <a:noFill/>
+          <a:ln>
+            <a:noFill/>
+          </a:ln>
+        </p:spPr>
+        <p:txBody>
+          <a:bodyPr spcFirstLastPara="1" wrap="square" lIns="91425" tIns="91425" rIns="91425" bIns="91425" anchor="t" anchorCtr="0">
+            <a:spAutoFit/>
+          </a:bodyPr>
+          <a:lstStyle/>
+          <a:p>
+            <a:pPr marL="0" lvl="0" indent="0" algn="l" rtl="0">
+              <a:spcBef>
+                <a:spcPts val="0"/>
+              </a:spcBef>
+              <a:spcAft>
+                <a:spcPts val="0"/>
+              </a:spcAft>
+              <a:buNone/>
+            </a:pPr>
+            <a:r>
+              <a:rPr lang="ru" sz="1500">
+                <a:latin typeface="Roboto"/>
+                <a:ea typeface="Roboto"/>
+                <a:cs typeface="Roboto"/>
+                <a:sym typeface="Roboto"/>
+              </a:rPr>
+              <a:t>Вопросы вижу в чате,</a:t>
+            </a:r>
+            <a:endParaRPr sz="1500">
+              <a:latin typeface="Roboto"/>
+              <a:ea typeface="Roboto"/>
+              <a:cs typeface="Roboto"/>
+              <a:sym typeface="Roboto"/>
+            </a:endParaRPr>
+          </a:p>
+          <a:p>
+            <a:pPr marL="0" lvl="0" indent="0" algn="l" rtl="0">
+              <a:spcBef>
+                <a:spcPts val="0"/>
+              </a:spcBef>
+              <a:spcAft>
+                <a:spcPts val="0"/>
+              </a:spcAft>
+              <a:buNone/>
+            </a:pPr>
+            <a:r>
+              <a:rPr lang="ru" sz="1500">
+                <a:latin typeface="Roboto"/>
+                <a:ea typeface="Roboto"/>
+                <a:cs typeface="Roboto"/>
+                <a:sym typeface="Roboto"/>
+              </a:rPr>
+              <a:t>могу ответить не сразу</a:t>
+            </a:r>
+            <a:endParaRPr sz="1500">
+              <a:latin typeface="Roboto"/>
+              <a:ea typeface="Roboto"/>
+              <a:cs typeface="Roboto"/>
+              <a:sym typeface="Roboto"/>
+            </a:endParaRPr>
+          </a:p>
+        </p:txBody>
+      </p:sp>
+      <p:sp>
+        <p:nvSpPr>
+          <p:cNvPr id="221" name="Google Shape;221;p49"/>
+          <p:cNvSpPr txBox="1"/>
+          <p:nvPr/>
+        </p:nvSpPr>
+        <p:spPr>
+          <a:xfrm>
+            <a:off x="1654525" y="2049300"/>
+            <a:ext cx="2475300" cy="877200"/>
+          </a:xfrm>
+          <a:prstGeom prst="rect">
+            <a:avLst/>
+          </a:prstGeom>
+          <a:noFill/>
+          <a:ln>
+            <a:noFill/>
+          </a:ln>
+        </p:spPr>
+        <p:txBody>
+          <a:bodyPr spcFirstLastPara="1" wrap="square" lIns="91425" tIns="91425" rIns="91425" bIns="91425" anchor="t" anchorCtr="0">
+            <a:spAutoFit/>
+          </a:bodyPr>
+          <a:lstStyle/>
+          <a:p>
+            <a:pPr marL="0" lvl="0" indent="0" algn="l" rtl="0">
+              <a:spcBef>
+                <a:spcPts val="0"/>
+              </a:spcBef>
+              <a:spcAft>
+                <a:spcPts val="0"/>
+              </a:spcAft>
+              <a:buNone/>
+            </a:pPr>
+            <a:r>
+              <a:rPr lang="ru" sz="1500">
+                <a:latin typeface="Roboto"/>
+                <a:ea typeface="Roboto"/>
+                <a:cs typeface="Roboto"/>
+                <a:sym typeface="Roboto"/>
+              </a:rPr>
+              <a:t>Off-topic обсуждаем</a:t>
+            </a:r>
+            <a:endParaRPr sz="1500">
+              <a:latin typeface="Roboto"/>
+              <a:ea typeface="Roboto"/>
+              <a:cs typeface="Roboto"/>
+              <a:sym typeface="Roboto"/>
+            </a:endParaRPr>
+          </a:p>
+          <a:p>
+            <a:pPr marL="0" lvl="0" indent="0" algn="l" rtl="0">
+              <a:spcBef>
+                <a:spcPts val="0"/>
+              </a:spcBef>
+              <a:spcAft>
+                <a:spcPts val="0"/>
+              </a:spcAft>
+              <a:buNone/>
+            </a:pPr>
+            <a:r>
+              <a:rPr lang="ru" sz="1500">
+                <a:latin typeface="Roboto"/>
+                <a:ea typeface="Roboto"/>
+                <a:cs typeface="Roboto"/>
+                <a:sym typeface="Roboto"/>
+              </a:rPr>
+              <a:t>в учебной группе </a:t>
+            </a:r>
+            <a:endParaRPr sz="1500">
+              <a:latin typeface="Roboto"/>
+              <a:ea typeface="Roboto"/>
+              <a:cs typeface="Roboto"/>
+              <a:sym typeface="Roboto"/>
+            </a:endParaRPr>
+          </a:p>
+          <a:p>
+            <a:pPr marL="0" lvl="0" indent="0" algn="l" rtl="0">
+              <a:spcBef>
+                <a:spcPts val="0"/>
+              </a:spcBef>
+              <a:spcAft>
+                <a:spcPts val="0"/>
+              </a:spcAft>
+              <a:buNone/>
+            </a:pPr>
+            <a:r>
+              <a:rPr lang="ru" sz="1500">
+                <a:latin typeface="Roboto"/>
+                <a:ea typeface="Roboto"/>
+                <a:cs typeface="Roboto"/>
+                <a:sym typeface="Roboto"/>
+              </a:rPr>
+              <a:t>#</a:t>
+            </a:r>
+            <a:r>
+              <a:rPr lang="ru" sz="1500" b="1">
+                <a:latin typeface="Roboto"/>
+                <a:ea typeface="Roboto"/>
+                <a:cs typeface="Roboto"/>
+                <a:sym typeface="Roboto"/>
+              </a:rPr>
+              <a:t>канал группы</a:t>
+            </a:r>
+            <a:endParaRPr sz="1500">
+              <a:latin typeface="Roboto"/>
+              <a:ea typeface="Roboto"/>
+              <a:cs typeface="Roboto"/>
+              <a:sym typeface="Roboto"/>
+            </a:endParaRPr>
+          </a:p>
+        </p:txBody>
+      </p:sp>
+      <p:sp>
+        <p:nvSpPr>
+          <p:cNvPr id="222" name="Google Shape;222;p49"/>
+          <p:cNvSpPr/>
+          <p:nvPr/>
+        </p:nvSpPr>
+        <p:spPr>
+          <a:xfrm>
+            <a:off x="6046275" y="-8050"/>
+            <a:ext cx="3097500" cy="5143500"/>
+          </a:xfrm>
+          <a:prstGeom prst="rect">
+            <a:avLst/>
+          </a:prstGeom>
+          <a:solidFill>
+            <a:srgbClr val="212121"/>
+          </a:solidFill>
+          <a:ln>
+            <a:noFill/>
+          </a:ln>
+        </p:spPr>
+        <p:txBody>
+          <a:bodyPr spcFirstLastPara="1" wrap="square" lIns="91425" tIns="91425" rIns="91425" bIns="91425" anchor="ctr" anchorCtr="0">
+            <a:noAutofit/>
+          </a:bodyPr>
+          <a:lstStyle/>
+          <a:p>
+            <a:pPr marL="0" lvl="0" indent="0" algn="l" rtl="0">
+              <a:spcBef>
+                <a:spcPts val="0"/>
+              </a:spcBef>
+              <a:spcAft>
+                <a:spcPts val="0"/>
+              </a:spcAft>
+              <a:buNone/>
+            </a:pPr>
+            <a:endParaRPr/>
+          </a:p>
+        </p:txBody>
+      </p:sp>
+      <p:sp>
+        <p:nvSpPr>
+          <p:cNvPr id="223" name="Google Shape;223;p49"/>
+          <p:cNvSpPr txBox="1"/>
+          <p:nvPr/>
+        </p:nvSpPr>
+        <p:spPr>
+          <a:xfrm>
+            <a:off x="6344063" y="1052963"/>
+            <a:ext cx="2044200" cy="800400"/>
+          </a:xfrm>
+          <a:prstGeom prst="rect">
+            <a:avLst/>
+          </a:prstGeom>
+          <a:noFill/>
+          <a:ln>
+            <a:noFill/>
+          </a:ln>
+        </p:spPr>
+        <p:txBody>
+          <a:bodyPr spcFirstLastPara="1" wrap="square" lIns="91425" tIns="91425" rIns="91425" bIns="91425" anchor="t" anchorCtr="0">
+            <a:spAutoFit/>
+          </a:bodyPr>
+          <a:lstStyle/>
+          <a:p>
+            <a:pPr marL="0" lvl="0" indent="0" algn="l" rtl="0">
+              <a:spcBef>
+                <a:spcPts val="0"/>
+              </a:spcBef>
+              <a:spcAft>
+                <a:spcPts val="0"/>
+              </a:spcAft>
+              <a:buNone/>
+            </a:pPr>
+            <a:r>
+              <a:rPr lang="ru" sz="2000" b="1">
+                <a:solidFill>
+                  <a:schemeClr val="lt1"/>
+                </a:solidFill>
+                <a:latin typeface="Roboto"/>
+                <a:ea typeface="Roboto"/>
+                <a:cs typeface="Roboto"/>
+                <a:sym typeface="Roboto"/>
+              </a:rPr>
+              <a:t>Условные </a:t>
+            </a:r>
+            <a:endParaRPr sz="2000" b="1">
+              <a:solidFill>
+                <a:schemeClr val="lt1"/>
+              </a:solidFill>
+              <a:latin typeface="Roboto"/>
+              <a:ea typeface="Roboto"/>
+              <a:cs typeface="Roboto"/>
+              <a:sym typeface="Roboto"/>
+            </a:endParaRPr>
+          </a:p>
+          <a:p>
+            <a:pPr marL="0" lvl="0" indent="0" algn="l" rtl="0">
+              <a:spcBef>
+                <a:spcPts val="0"/>
+              </a:spcBef>
+              <a:spcAft>
+                <a:spcPts val="0"/>
+              </a:spcAft>
+              <a:buNone/>
+            </a:pPr>
+            <a:r>
+              <a:rPr lang="ru" sz="2000" b="1">
+                <a:solidFill>
+                  <a:schemeClr val="lt1"/>
+                </a:solidFill>
+                <a:latin typeface="Roboto"/>
+                <a:ea typeface="Roboto"/>
+                <a:cs typeface="Roboto"/>
+                <a:sym typeface="Roboto"/>
+              </a:rPr>
+              <a:t>обозначения</a:t>
+            </a:r>
+            <a:endParaRPr sz="2000" b="1">
+              <a:solidFill>
+                <a:schemeClr val="lt1"/>
+              </a:solidFill>
+              <a:latin typeface="Roboto"/>
+              <a:ea typeface="Roboto"/>
+              <a:cs typeface="Roboto"/>
+              <a:sym typeface="Roboto"/>
+            </a:endParaRPr>
+          </a:p>
+        </p:txBody>
+      </p:sp>
+      <p:pic>
+        <p:nvPicPr>
+          <p:cNvPr id="224" name="Google Shape;224;p49"/>
+          <p:cNvPicPr preferRelativeResize="0"/>
+          <p:nvPr/>
+        </p:nvPicPr>
+        <p:blipFill rotWithShape="1">
+          <a:blip r:embed="rId6">
+            <a:alphaModFix/>
+          </a:blip>
+          <a:srcRect/>
+          <a:stretch/>
+        </p:blipFill>
+        <p:spPr>
+          <a:xfrm>
+            <a:off x="6438593" y="1912032"/>
+            <a:ext cx="330301" cy="330303"/>
+          </a:xfrm>
+          <a:prstGeom prst="rect">
+            <a:avLst/>
+          </a:prstGeom>
+          <a:noFill/>
+          <a:ln>
+            <a:noFill/>
+          </a:ln>
+        </p:spPr>
+      </p:pic>
+      <p:sp>
+        <p:nvSpPr>
+          <p:cNvPr id="225" name="Google Shape;225;p49"/>
+          <p:cNvSpPr txBox="1"/>
+          <p:nvPr/>
+        </p:nvSpPr>
+        <p:spPr>
+          <a:xfrm>
+            <a:off x="6829363" y="1898744"/>
+            <a:ext cx="2044200" cy="354000"/>
+          </a:xfrm>
+          <a:prstGeom prst="rect">
+            <a:avLst/>
+          </a:prstGeom>
+          <a:noFill/>
+          <a:ln>
+            <a:noFill/>
+          </a:ln>
+        </p:spPr>
+        <p:txBody>
+          <a:bodyPr spcFirstLastPara="1" wrap="square" lIns="91425" tIns="91425" rIns="91425" bIns="91425" anchor="t" anchorCtr="0">
+            <a:spAutoFit/>
+          </a:bodyPr>
+          <a:lstStyle/>
+          <a:p>
+            <a:pPr marL="0" lvl="0" indent="0" algn="l" rtl="0">
+              <a:spcBef>
+                <a:spcPts val="0"/>
+              </a:spcBef>
+              <a:spcAft>
+                <a:spcPts val="0"/>
+              </a:spcAft>
+              <a:buNone/>
+            </a:pPr>
+            <a:r>
+              <a:rPr lang="ru" sz="1100">
+                <a:solidFill>
+                  <a:schemeClr val="lt1"/>
+                </a:solidFill>
+                <a:latin typeface="Roboto"/>
+                <a:ea typeface="Roboto"/>
+                <a:cs typeface="Roboto"/>
+                <a:sym typeface="Roboto"/>
+              </a:rPr>
+              <a:t>Индивидуально</a:t>
+            </a:r>
+            <a:endParaRPr sz="1100">
+              <a:solidFill>
+                <a:schemeClr val="lt1"/>
+              </a:solidFill>
+              <a:latin typeface="Roboto"/>
+              <a:ea typeface="Roboto"/>
+              <a:cs typeface="Roboto"/>
+              <a:sym typeface="Roboto"/>
+            </a:endParaRPr>
+          </a:p>
+        </p:txBody>
+      </p:sp>
+      <p:pic>
+        <p:nvPicPr>
+          <p:cNvPr id="226" name="Google Shape;226;p49"/>
+          <p:cNvPicPr preferRelativeResize="0"/>
+          <p:nvPr/>
+        </p:nvPicPr>
+        <p:blipFill rotWithShape="1">
+          <a:blip r:embed="rId7">
+            <a:alphaModFix/>
+          </a:blip>
+          <a:srcRect/>
+          <a:stretch/>
+        </p:blipFill>
+        <p:spPr>
+          <a:xfrm>
+            <a:off x="6438593" y="2392126"/>
+            <a:ext cx="330301" cy="330303"/>
+          </a:xfrm>
+          <a:prstGeom prst="rect">
+            <a:avLst/>
+          </a:prstGeom>
+          <a:noFill/>
+          <a:ln>
+            <a:noFill/>
+          </a:ln>
+        </p:spPr>
+      </p:pic>
+      <p:sp>
+        <p:nvSpPr>
+          <p:cNvPr id="227" name="Google Shape;227;p49"/>
+          <p:cNvSpPr txBox="1"/>
+          <p:nvPr/>
+        </p:nvSpPr>
+        <p:spPr>
+          <a:xfrm>
+            <a:off x="6829363" y="2291099"/>
+            <a:ext cx="2044200" cy="523200"/>
+          </a:xfrm>
+          <a:prstGeom prst="rect">
+            <a:avLst/>
+          </a:prstGeom>
+          <a:noFill/>
+          <a:ln>
+            <a:noFill/>
+          </a:ln>
+        </p:spPr>
+        <p:txBody>
+          <a:bodyPr spcFirstLastPara="1" wrap="square" lIns="91425" tIns="91425" rIns="91425" bIns="91425" anchor="t" anchorCtr="0">
+            <a:spAutoFit/>
+          </a:bodyPr>
+          <a:lstStyle/>
+          <a:p>
+            <a:pPr marL="0" lvl="0" indent="0" algn="l" rtl="0">
+              <a:spcBef>
+                <a:spcPts val="0"/>
+              </a:spcBef>
+              <a:spcAft>
+                <a:spcPts val="0"/>
+              </a:spcAft>
+              <a:buNone/>
+            </a:pPr>
+            <a:r>
+              <a:rPr lang="ru" sz="1100">
+                <a:solidFill>
+                  <a:schemeClr val="lt1"/>
+                </a:solidFill>
+                <a:latin typeface="Roboto"/>
+                <a:ea typeface="Roboto"/>
+                <a:cs typeface="Roboto"/>
+                <a:sym typeface="Roboto"/>
+              </a:rPr>
+              <a:t>Время, необходимое</a:t>
+            </a:r>
+            <a:endParaRPr sz="1100">
+              <a:solidFill>
+                <a:schemeClr val="lt1"/>
+              </a:solidFill>
+              <a:latin typeface="Roboto"/>
+              <a:ea typeface="Roboto"/>
+              <a:cs typeface="Roboto"/>
+              <a:sym typeface="Roboto"/>
+            </a:endParaRPr>
+          </a:p>
+          <a:p>
+            <a:pPr marL="0" lvl="0" indent="0" algn="l" rtl="0">
+              <a:spcBef>
+                <a:spcPts val="0"/>
+              </a:spcBef>
+              <a:spcAft>
+                <a:spcPts val="0"/>
+              </a:spcAft>
+              <a:buNone/>
+            </a:pPr>
+            <a:r>
+              <a:rPr lang="ru" sz="1100">
+                <a:solidFill>
+                  <a:schemeClr val="lt1"/>
+                </a:solidFill>
+                <a:latin typeface="Roboto"/>
+                <a:ea typeface="Roboto"/>
+                <a:cs typeface="Roboto"/>
+                <a:sym typeface="Roboto"/>
+              </a:rPr>
+              <a:t>на активность</a:t>
+            </a:r>
+            <a:endParaRPr sz="1100">
+              <a:solidFill>
+                <a:schemeClr val="lt1"/>
+              </a:solidFill>
+              <a:latin typeface="Roboto"/>
+              <a:ea typeface="Roboto"/>
+              <a:cs typeface="Roboto"/>
+              <a:sym typeface="Roboto"/>
+            </a:endParaRPr>
+          </a:p>
+        </p:txBody>
+      </p:sp>
+      <p:pic>
+        <p:nvPicPr>
+          <p:cNvPr id="228" name="Google Shape;228;p49"/>
+          <p:cNvPicPr preferRelativeResize="0"/>
+          <p:nvPr/>
+        </p:nvPicPr>
+        <p:blipFill rotWithShape="1">
+          <a:blip r:embed="rId8">
+            <a:alphaModFix/>
+          </a:blip>
+          <a:srcRect/>
+          <a:stretch/>
+        </p:blipFill>
+        <p:spPr>
+          <a:xfrm>
+            <a:off x="6438593" y="2872220"/>
+            <a:ext cx="330301" cy="330303"/>
+          </a:xfrm>
+          <a:prstGeom prst="rect">
+            <a:avLst/>
+          </a:prstGeom>
+          <a:noFill/>
+          <a:ln>
+            <a:noFill/>
+          </a:ln>
+        </p:spPr>
+      </p:pic>
+      <p:sp>
+        <p:nvSpPr>
+          <p:cNvPr id="229" name="Google Shape;229;p49"/>
+          <p:cNvSpPr txBox="1"/>
+          <p:nvPr/>
+        </p:nvSpPr>
+        <p:spPr>
+          <a:xfrm>
+            <a:off x="6829363" y="2873300"/>
+            <a:ext cx="2044200" cy="354000"/>
+          </a:xfrm>
+          <a:prstGeom prst="rect">
+            <a:avLst/>
+          </a:prstGeom>
+          <a:noFill/>
+          <a:ln>
+            <a:noFill/>
+          </a:ln>
+        </p:spPr>
+        <p:txBody>
+          <a:bodyPr spcFirstLastPara="1" wrap="square" lIns="91425" tIns="91425" rIns="91425" bIns="91425" anchor="t" anchorCtr="0">
+            <a:spAutoFit/>
+          </a:bodyPr>
+          <a:lstStyle/>
+          <a:p>
+            <a:pPr marL="0" lvl="0" indent="0" algn="l" rtl="0">
+              <a:spcBef>
+                <a:spcPts val="0"/>
+              </a:spcBef>
+              <a:spcAft>
+                <a:spcPts val="0"/>
+              </a:spcAft>
+              <a:buNone/>
+            </a:pPr>
+            <a:r>
+              <a:rPr lang="ru" sz="1100">
+                <a:solidFill>
+                  <a:schemeClr val="lt1"/>
+                </a:solidFill>
+                <a:latin typeface="Roboto"/>
+                <a:ea typeface="Roboto"/>
+                <a:cs typeface="Roboto"/>
+                <a:sym typeface="Roboto"/>
+              </a:rPr>
+              <a:t>Пишем в чат</a:t>
+            </a:r>
+            <a:endParaRPr sz="1100">
+              <a:solidFill>
+                <a:schemeClr val="lt1"/>
+              </a:solidFill>
+              <a:latin typeface="Roboto"/>
+              <a:ea typeface="Roboto"/>
+              <a:cs typeface="Roboto"/>
+              <a:sym typeface="Roboto"/>
+            </a:endParaRPr>
+          </a:p>
+        </p:txBody>
+      </p:sp>
+      <p:pic>
+        <p:nvPicPr>
+          <p:cNvPr id="230" name="Google Shape;230;p49"/>
+          <p:cNvPicPr preferRelativeResize="0"/>
+          <p:nvPr/>
+        </p:nvPicPr>
+        <p:blipFill rotWithShape="1">
+          <a:blip r:embed="rId9">
+            <a:alphaModFix/>
+          </a:blip>
+          <a:srcRect/>
+          <a:stretch/>
+        </p:blipFill>
+        <p:spPr>
+          <a:xfrm>
+            <a:off x="6438593" y="3352314"/>
+            <a:ext cx="330301" cy="330303"/>
+          </a:xfrm>
+          <a:prstGeom prst="rect">
+            <a:avLst/>
+          </a:prstGeom>
+          <a:noFill/>
+          <a:ln>
+            <a:noFill/>
+          </a:ln>
+        </p:spPr>
+      </p:pic>
+      <p:sp>
+        <p:nvSpPr>
+          <p:cNvPr id="231" name="Google Shape;231;p49"/>
+          <p:cNvSpPr txBox="1"/>
+          <p:nvPr/>
+        </p:nvSpPr>
+        <p:spPr>
+          <a:xfrm>
+            <a:off x="6829363" y="3359347"/>
+            <a:ext cx="2044200" cy="354000"/>
+          </a:xfrm>
+          <a:prstGeom prst="rect">
+            <a:avLst/>
+          </a:prstGeom>
+          <a:noFill/>
+          <a:ln>
+            <a:noFill/>
+          </a:ln>
+        </p:spPr>
+        <p:txBody>
+          <a:bodyPr spcFirstLastPara="1" wrap="square" lIns="91425" tIns="91425" rIns="91425" bIns="91425" anchor="t" anchorCtr="0">
+            <a:spAutoFit/>
+          </a:bodyPr>
+          <a:lstStyle/>
+          <a:p>
+            <a:pPr marL="0" lvl="0" indent="0" algn="l" rtl="0">
+              <a:spcBef>
+                <a:spcPts val="0"/>
+              </a:spcBef>
+              <a:spcAft>
+                <a:spcPts val="0"/>
+              </a:spcAft>
+              <a:buNone/>
+            </a:pPr>
+            <a:r>
+              <a:rPr lang="ru" sz="1100">
+                <a:solidFill>
+                  <a:schemeClr val="lt1"/>
+                </a:solidFill>
+                <a:latin typeface="Roboto"/>
+                <a:ea typeface="Roboto"/>
+                <a:cs typeface="Roboto"/>
+                <a:sym typeface="Roboto"/>
+              </a:rPr>
+              <a:t>Говорим голосом</a:t>
+            </a:r>
+            <a:endParaRPr sz="1100">
+              <a:solidFill>
+                <a:schemeClr val="lt1"/>
+              </a:solidFill>
+              <a:latin typeface="Roboto"/>
+              <a:ea typeface="Roboto"/>
+              <a:cs typeface="Roboto"/>
+              <a:sym typeface="Roboto"/>
+            </a:endParaRPr>
+          </a:p>
+        </p:txBody>
+      </p:sp>
+      <p:pic>
+        <p:nvPicPr>
+          <p:cNvPr id="232" name="Google Shape;232;p49"/>
+          <p:cNvPicPr preferRelativeResize="0"/>
+          <p:nvPr/>
+        </p:nvPicPr>
+        <p:blipFill rotWithShape="1">
+          <a:blip r:embed="rId10">
+            <a:alphaModFix/>
+          </a:blip>
+          <a:srcRect/>
+          <a:stretch/>
+        </p:blipFill>
+        <p:spPr>
+          <a:xfrm>
+            <a:off x="6438593" y="3832409"/>
+            <a:ext cx="330301" cy="330301"/>
+          </a:xfrm>
+          <a:prstGeom prst="rect">
+            <a:avLst/>
+          </a:prstGeom>
+          <a:noFill/>
+          <a:ln>
+            <a:noFill/>
+          </a:ln>
+        </p:spPr>
+      </p:pic>
+      <p:sp>
+        <p:nvSpPr>
+          <p:cNvPr id="233" name="Google Shape;233;p49"/>
+          <p:cNvSpPr txBox="1"/>
+          <p:nvPr/>
+        </p:nvSpPr>
+        <p:spPr>
+          <a:xfrm>
+            <a:off x="6829363" y="3827568"/>
+            <a:ext cx="2044200" cy="354000"/>
+          </a:xfrm>
+          <a:prstGeom prst="rect">
+            <a:avLst/>
+          </a:prstGeom>
+          <a:noFill/>
+          <a:ln>
+            <a:noFill/>
+          </a:ln>
+        </p:spPr>
+        <p:txBody>
+          <a:bodyPr spcFirstLastPara="1" wrap="square" lIns="91425" tIns="91425" rIns="91425" bIns="91425" anchor="t" anchorCtr="0">
+            <a:spAutoFit/>
+          </a:bodyPr>
+          <a:lstStyle/>
+          <a:p>
+            <a:pPr marL="0" lvl="0" indent="0" algn="l" rtl="0">
+              <a:spcBef>
+                <a:spcPts val="0"/>
+              </a:spcBef>
+              <a:spcAft>
+                <a:spcPts val="0"/>
+              </a:spcAft>
+              <a:buNone/>
+            </a:pPr>
+            <a:r>
+              <a:rPr lang="ru" sz="1100">
+                <a:solidFill>
+                  <a:schemeClr val="lt1"/>
+                </a:solidFill>
+                <a:latin typeface="Roboto"/>
+                <a:ea typeface="Roboto"/>
+                <a:cs typeface="Roboto"/>
+                <a:sym typeface="Roboto"/>
+              </a:rPr>
+              <a:t>Документ</a:t>
+            </a:r>
+            <a:endParaRPr sz="1100">
+              <a:solidFill>
+                <a:schemeClr val="lt1"/>
+              </a:solidFill>
+              <a:latin typeface="Roboto"/>
+              <a:ea typeface="Roboto"/>
+              <a:cs typeface="Roboto"/>
+              <a:sym typeface="Roboto"/>
+            </a:endParaRPr>
+          </a:p>
+        </p:txBody>
+      </p:sp>
+      <p:pic>
+        <p:nvPicPr>
+          <p:cNvPr id="234" name="Google Shape;234;p49"/>
+          <p:cNvPicPr preferRelativeResize="0"/>
+          <p:nvPr/>
+        </p:nvPicPr>
+        <p:blipFill rotWithShape="1">
+          <a:blip r:embed="rId11">
+            <a:alphaModFix/>
+          </a:blip>
+          <a:srcRect/>
+          <a:stretch/>
+        </p:blipFill>
+        <p:spPr>
+          <a:xfrm>
+            <a:off x="6438593" y="4312503"/>
+            <a:ext cx="330301" cy="330303"/>
+          </a:xfrm>
+          <a:prstGeom prst="rect">
+            <a:avLst/>
+          </a:prstGeom>
+          <a:noFill/>
+          <a:ln>
+            <a:noFill/>
+          </a:ln>
+        </p:spPr>
+      </p:pic>
+      <p:sp>
+        <p:nvSpPr>
+          <p:cNvPr id="235" name="Google Shape;235;p49"/>
+          <p:cNvSpPr txBox="1"/>
+          <p:nvPr/>
+        </p:nvSpPr>
+        <p:spPr>
+          <a:xfrm>
+            <a:off x="6829363" y="4223086"/>
+            <a:ext cx="2044200" cy="523200"/>
+          </a:xfrm>
+          <a:prstGeom prst="rect">
+            <a:avLst/>
+          </a:prstGeom>
+          <a:noFill/>
+          <a:ln>
+            <a:noFill/>
+          </a:ln>
+        </p:spPr>
+        <p:txBody>
+          <a:bodyPr spcFirstLastPara="1" wrap="square" lIns="91425" tIns="91425" rIns="91425" bIns="91425" anchor="t" anchorCtr="0">
+            <a:spAutoFit/>
+          </a:bodyPr>
+          <a:lstStyle/>
+          <a:p>
+            <a:pPr marL="0" lvl="0" indent="0" algn="l" rtl="0">
+              <a:spcBef>
+                <a:spcPts val="0"/>
+              </a:spcBef>
+              <a:spcAft>
+                <a:spcPts val="0"/>
+              </a:spcAft>
+              <a:buNone/>
+            </a:pPr>
+            <a:r>
+              <a:rPr lang="ru" sz="1100">
+                <a:solidFill>
+                  <a:schemeClr val="lt1"/>
+                </a:solidFill>
+                <a:latin typeface="Roboto"/>
+                <a:ea typeface="Roboto"/>
+                <a:cs typeface="Roboto"/>
+                <a:sym typeface="Roboto"/>
+              </a:rPr>
+              <a:t>Ответьте себе или</a:t>
+            </a:r>
+            <a:endParaRPr sz="1100">
+              <a:solidFill>
+                <a:schemeClr val="lt1"/>
+              </a:solidFill>
+              <a:latin typeface="Roboto"/>
+              <a:ea typeface="Roboto"/>
+              <a:cs typeface="Roboto"/>
+              <a:sym typeface="Roboto"/>
+            </a:endParaRPr>
+          </a:p>
+          <a:p>
+            <a:pPr marL="0" lvl="0" indent="0" algn="l" rtl="0">
+              <a:spcBef>
+                <a:spcPts val="0"/>
+              </a:spcBef>
+              <a:spcAft>
+                <a:spcPts val="0"/>
+              </a:spcAft>
+              <a:buNone/>
+            </a:pPr>
+            <a:r>
+              <a:rPr lang="ru" sz="1100">
+                <a:solidFill>
+                  <a:schemeClr val="lt1"/>
+                </a:solidFill>
+                <a:latin typeface="Roboto"/>
+                <a:ea typeface="Roboto"/>
+                <a:cs typeface="Roboto"/>
+                <a:sym typeface="Roboto"/>
+              </a:rPr>
+              <a:t>задайте вопрос</a:t>
+            </a:r>
+            <a:endParaRPr sz="1100">
+              <a:solidFill>
+                <a:schemeClr val="lt1"/>
+              </a:solidFill>
+              <a:latin typeface="Roboto"/>
+              <a:ea typeface="Roboto"/>
+              <a:cs typeface="Roboto"/>
+              <a:sym typeface="Roboto"/>
+            </a:endParaRPr>
+          </a:p>
+        </p:txBody>
+      </p:sp>
+      <p:pic>
+        <p:nvPicPr>
+          <p:cNvPr id="237" name="Google Shape;237;p49"/>
+          <p:cNvPicPr preferRelativeResize="0"/>
+          <p:nvPr/>
+        </p:nvPicPr>
+        <p:blipFill rotWithShape="1">
+          <a:blip r:embed="rId12">
+            <a:alphaModFix/>
+          </a:blip>
+          <a:srcRect/>
+          <a:stretch/>
+        </p:blipFill>
+        <p:spPr>
+          <a:xfrm>
+            <a:off x="837650" y="2171500"/>
+            <a:ext cx="692625" cy="692625"/>
+          </a:xfrm>
+          <a:prstGeom prst="rect">
+            <a:avLst/>
+          </a:prstGeom>
+          <a:noFill/>
+          <a:ln>
+            <a:noFill/>
+          </a:ln>
+        </p:spPr>
+      </p:pic>
+    </p:spTree>
+  </p:cSld>
+  <p:clrMapOvr>
+    <a:masterClrMapping/>
+  </p:clrMapOvr>
+</p:sld>
+</file>
+
+<file path=ppt/slides/slide30.xml><?xml version="1.0" encoding="utf-8"?>
 <p:sld xmlns:a="http://schemas.openxmlformats.org/drawingml/2006/main" xmlns:r="http://schemas.openxmlformats.org/officeDocument/2006/relationships" xmlns:p="http://schemas.openxmlformats.org/presentationml/2006/main">
   <p:cSld>
     <p:spTree>
@@ -24472,7 +29353,7 @@
 </p:sld>
 </file>
 
-<file path=ppt/slides/slide26.xml><?xml version="1.0" encoding="utf-8"?>
+<file path=ppt/slides/slide31.xml><?xml version="1.0" encoding="utf-8"?>
 <p:sld xmlns:a="http://schemas.openxmlformats.org/drawingml/2006/main" xmlns:r="http://schemas.openxmlformats.org/officeDocument/2006/relationships" xmlns:p="http://schemas.openxmlformats.org/presentationml/2006/main">
   <p:cSld>
     <p:spTree>
@@ -24576,7 +29457,7 @@
 </p:sld>
 </file>
 
-<file path=ppt/slides/slide27.xml><?xml version="1.0" encoding="utf-8"?>
+<file path=ppt/slides/slide32.xml><?xml version="1.0" encoding="utf-8"?>
 <p:sld xmlns:a="http://schemas.openxmlformats.org/drawingml/2006/main" xmlns:r="http://schemas.openxmlformats.org/officeDocument/2006/relationships" xmlns:p="http://schemas.openxmlformats.org/presentationml/2006/main">
   <p:cSld>
     <p:spTree>
@@ -24702,7 +29583,7 @@
 </p:sld>
 </file>
 
-<file path=ppt/slides/slide28.xml><?xml version="1.0" encoding="utf-8"?>
+<file path=ppt/slides/slide33.xml><?xml version="1.0" encoding="utf-8"?>
 <p:sld xmlns:a="http://schemas.openxmlformats.org/drawingml/2006/main" xmlns:r="http://schemas.openxmlformats.org/officeDocument/2006/relationships" xmlns:p="http://schemas.openxmlformats.org/presentationml/2006/main">
   <p:cSld>
     <p:spTree>
@@ -25402,1232 +30283,6 @@
           </a:p>
         </p:txBody>
       </p:sp>
-    </p:spTree>
-  </p:cSld>
-  <p:clrMapOvr>
-    <a:masterClrMapping/>
-  </p:clrMapOvr>
-</p:sld>
-</file>
-
-<file path=ppt/slides/slide3.xml><?xml version="1.0" encoding="utf-8"?>
-<p:sld xmlns:a="http://schemas.openxmlformats.org/drawingml/2006/main" xmlns:r="http://schemas.openxmlformats.org/officeDocument/2006/relationships" xmlns:p="http://schemas.openxmlformats.org/presentationml/2006/main">
-  <p:cSld>
-    <p:spTree>
-      <p:nvGrpSpPr>
-        <p:cNvPr id="1" name="Shape 213"/>
-        <p:cNvGrpSpPr/>
-        <p:nvPr/>
-      </p:nvGrpSpPr>
-      <p:grpSpPr>
-        <a:xfrm>
-          <a:off x="0" y="0"/>
-          <a:ext cx="0" cy="0"/>
-          <a:chOff x="0" y="0"/>
-          <a:chExt cx="0" cy="0"/>
-        </a:xfrm>
-      </p:grpSpPr>
-      <p:sp>
-        <p:nvSpPr>
-          <p:cNvPr id="214" name="Google Shape;214;p49"/>
-          <p:cNvSpPr txBox="1">
-            <a:spLocks noGrp="1"/>
-          </p:cNvSpPr>
-          <p:nvPr>
-            <p:ph type="title"/>
-          </p:nvPr>
-        </p:nvSpPr>
-        <p:spPr>
-          <a:xfrm>
-            <a:off x="500550" y="330724"/>
-            <a:ext cx="8520600" cy="1095900"/>
-          </a:xfrm>
-          <a:prstGeom prst="rect">
-            <a:avLst/>
-          </a:prstGeom>
-        </p:spPr>
-        <p:txBody>
-          <a:bodyPr spcFirstLastPara="1" wrap="square" lIns="91425" tIns="91425" rIns="91425" bIns="91425" anchor="t" anchorCtr="0">
-            <a:noAutofit/>
-          </a:bodyPr>
-          <a:lstStyle/>
-          <a:p>
-            <a:pPr marL="0" lvl="0" indent="0" algn="l" rtl="0">
-              <a:spcBef>
-                <a:spcPts val="0"/>
-              </a:spcBef>
-              <a:spcAft>
-                <a:spcPts val="0"/>
-              </a:spcAft>
-              <a:buNone/>
-            </a:pPr>
-            <a:r>
-              <a:rPr lang="ru" sz="3200" b="1"/>
-              <a:t>Правила вебинара</a:t>
-            </a:r>
-            <a:endParaRPr sz="3200" b="1"/>
-          </a:p>
-        </p:txBody>
-      </p:sp>
-      <p:pic>
-        <p:nvPicPr>
-          <p:cNvPr id="215" name="Google Shape;215;p49"/>
-          <p:cNvPicPr preferRelativeResize="0"/>
-          <p:nvPr/>
-        </p:nvPicPr>
-        <p:blipFill rotWithShape="1">
-          <a:blip r:embed="rId3">
-            <a:alphaModFix/>
-          </a:blip>
-          <a:srcRect/>
-          <a:stretch/>
-        </p:blipFill>
-        <p:spPr>
-          <a:xfrm>
-            <a:off x="837650" y="3951281"/>
-            <a:ext cx="692621" cy="692620"/>
-          </a:xfrm>
-          <a:prstGeom prst="rect">
-            <a:avLst/>
-          </a:prstGeom>
-          <a:noFill/>
-          <a:ln>
-            <a:noFill/>
-          </a:ln>
-        </p:spPr>
-      </p:pic>
-      <p:pic>
-        <p:nvPicPr>
-          <p:cNvPr id="216" name="Google Shape;216;p49"/>
-          <p:cNvPicPr preferRelativeResize="0"/>
-          <p:nvPr/>
-        </p:nvPicPr>
-        <p:blipFill rotWithShape="1">
-          <a:blip r:embed="rId4">
-            <a:alphaModFix/>
-          </a:blip>
-          <a:srcRect/>
-          <a:stretch/>
-        </p:blipFill>
-        <p:spPr>
-          <a:xfrm>
-            <a:off x="837650" y="1281613"/>
-            <a:ext cx="692621" cy="692620"/>
-          </a:xfrm>
-          <a:prstGeom prst="rect">
-            <a:avLst/>
-          </a:prstGeom>
-          <a:noFill/>
-          <a:ln>
-            <a:noFill/>
-          </a:ln>
-        </p:spPr>
-      </p:pic>
-      <p:pic>
-        <p:nvPicPr>
-          <p:cNvPr id="217" name="Google Shape;217;p49"/>
-          <p:cNvPicPr preferRelativeResize="0"/>
-          <p:nvPr/>
-        </p:nvPicPr>
-        <p:blipFill rotWithShape="1">
-          <a:blip r:embed="rId5">
-            <a:alphaModFix/>
-          </a:blip>
-          <a:srcRect/>
-          <a:stretch/>
-        </p:blipFill>
-        <p:spPr>
-          <a:xfrm>
-            <a:off x="837651" y="3061406"/>
-            <a:ext cx="692621" cy="692599"/>
-          </a:xfrm>
-          <a:prstGeom prst="rect">
-            <a:avLst/>
-          </a:prstGeom>
-          <a:noFill/>
-          <a:ln>
-            <a:noFill/>
-          </a:ln>
-        </p:spPr>
-      </p:pic>
-      <p:sp>
-        <p:nvSpPr>
-          <p:cNvPr id="218" name="Google Shape;218;p49"/>
-          <p:cNvSpPr txBox="1"/>
-          <p:nvPr/>
-        </p:nvSpPr>
-        <p:spPr>
-          <a:xfrm>
-            <a:off x="1654525" y="1252250"/>
-            <a:ext cx="2475300" cy="646500"/>
-          </a:xfrm>
-          <a:prstGeom prst="rect">
-            <a:avLst/>
-          </a:prstGeom>
-          <a:noFill/>
-          <a:ln>
-            <a:noFill/>
-          </a:ln>
-        </p:spPr>
-        <p:txBody>
-          <a:bodyPr spcFirstLastPara="1" wrap="square" lIns="91425" tIns="91425" rIns="91425" bIns="91425" anchor="t" anchorCtr="0">
-            <a:spAutoFit/>
-          </a:bodyPr>
-          <a:lstStyle/>
-          <a:p>
-            <a:pPr marL="0" lvl="0" indent="0" algn="l" rtl="0">
-              <a:spcBef>
-                <a:spcPts val="0"/>
-              </a:spcBef>
-              <a:spcAft>
-                <a:spcPts val="0"/>
-              </a:spcAft>
-              <a:buNone/>
-            </a:pPr>
-            <a:r>
-              <a:rPr lang="ru" sz="1500">
-                <a:latin typeface="Roboto"/>
-                <a:ea typeface="Roboto"/>
-                <a:cs typeface="Roboto"/>
-                <a:sym typeface="Roboto"/>
-              </a:rPr>
-              <a:t>Активно</a:t>
-            </a:r>
-            <a:endParaRPr sz="1500">
-              <a:latin typeface="Roboto"/>
-              <a:ea typeface="Roboto"/>
-              <a:cs typeface="Roboto"/>
-              <a:sym typeface="Roboto"/>
-            </a:endParaRPr>
-          </a:p>
-          <a:p>
-            <a:pPr marL="0" lvl="0" indent="0" algn="l" rtl="0">
-              <a:spcBef>
-                <a:spcPts val="0"/>
-              </a:spcBef>
-              <a:spcAft>
-                <a:spcPts val="0"/>
-              </a:spcAft>
-              <a:buNone/>
-            </a:pPr>
-            <a:r>
-              <a:rPr lang="ru" sz="1500">
-                <a:latin typeface="Roboto"/>
-                <a:ea typeface="Roboto"/>
-                <a:cs typeface="Roboto"/>
-                <a:sym typeface="Roboto"/>
-              </a:rPr>
-              <a:t>участвуем</a:t>
-            </a:r>
-            <a:endParaRPr sz="1500">
-              <a:latin typeface="Roboto"/>
-              <a:ea typeface="Roboto"/>
-              <a:cs typeface="Roboto"/>
-              <a:sym typeface="Roboto"/>
-            </a:endParaRPr>
-          </a:p>
-        </p:txBody>
-      </p:sp>
-      <p:sp>
-        <p:nvSpPr>
-          <p:cNvPr id="219" name="Google Shape;219;p49"/>
-          <p:cNvSpPr txBox="1"/>
-          <p:nvPr/>
-        </p:nvSpPr>
-        <p:spPr>
-          <a:xfrm>
-            <a:off x="1654525" y="3066419"/>
-            <a:ext cx="3231000" cy="646500"/>
-          </a:xfrm>
-          <a:prstGeom prst="rect">
-            <a:avLst/>
-          </a:prstGeom>
-          <a:noFill/>
-          <a:ln>
-            <a:noFill/>
-          </a:ln>
-        </p:spPr>
-        <p:txBody>
-          <a:bodyPr spcFirstLastPara="1" wrap="square" lIns="91425" tIns="91425" rIns="91425" bIns="91425" anchor="t" anchorCtr="0">
-            <a:spAutoFit/>
-          </a:bodyPr>
-          <a:lstStyle/>
-          <a:p>
-            <a:pPr marL="0" lvl="0" indent="0" algn="l" rtl="0">
-              <a:spcBef>
-                <a:spcPts val="0"/>
-              </a:spcBef>
-              <a:spcAft>
-                <a:spcPts val="0"/>
-              </a:spcAft>
-              <a:buNone/>
-            </a:pPr>
-            <a:r>
-              <a:rPr lang="ru" sz="1500" dirty="0">
-                <a:latin typeface="Roboto"/>
-                <a:ea typeface="Roboto"/>
-                <a:cs typeface="Roboto"/>
-                <a:sym typeface="Roboto"/>
-              </a:rPr>
-              <a:t>Задаем вопрос</a:t>
-            </a:r>
-            <a:endParaRPr sz="1500" dirty="0">
-              <a:latin typeface="Roboto"/>
-              <a:ea typeface="Roboto"/>
-              <a:cs typeface="Roboto"/>
-              <a:sym typeface="Roboto"/>
-            </a:endParaRPr>
-          </a:p>
-          <a:p>
-            <a:pPr marL="0" lvl="0" indent="0" algn="l" rtl="0">
-              <a:spcBef>
-                <a:spcPts val="0"/>
-              </a:spcBef>
-              <a:spcAft>
-                <a:spcPts val="0"/>
-              </a:spcAft>
-              <a:buNone/>
-            </a:pPr>
-            <a:r>
-              <a:rPr lang="ru" sz="1500" dirty="0">
-                <a:latin typeface="Roboto"/>
-                <a:ea typeface="Roboto"/>
-                <a:cs typeface="Roboto"/>
-                <a:sym typeface="Roboto"/>
-              </a:rPr>
-              <a:t>в чат</a:t>
-            </a:r>
-            <a:endParaRPr sz="1500" dirty="0">
-              <a:latin typeface="Roboto"/>
-              <a:ea typeface="Roboto"/>
-              <a:cs typeface="Roboto"/>
-              <a:sym typeface="Roboto"/>
-            </a:endParaRPr>
-          </a:p>
-        </p:txBody>
-      </p:sp>
-      <p:sp>
-        <p:nvSpPr>
-          <p:cNvPr id="220" name="Google Shape;220;p49"/>
-          <p:cNvSpPr txBox="1"/>
-          <p:nvPr/>
-        </p:nvSpPr>
-        <p:spPr>
-          <a:xfrm>
-            <a:off x="1654525" y="3975059"/>
-            <a:ext cx="3231000" cy="646500"/>
-          </a:xfrm>
-          <a:prstGeom prst="rect">
-            <a:avLst/>
-          </a:prstGeom>
-          <a:noFill/>
-          <a:ln>
-            <a:noFill/>
-          </a:ln>
-        </p:spPr>
-        <p:txBody>
-          <a:bodyPr spcFirstLastPara="1" wrap="square" lIns="91425" tIns="91425" rIns="91425" bIns="91425" anchor="t" anchorCtr="0">
-            <a:spAutoFit/>
-          </a:bodyPr>
-          <a:lstStyle/>
-          <a:p>
-            <a:pPr marL="0" lvl="0" indent="0" algn="l" rtl="0">
-              <a:spcBef>
-                <a:spcPts val="0"/>
-              </a:spcBef>
-              <a:spcAft>
-                <a:spcPts val="0"/>
-              </a:spcAft>
-              <a:buNone/>
-            </a:pPr>
-            <a:r>
-              <a:rPr lang="ru" sz="1500">
-                <a:latin typeface="Roboto"/>
-                <a:ea typeface="Roboto"/>
-                <a:cs typeface="Roboto"/>
-                <a:sym typeface="Roboto"/>
-              </a:rPr>
-              <a:t>Вопросы вижу в чате,</a:t>
-            </a:r>
-            <a:endParaRPr sz="1500">
-              <a:latin typeface="Roboto"/>
-              <a:ea typeface="Roboto"/>
-              <a:cs typeface="Roboto"/>
-              <a:sym typeface="Roboto"/>
-            </a:endParaRPr>
-          </a:p>
-          <a:p>
-            <a:pPr marL="0" lvl="0" indent="0" algn="l" rtl="0">
-              <a:spcBef>
-                <a:spcPts val="0"/>
-              </a:spcBef>
-              <a:spcAft>
-                <a:spcPts val="0"/>
-              </a:spcAft>
-              <a:buNone/>
-            </a:pPr>
-            <a:r>
-              <a:rPr lang="ru" sz="1500">
-                <a:latin typeface="Roboto"/>
-                <a:ea typeface="Roboto"/>
-                <a:cs typeface="Roboto"/>
-                <a:sym typeface="Roboto"/>
-              </a:rPr>
-              <a:t>могу ответить не сразу</a:t>
-            </a:r>
-            <a:endParaRPr sz="1500">
-              <a:latin typeface="Roboto"/>
-              <a:ea typeface="Roboto"/>
-              <a:cs typeface="Roboto"/>
-              <a:sym typeface="Roboto"/>
-            </a:endParaRPr>
-          </a:p>
-        </p:txBody>
-      </p:sp>
-      <p:sp>
-        <p:nvSpPr>
-          <p:cNvPr id="221" name="Google Shape;221;p49"/>
-          <p:cNvSpPr txBox="1"/>
-          <p:nvPr/>
-        </p:nvSpPr>
-        <p:spPr>
-          <a:xfrm>
-            <a:off x="1654525" y="2049300"/>
-            <a:ext cx="2475300" cy="877200"/>
-          </a:xfrm>
-          <a:prstGeom prst="rect">
-            <a:avLst/>
-          </a:prstGeom>
-          <a:noFill/>
-          <a:ln>
-            <a:noFill/>
-          </a:ln>
-        </p:spPr>
-        <p:txBody>
-          <a:bodyPr spcFirstLastPara="1" wrap="square" lIns="91425" tIns="91425" rIns="91425" bIns="91425" anchor="t" anchorCtr="0">
-            <a:spAutoFit/>
-          </a:bodyPr>
-          <a:lstStyle/>
-          <a:p>
-            <a:pPr marL="0" lvl="0" indent="0" algn="l" rtl="0">
-              <a:spcBef>
-                <a:spcPts val="0"/>
-              </a:spcBef>
-              <a:spcAft>
-                <a:spcPts val="0"/>
-              </a:spcAft>
-              <a:buNone/>
-            </a:pPr>
-            <a:r>
-              <a:rPr lang="ru" sz="1500">
-                <a:latin typeface="Roboto"/>
-                <a:ea typeface="Roboto"/>
-                <a:cs typeface="Roboto"/>
-                <a:sym typeface="Roboto"/>
-              </a:rPr>
-              <a:t>Off-topic обсуждаем</a:t>
-            </a:r>
-            <a:endParaRPr sz="1500">
-              <a:latin typeface="Roboto"/>
-              <a:ea typeface="Roboto"/>
-              <a:cs typeface="Roboto"/>
-              <a:sym typeface="Roboto"/>
-            </a:endParaRPr>
-          </a:p>
-          <a:p>
-            <a:pPr marL="0" lvl="0" indent="0" algn="l" rtl="0">
-              <a:spcBef>
-                <a:spcPts val="0"/>
-              </a:spcBef>
-              <a:spcAft>
-                <a:spcPts val="0"/>
-              </a:spcAft>
-              <a:buNone/>
-            </a:pPr>
-            <a:r>
-              <a:rPr lang="ru" sz="1500">
-                <a:latin typeface="Roboto"/>
-                <a:ea typeface="Roboto"/>
-                <a:cs typeface="Roboto"/>
-                <a:sym typeface="Roboto"/>
-              </a:rPr>
-              <a:t>в учебной группе </a:t>
-            </a:r>
-            <a:endParaRPr sz="1500">
-              <a:latin typeface="Roboto"/>
-              <a:ea typeface="Roboto"/>
-              <a:cs typeface="Roboto"/>
-              <a:sym typeface="Roboto"/>
-            </a:endParaRPr>
-          </a:p>
-          <a:p>
-            <a:pPr marL="0" lvl="0" indent="0" algn="l" rtl="0">
-              <a:spcBef>
-                <a:spcPts val="0"/>
-              </a:spcBef>
-              <a:spcAft>
-                <a:spcPts val="0"/>
-              </a:spcAft>
-              <a:buNone/>
-            </a:pPr>
-            <a:r>
-              <a:rPr lang="ru" sz="1500">
-                <a:latin typeface="Roboto"/>
-                <a:ea typeface="Roboto"/>
-                <a:cs typeface="Roboto"/>
-                <a:sym typeface="Roboto"/>
-              </a:rPr>
-              <a:t>#</a:t>
-            </a:r>
-            <a:r>
-              <a:rPr lang="ru" sz="1500" b="1">
-                <a:latin typeface="Roboto"/>
-                <a:ea typeface="Roboto"/>
-                <a:cs typeface="Roboto"/>
-                <a:sym typeface="Roboto"/>
-              </a:rPr>
-              <a:t>канал группы</a:t>
-            </a:r>
-            <a:endParaRPr sz="1500">
-              <a:latin typeface="Roboto"/>
-              <a:ea typeface="Roboto"/>
-              <a:cs typeface="Roboto"/>
-              <a:sym typeface="Roboto"/>
-            </a:endParaRPr>
-          </a:p>
-        </p:txBody>
-      </p:sp>
-      <p:sp>
-        <p:nvSpPr>
-          <p:cNvPr id="222" name="Google Shape;222;p49"/>
-          <p:cNvSpPr/>
-          <p:nvPr/>
-        </p:nvSpPr>
-        <p:spPr>
-          <a:xfrm>
-            <a:off x="6046275" y="-8050"/>
-            <a:ext cx="3097500" cy="5143500"/>
-          </a:xfrm>
-          <a:prstGeom prst="rect">
-            <a:avLst/>
-          </a:prstGeom>
-          <a:solidFill>
-            <a:srgbClr val="212121"/>
-          </a:solidFill>
-          <a:ln>
-            <a:noFill/>
-          </a:ln>
-        </p:spPr>
-        <p:txBody>
-          <a:bodyPr spcFirstLastPara="1" wrap="square" lIns="91425" tIns="91425" rIns="91425" bIns="91425" anchor="ctr" anchorCtr="0">
-            <a:noAutofit/>
-          </a:bodyPr>
-          <a:lstStyle/>
-          <a:p>
-            <a:pPr marL="0" lvl="0" indent="0" algn="l" rtl="0">
-              <a:spcBef>
-                <a:spcPts val="0"/>
-              </a:spcBef>
-              <a:spcAft>
-                <a:spcPts val="0"/>
-              </a:spcAft>
-              <a:buNone/>
-            </a:pPr>
-            <a:endParaRPr/>
-          </a:p>
-        </p:txBody>
-      </p:sp>
-      <p:sp>
-        <p:nvSpPr>
-          <p:cNvPr id="223" name="Google Shape;223;p49"/>
-          <p:cNvSpPr txBox="1"/>
-          <p:nvPr/>
-        </p:nvSpPr>
-        <p:spPr>
-          <a:xfrm>
-            <a:off x="6344063" y="1052963"/>
-            <a:ext cx="2044200" cy="800400"/>
-          </a:xfrm>
-          <a:prstGeom prst="rect">
-            <a:avLst/>
-          </a:prstGeom>
-          <a:noFill/>
-          <a:ln>
-            <a:noFill/>
-          </a:ln>
-        </p:spPr>
-        <p:txBody>
-          <a:bodyPr spcFirstLastPara="1" wrap="square" lIns="91425" tIns="91425" rIns="91425" bIns="91425" anchor="t" anchorCtr="0">
-            <a:spAutoFit/>
-          </a:bodyPr>
-          <a:lstStyle/>
-          <a:p>
-            <a:pPr marL="0" lvl="0" indent="0" algn="l" rtl="0">
-              <a:spcBef>
-                <a:spcPts val="0"/>
-              </a:spcBef>
-              <a:spcAft>
-                <a:spcPts val="0"/>
-              </a:spcAft>
-              <a:buNone/>
-            </a:pPr>
-            <a:r>
-              <a:rPr lang="ru" sz="2000" b="1">
-                <a:solidFill>
-                  <a:schemeClr val="lt1"/>
-                </a:solidFill>
-                <a:latin typeface="Roboto"/>
-                <a:ea typeface="Roboto"/>
-                <a:cs typeface="Roboto"/>
-                <a:sym typeface="Roboto"/>
-              </a:rPr>
-              <a:t>Условные </a:t>
-            </a:r>
-            <a:endParaRPr sz="2000" b="1">
-              <a:solidFill>
-                <a:schemeClr val="lt1"/>
-              </a:solidFill>
-              <a:latin typeface="Roboto"/>
-              <a:ea typeface="Roboto"/>
-              <a:cs typeface="Roboto"/>
-              <a:sym typeface="Roboto"/>
-            </a:endParaRPr>
-          </a:p>
-          <a:p>
-            <a:pPr marL="0" lvl="0" indent="0" algn="l" rtl="0">
-              <a:spcBef>
-                <a:spcPts val="0"/>
-              </a:spcBef>
-              <a:spcAft>
-                <a:spcPts val="0"/>
-              </a:spcAft>
-              <a:buNone/>
-            </a:pPr>
-            <a:r>
-              <a:rPr lang="ru" sz="2000" b="1">
-                <a:solidFill>
-                  <a:schemeClr val="lt1"/>
-                </a:solidFill>
-                <a:latin typeface="Roboto"/>
-                <a:ea typeface="Roboto"/>
-                <a:cs typeface="Roboto"/>
-                <a:sym typeface="Roboto"/>
-              </a:rPr>
-              <a:t>обозначения</a:t>
-            </a:r>
-            <a:endParaRPr sz="2000" b="1">
-              <a:solidFill>
-                <a:schemeClr val="lt1"/>
-              </a:solidFill>
-              <a:latin typeface="Roboto"/>
-              <a:ea typeface="Roboto"/>
-              <a:cs typeface="Roboto"/>
-              <a:sym typeface="Roboto"/>
-            </a:endParaRPr>
-          </a:p>
-        </p:txBody>
-      </p:sp>
-      <p:pic>
-        <p:nvPicPr>
-          <p:cNvPr id="224" name="Google Shape;224;p49"/>
-          <p:cNvPicPr preferRelativeResize="0"/>
-          <p:nvPr/>
-        </p:nvPicPr>
-        <p:blipFill rotWithShape="1">
-          <a:blip r:embed="rId6">
-            <a:alphaModFix/>
-          </a:blip>
-          <a:srcRect/>
-          <a:stretch/>
-        </p:blipFill>
-        <p:spPr>
-          <a:xfrm>
-            <a:off x="6438593" y="1912032"/>
-            <a:ext cx="330301" cy="330303"/>
-          </a:xfrm>
-          <a:prstGeom prst="rect">
-            <a:avLst/>
-          </a:prstGeom>
-          <a:noFill/>
-          <a:ln>
-            <a:noFill/>
-          </a:ln>
-        </p:spPr>
-      </p:pic>
-      <p:sp>
-        <p:nvSpPr>
-          <p:cNvPr id="225" name="Google Shape;225;p49"/>
-          <p:cNvSpPr txBox="1"/>
-          <p:nvPr/>
-        </p:nvSpPr>
-        <p:spPr>
-          <a:xfrm>
-            <a:off x="6829363" y="1898744"/>
-            <a:ext cx="2044200" cy="354000"/>
-          </a:xfrm>
-          <a:prstGeom prst="rect">
-            <a:avLst/>
-          </a:prstGeom>
-          <a:noFill/>
-          <a:ln>
-            <a:noFill/>
-          </a:ln>
-        </p:spPr>
-        <p:txBody>
-          <a:bodyPr spcFirstLastPara="1" wrap="square" lIns="91425" tIns="91425" rIns="91425" bIns="91425" anchor="t" anchorCtr="0">
-            <a:spAutoFit/>
-          </a:bodyPr>
-          <a:lstStyle/>
-          <a:p>
-            <a:pPr marL="0" lvl="0" indent="0" algn="l" rtl="0">
-              <a:spcBef>
-                <a:spcPts val="0"/>
-              </a:spcBef>
-              <a:spcAft>
-                <a:spcPts val="0"/>
-              </a:spcAft>
-              <a:buNone/>
-            </a:pPr>
-            <a:r>
-              <a:rPr lang="ru" sz="1100">
-                <a:solidFill>
-                  <a:schemeClr val="lt1"/>
-                </a:solidFill>
-                <a:latin typeface="Roboto"/>
-                <a:ea typeface="Roboto"/>
-                <a:cs typeface="Roboto"/>
-                <a:sym typeface="Roboto"/>
-              </a:rPr>
-              <a:t>Индивидуально</a:t>
-            </a:r>
-            <a:endParaRPr sz="1100">
-              <a:solidFill>
-                <a:schemeClr val="lt1"/>
-              </a:solidFill>
-              <a:latin typeface="Roboto"/>
-              <a:ea typeface="Roboto"/>
-              <a:cs typeface="Roboto"/>
-              <a:sym typeface="Roboto"/>
-            </a:endParaRPr>
-          </a:p>
-        </p:txBody>
-      </p:sp>
-      <p:pic>
-        <p:nvPicPr>
-          <p:cNvPr id="226" name="Google Shape;226;p49"/>
-          <p:cNvPicPr preferRelativeResize="0"/>
-          <p:nvPr/>
-        </p:nvPicPr>
-        <p:blipFill rotWithShape="1">
-          <a:blip r:embed="rId7">
-            <a:alphaModFix/>
-          </a:blip>
-          <a:srcRect/>
-          <a:stretch/>
-        </p:blipFill>
-        <p:spPr>
-          <a:xfrm>
-            <a:off x="6438593" y="2392126"/>
-            <a:ext cx="330301" cy="330303"/>
-          </a:xfrm>
-          <a:prstGeom prst="rect">
-            <a:avLst/>
-          </a:prstGeom>
-          <a:noFill/>
-          <a:ln>
-            <a:noFill/>
-          </a:ln>
-        </p:spPr>
-      </p:pic>
-      <p:sp>
-        <p:nvSpPr>
-          <p:cNvPr id="227" name="Google Shape;227;p49"/>
-          <p:cNvSpPr txBox="1"/>
-          <p:nvPr/>
-        </p:nvSpPr>
-        <p:spPr>
-          <a:xfrm>
-            <a:off x="6829363" y="2291099"/>
-            <a:ext cx="2044200" cy="523200"/>
-          </a:xfrm>
-          <a:prstGeom prst="rect">
-            <a:avLst/>
-          </a:prstGeom>
-          <a:noFill/>
-          <a:ln>
-            <a:noFill/>
-          </a:ln>
-        </p:spPr>
-        <p:txBody>
-          <a:bodyPr spcFirstLastPara="1" wrap="square" lIns="91425" tIns="91425" rIns="91425" bIns="91425" anchor="t" anchorCtr="0">
-            <a:spAutoFit/>
-          </a:bodyPr>
-          <a:lstStyle/>
-          <a:p>
-            <a:pPr marL="0" lvl="0" indent="0" algn="l" rtl="0">
-              <a:spcBef>
-                <a:spcPts val="0"/>
-              </a:spcBef>
-              <a:spcAft>
-                <a:spcPts val="0"/>
-              </a:spcAft>
-              <a:buNone/>
-            </a:pPr>
-            <a:r>
-              <a:rPr lang="ru" sz="1100">
-                <a:solidFill>
-                  <a:schemeClr val="lt1"/>
-                </a:solidFill>
-                <a:latin typeface="Roboto"/>
-                <a:ea typeface="Roboto"/>
-                <a:cs typeface="Roboto"/>
-                <a:sym typeface="Roboto"/>
-              </a:rPr>
-              <a:t>Время, необходимое</a:t>
-            </a:r>
-            <a:endParaRPr sz="1100">
-              <a:solidFill>
-                <a:schemeClr val="lt1"/>
-              </a:solidFill>
-              <a:latin typeface="Roboto"/>
-              <a:ea typeface="Roboto"/>
-              <a:cs typeface="Roboto"/>
-              <a:sym typeface="Roboto"/>
-            </a:endParaRPr>
-          </a:p>
-          <a:p>
-            <a:pPr marL="0" lvl="0" indent="0" algn="l" rtl="0">
-              <a:spcBef>
-                <a:spcPts val="0"/>
-              </a:spcBef>
-              <a:spcAft>
-                <a:spcPts val="0"/>
-              </a:spcAft>
-              <a:buNone/>
-            </a:pPr>
-            <a:r>
-              <a:rPr lang="ru" sz="1100">
-                <a:solidFill>
-                  <a:schemeClr val="lt1"/>
-                </a:solidFill>
-                <a:latin typeface="Roboto"/>
-                <a:ea typeface="Roboto"/>
-                <a:cs typeface="Roboto"/>
-                <a:sym typeface="Roboto"/>
-              </a:rPr>
-              <a:t>на активность</a:t>
-            </a:r>
-            <a:endParaRPr sz="1100">
-              <a:solidFill>
-                <a:schemeClr val="lt1"/>
-              </a:solidFill>
-              <a:latin typeface="Roboto"/>
-              <a:ea typeface="Roboto"/>
-              <a:cs typeface="Roboto"/>
-              <a:sym typeface="Roboto"/>
-            </a:endParaRPr>
-          </a:p>
-        </p:txBody>
-      </p:sp>
-      <p:pic>
-        <p:nvPicPr>
-          <p:cNvPr id="228" name="Google Shape;228;p49"/>
-          <p:cNvPicPr preferRelativeResize="0"/>
-          <p:nvPr/>
-        </p:nvPicPr>
-        <p:blipFill rotWithShape="1">
-          <a:blip r:embed="rId8">
-            <a:alphaModFix/>
-          </a:blip>
-          <a:srcRect/>
-          <a:stretch/>
-        </p:blipFill>
-        <p:spPr>
-          <a:xfrm>
-            <a:off x="6438593" y="2872220"/>
-            <a:ext cx="330301" cy="330303"/>
-          </a:xfrm>
-          <a:prstGeom prst="rect">
-            <a:avLst/>
-          </a:prstGeom>
-          <a:noFill/>
-          <a:ln>
-            <a:noFill/>
-          </a:ln>
-        </p:spPr>
-      </p:pic>
-      <p:sp>
-        <p:nvSpPr>
-          <p:cNvPr id="229" name="Google Shape;229;p49"/>
-          <p:cNvSpPr txBox="1"/>
-          <p:nvPr/>
-        </p:nvSpPr>
-        <p:spPr>
-          <a:xfrm>
-            <a:off x="6829363" y="2873300"/>
-            <a:ext cx="2044200" cy="354000"/>
-          </a:xfrm>
-          <a:prstGeom prst="rect">
-            <a:avLst/>
-          </a:prstGeom>
-          <a:noFill/>
-          <a:ln>
-            <a:noFill/>
-          </a:ln>
-        </p:spPr>
-        <p:txBody>
-          <a:bodyPr spcFirstLastPara="1" wrap="square" lIns="91425" tIns="91425" rIns="91425" bIns="91425" anchor="t" anchorCtr="0">
-            <a:spAutoFit/>
-          </a:bodyPr>
-          <a:lstStyle/>
-          <a:p>
-            <a:pPr marL="0" lvl="0" indent="0" algn="l" rtl="0">
-              <a:spcBef>
-                <a:spcPts val="0"/>
-              </a:spcBef>
-              <a:spcAft>
-                <a:spcPts val="0"/>
-              </a:spcAft>
-              <a:buNone/>
-            </a:pPr>
-            <a:r>
-              <a:rPr lang="ru" sz="1100">
-                <a:solidFill>
-                  <a:schemeClr val="lt1"/>
-                </a:solidFill>
-                <a:latin typeface="Roboto"/>
-                <a:ea typeface="Roboto"/>
-                <a:cs typeface="Roboto"/>
-                <a:sym typeface="Roboto"/>
-              </a:rPr>
-              <a:t>Пишем в чат</a:t>
-            </a:r>
-            <a:endParaRPr sz="1100">
-              <a:solidFill>
-                <a:schemeClr val="lt1"/>
-              </a:solidFill>
-              <a:latin typeface="Roboto"/>
-              <a:ea typeface="Roboto"/>
-              <a:cs typeface="Roboto"/>
-              <a:sym typeface="Roboto"/>
-            </a:endParaRPr>
-          </a:p>
-        </p:txBody>
-      </p:sp>
-      <p:pic>
-        <p:nvPicPr>
-          <p:cNvPr id="230" name="Google Shape;230;p49"/>
-          <p:cNvPicPr preferRelativeResize="0"/>
-          <p:nvPr/>
-        </p:nvPicPr>
-        <p:blipFill rotWithShape="1">
-          <a:blip r:embed="rId9">
-            <a:alphaModFix/>
-          </a:blip>
-          <a:srcRect/>
-          <a:stretch/>
-        </p:blipFill>
-        <p:spPr>
-          <a:xfrm>
-            <a:off x="6438593" y="3352314"/>
-            <a:ext cx="330301" cy="330303"/>
-          </a:xfrm>
-          <a:prstGeom prst="rect">
-            <a:avLst/>
-          </a:prstGeom>
-          <a:noFill/>
-          <a:ln>
-            <a:noFill/>
-          </a:ln>
-        </p:spPr>
-      </p:pic>
-      <p:sp>
-        <p:nvSpPr>
-          <p:cNvPr id="231" name="Google Shape;231;p49"/>
-          <p:cNvSpPr txBox="1"/>
-          <p:nvPr/>
-        </p:nvSpPr>
-        <p:spPr>
-          <a:xfrm>
-            <a:off x="6829363" y="3359347"/>
-            <a:ext cx="2044200" cy="354000"/>
-          </a:xfrm>
-          <a:prstGeom prst="rect">
-            <a:avLst/>
-          </a:prstGeom>
-          <a:noFill/>
-          <a:ln>
-            <a:noFill/>
-          </a:ln>
-        </p:spPr>
-        <p:txBody>
-          <a:bodyPr spcFirstLastPara="1" wrap="square" lIns="91425" tIns="91425" rIns="91425" bIns="91425" anchor="t" anchorCtr="0">
-            <a:spAutoFit/>
-          </a:bodyPr>
-          <a:lstStyle/>
-          <a:p>
-            <a:pPr marL="0" lvl="0" indent="0" algn="l" rtl="0">
-              <a:spcBef>
-                <a:spcPts val="0"/>
-              </a:spcBef>
-              <a:spcAft>
-                <a:spcPts val="0"/>
-              </a:spcAft>
-              <a:buNone/>
-            </a:pPr>
-            <a:r>
-              <a:rPr lang="ru" sz="1100">
-                <a:solidFill>
-                  <a:schemeClr val="lt1"/>
-                </a:solidFill>
-                <a:latin typeface="Roboto"/>
-                <a:ea typeface="Roboto"/>
-                <a:cs typeface="Roboto"/>
-                <a:sym typeface="Roboto"/>
-              </a:rPr>
-              <a:t>Говорим голосом</a:t>
-            </a:r>
-            <a:endParaRPr sz="1100">
-              <a:solidFill>
-                <a:schemeClr val="lt1"/>
-              </a:solidFill>
-              <a:latin typeface="Roboto"/>
-              <a:ea typeface="Roboto"/>
-              <a:cs typeface="Roboto"/>
-              <a:sym typeface="Roboto"/>
-            </a:endParaRPr>
-          </a:p>
-        </p:txBody>
-      </p:sp>
-      <p:pic>
-        <p:nvPicPr>
-          <p:cNvPr id="232" name="Google Shape;232;p49"/>
-          <p:cNvPicPr preferRelativeResize="0"/>
-          <p:nvPr/>
-        </p:nvPicPr>
-        <p:blipFill rotWithShape="1">
-          <a:blip r:embed="rId10">
-            <a:alphaModFix/>
-          </a:blip>
-          <a:srcRect/>
-          <a:stretch/>
-        </p:blipFill>
-        <p:spPr>
-          <a:xfrm>
-            <a:off x="6438593" y="3832409"/>
-            <a:ext cx="330301" cy="330301"/>
-          </a:xfrm>
-          <a:prstGeom prst="rect">
-            <a:avLst/>
-          </a:prstGeom>
-          <a:noFill/>
-          <a:ln>
-            <a:noFill/>
-          </a:ln>
-        </p:spPr>
-      </p:pic>
-      <p:sp>
-        <p:nvSpPr>
-          <p:cNvPr id="233" name="Google Shape;233;p49"/>
-          <p:cNvSpPr txBox="1"/>
-          <p:nvPr/>
-        </p:nvSpPr>
-        <p:spPr>
-          <a:xfrm>
-            <a:off x="6829363" y="3827568"/>
-            <a:ext cx="2044200" cy="354000"/>
-          </a:xfrm>
-          <a:prstGeom prst="rect">
-            <a:avLst/>
-          </a:prstGeom>
-          <a:noFill/>
-          <a:ln>
-            <a:noFill/>
-          </a:ln>
-        </p:spPr>
-        <p:txBody>
-          <a:bodyPr spcFirstLastPara="1" wrap="square" lIns="91425" tIns="91425" rIns="91425" bIns="91425" anchor="t" anchorCtr="0">
-            <a:spAutoFit/>
-          </a:bodyPr>
-          <a:lstStyle/>
-          <a:p>
-            <a:pPr marL="0" lvl="0" indent="0" algn="l" rtl="0">
-              <a:spcBef>
-                <a:spcPts val="0"/>
-              </a:spcBef>
-              <a:spcAft>
-                <a:spcPts val="0"/>
-              </a:spcAft>
-              <a:buNone/>
-            </a:pPr>
-            <a:r>
-              <a:rPr lang="ru" sz="1100">
-                <a:solidFill>
-                  <a:schemeClr val="lt1"/>
-                </a:solidFill>
-                <a:latin typeface="Roboto"/>
-                <a:ea typeface="Roboto"/>
-                <a:cs typeface="Roboto"/>
-                <a:sym typeface="Roboto"/>
-              </a:rPr>
-              <a:t>Документ</a:t>
-            </a:r>
-            <a:endParaRPr sz="1100">
-              <a:solidFill>
-                <a:schemeClr val="lt1"/>
-              </a:solidFill>
-              <a:latin typeface="Roboto"/>
-              <a:ea typeface="Roboto"/>
-              <a:cs typeface="Roboto"/>
-              <a:sym typeface="Roboto"/>
-            </a:endParaRPr>
-          </a:p>
-        </p:txBody>
-      </p:sp>
-      <p:pic>
-        <p:nvPicPr>
-          <p:cNvPr id="234" name="Google Shape;234;p49"/>
-          <p:cNvPicPr preferRelativeResize="0"/>
-          <p:nvPr/>
-        </p:nvPicPr>
-        <p:blipFill rotWithShape="1">
-          <a:blip r:embed="rId11">
-            <a:alphaModFix/>
-          </a:blip>
-          <a:srcRect/>
-          <a:stretch/>
-        </p:blipFill>
-        <p:spPr>
-          <a:xfrm>
-            <a:off x="6438593" y="4312503"/>
-            <a:ext cx="330301" cy="330303"/>
-          </a:xfrm>
-          <a:prstGeom prst="rect">
-            <a:avLst/>
-          </a:prstGeom>
-          <a:noFill/>
-          <a:ln>
-            <a:noFill/>
-          </a:ln>
-        </p:spPr>
-      </p:pic>
-      <p:sp>
-        <p:nvSpPr>
-          <p:cNvPr id="235" name="Google Shape;235;p49"/>
-          <p:cNvSpPr txBox="1"/>
-          <p:nvPr/>
-        </p:nvSpPr>
-        <p:spPr>
-          <a:xfrm>
-            <a:off x="6829363" y="4223086"/>
-            <a:ext cx="2044200" cy="523200"/>
-          </a:xfrm>
-          <a:prstGeom prst="rect">
-            <a:avLst/>
-          </a:prstGeom>
-          <a:noFill/>
-          <a:ln>
-            <a:noFill/>
-          </a:ln>
-        </p:spPr>
-        <p:txBody>
-          <a:bodyPr spcFirstLastPara="1" wrap="square" lIns="91425" tIns="91425" rIns="91425" bIns="91425" anchor="t" anchorCtr="0">
-            <a:spAutoFit/>
-          </a:bodyPr>
-          <a:lstStyle/>
-          <a:p>
-            <a:pPr marL="0" lvl="0" indent="0" algn="l" rtl="0">
-              <a:spcBef>
-                <a:spcPts val="0"/>
-              </a:spcBef>
-              <a:spcAft>
-                <a:spcPts val="0"/>
-              </a:spcAft>
-              <a:buNone/>
-            </a:pPr>
-            <a:r>
-              <a:rPr lang="ru" sz="1100">
-                <a:solidFill>
-                  <a:schemeClr val="lt1"/>
-                </a:solidFill>
-                <a:latin typeface="Roboto"/>
-                <a:ea typeface="Roboto"/>
-                <a:cs typeface="Roboto"/>
-                <a:sym typeface="Roboto"/>
-              </a:rPr>
-              <a:t>Ответьте себе или</a:t>
-            </a:r>
-            <a:endParaRPr sz="1100">
-              <a:solidFill>
-                <a:schemeClr val="lt1"/>
-              </a:solidFill>
-              <a:latin typeface="Roboto"/>
-              <a:ea typeface="Roboto"/>
-              <a:cs typeface="Roboto"/>
-              <a:sym typeface="Roboto"/>
-            </a:endParaRPr>
-          </a:p>
-          <a:p>
-            <a:pPr marL="0" lvl="0" indent="0" algn="l" rtl="0">
-              <a:spcBef>
-                <a:spcPts val="0"/>
-              </a:spcBef>
-              <a:spcAft>
-                <a:spcPts val="0"/>
-              </a:spcAft>
-              <a:buNone/>
-            </a:pPr>
-            <a:r>
-              <a:rPr lang="ru" sz="1100">
-                <a:solidFill>
-                  <a:schemeClr val="lt1"/>
-                </a:solidFill>
-                <a:latin typeface="Roboto"/>
-                <a:ea typeface="Roboto"/>
-                <a:cs typeface="Roboto"/>
-                <a:sym typeface="Roboto"/>
-              </a:rPr>
-              <a:t>задайте вопрос</a:t>
-            </a:r>
-            <a:endParaRPr sz="1100">
-              <a:solidFill>
-                <a:schemeClr val="lt1"/>
-              </a:solidFill>
-              <a:latin typeface="Roboto"/>
-              <a:ea typeface="Roboto"/>
-              <a:cs typeface="Roboto"/>
-              <a:sym typeface="Roboto"/>
-            </a:endParaRPr>
-          </a:p>
-        </p:txBody>
-      </p:sp>
-      <p:pic>
-        <p:nvPicPr>
-          <p:cNvPr id="237" name="Google Shape;237;p49"/>
-          <p:cNvPicPr preferRelativeResize="0"/>
-          <p:nvPr/>
-        </p:nvPicPr>
-        <p:blipFill rotWithShape="1">
-          <a:blip r:embed="rId12">
-            <a:alphaModFix/>
-          </a:blip>
-          <a:srcRect/>
-          <a:stretch/>
-        </p:blipFill>
-        <p:spPr>
-          <a:xfrm>
-            <a:off x="837650" y="2171500"/>
-            <a:ext cx="692625" cy="692625"/>
-          </a:xfrm>
-          <a:prstGeom prst="rect">
-            <a:avLst/>
-          </a:prstGeom>
-          <a:noFill/>
-          <a:ln>
-            <a:noFill/>
-          </a:ln>
-        </p:spPr>
-      </p:pic>
     </p:spTree>
   </p:cSld>
   <p:clrMapOvr>
